--- a/NNbook.pptx
+++ b/NNbook.pptx
@@ -7,6 +7,10 @@
   <p:sldIdLst>
     <p:sldId id="256" r:id="rId2"/>
     <p:sldId id="257" r:id="rId3"/>
+    <p:sldId id="258" r:id="rId4"/>
+    <p:sldId id="259" r:id="rId5"/>
+    <p:sldId id="260" r:id="rId6"/>
+    <p:sldId id="261" r:id="rId7"/>
   </p:sldIdLst>
   <p:sldSz cx="12192000" cy="6858000"/>
   <p:notesSz cx="6858000" cy="9144000"/>
@@ -105,6 +109,11 @@
       </a:defRPr>
     </a:lvl9pPr>
   </p:defaultTextStyle>
+  <p:extLst>
+    <p:ext uri="{EFAFB233-063F-42B5-8137-9DF3F51BA10A}">
+      <p15:sldGuideLst xmlns:p15="http://schemas.microsoft.com/office/powerpoint/2012/main"/>
+    </p:ext>
+  </p:extLst>
 </p:presentation>
 </file>
 
@@ -255,7 +264,7 @@
           <a:p>
             <a:fld id="{9E51E3AC-BACB-5241-8A8B-32C96F897CD0}" type="datetimeFigureOut">
               <a:rPr lang="en-US" smtClean="0"/>
-              <a:t>1/9/20</a:t>
+              <a:t>1/26/20</a:t>
             </a:fld>
             <a:endParaRPr lang="en-US"/>
           </a:p>
@@ -453,7 +462,7 @@
           <a:p>
             <a:fld id="{9E51E3AC-BACB-5241-8A8B-32C96F897CD0}" type="datetimeFigureOut">
               <a:rPr lang="en-US" smtClean="0"/>
-              <a:t>1/9/20</a:t>
+              <a:t>1/26/20</a:t>
             </a:fld>
             <a:endParaRPr lang="en-US"/>
           </a:p>
@@ -661,7 +670,7 @@
           <a:p>
             <a:fld id="{9E51E3AC-BACB-5241-8A8B-32C96F897CD0}" type="datetimeFigureOut">
               <a:rPr lang="en-US" smtClean="0"/>
-              <a:t>1/9/20</a:t>
+              <a:t>1/26/20</a:t>
             </a:fld>
             <a:endParaRPr lang="en-US"/>
           </a:p>
@@ -859,7 +868,7 @@
           <a:p>
             <a:fld id="{9E51E3AC-BACB-5241-8A8B-32C96F897CD0}" type="datetimeFigureOut">
               <a:rPr lang="en-US" smtClean="0"/>
-              <a:t>1/9/20</a:t>
+              <a:t>1/26/20</a:t>
             </a:fld>
             <a:endParaRPr lang="en-US"/>
           </a:p>
@@ -1134,7 +1143,7 @@
           <a:p>
             <a:fld id="{9E51E3AC-BACB-5241-8A8B-32C96F897CD0}" type="datetimeFigureOut">
               <a:rPr lang="en-US" smtClean="0"/>
-              <a:t>1/9/20</a:t>
+              <a:t>1/26/20</a:t>
             </a:fld>
             <a:endParaRPr lang="en-US"/>
           </a:p>
@@ -1399,7 +1408,7 @@
           <a:p>
             <a:fld id="{9E51E3AC-BACB-5241-8A8B-32C96F897CD0}" type="datetimeFigureOut">
               <a:rPr lang="en-US" smtClean="0"/>
-              <a:t>1/9/20</a:t>
+              <a:t>1/26/20</a:t>
             </a:fld>
             <a:endParaRPr lang="en-US"/>
           </a:p>
@@ -1811,7 +1820,7 @@
           <a:p>
             <a:fld id="{9E51E3AC-BACB-5241-8A8B-32C96F897CD0}" type="datetimeFigureOut">
               <a:rPr lang="en-US" smtClean="0"/>
-              <a:t>1/9/20</a:t>
+              <a:t>1/26/20</a:t>
             </a:fld>
             <a:endParaRPr lang="en-US"/>
           </a:p>
@@ -1952,7 +1961,7 @@
           <a:p>
             <a:fld id="{9E51E3AC-BACB-5241-8A8B-32C96F897CD0}" type="datetimeFigureOut">
               <a:rPr lang="en-US" smtClean="0"/>
-              <a:t>1/9/20</a:t>
+              <a:t>1/26/20</a:t>
             </a:fld>
             <a:endParaRPr lang="en-US"/>
           </a:p>
@@ -2065,7 +2074,7 @@
           <a:p>
             <a:fld id="{9E51E3AC-BACB-5241-8A8B-32C96F897CD0}" type="datetimeFigureOut">
               <a:rPr lang="en-US" smtClean="0"/>
-              <a:t>1/9/20</a:t>
+              <a:t>1/26/20</a:t>
             </a:fld>
             <a:endParaRPr lang="en-US"/>
           </a:p>
@@ -2376,7 +2385,7 @@
           <a:p>
             <a:fld id="{9E51E3AC-BACB-5241-8A8B-32C96F897CD0}" type="datetimeFigureOut">
               <a:rPr lang="en-US" smtClean="0"/>
-              <a:t>1/9/20</a:t>
+              <a:t>1/26/20</a:t>
             </a:fld>
             <a:endParaRPr lang="en-US"/>
           </a:p>
@@ -2664,7 +2673,7 @@
           <a:p>
             <a:fld id="{9E51E3AC-BACB-5241-8A8B-32C96F897CD0}" type="datetimeFigureOut">
               <a:rPr lang="en-US" smtClean="0"/>
-              <a:t>1/9/20</a:t>
+              <a:t>1/26/20</a:t>
             </a:fld>
             <a:endParaRPr lang="en-US"/>
           </a:p>
@@ -2905,7 +2914,7 @@
           <a:p>
             <a:fld id="{9E51E3AC-BACB-5241-8A8B-32C96F897CD0}" type="datetimeFigureOut">
               <a:rPr lang="en-US" smtClean="0"/>
-              <a:t>1/9/20</a:t>
+              <a:t>1/26/20</a:t>
             </a:fld>
             <a:endParaRPr lang="en-US"/>
           </a:p>
@@ -3931,6 +3940,5453 @@
 </p:sld>
 </file>
 
+<file path=ppt/slides/slide3.xml><?xml version="1.0" encoding="utf-8"?>
+<p:sld xmlns:a="http://schemas.openxmlformats.org/drawingml/2006/main" xmlns:r="http://schemas.openxmlformats.org/officeDocument/2006/relationships" xmlns:p="http://schemas.openxmlformats.org/presentationml/2006/main">
+  <p:cSld>
+    <p:spTree>
+      <p:nvGrpSpPr>
+        <p:cNvPr id="1" name=""/>
+        <p:cNvGrpSpPr/>
+        <p:nvPr/>
+      </p:nvGrpSpPr>
+      <p:grpSpPr>
+        <a:xfrm>
+          <a:off x="0" y="0"/>
+          <a:ext cx="0" cy="0"/>
+          <a:chOff x="0" y="0"/>
+          <a:chExt cx="0" cy="0"/>
+        </a:xfrm>
+      </p:grpSpPr>
+      <p:graphicFrame>
+        <p:nvGraphicFramePr>
+          <p:cNvPr id="3" name="Table 2">
+            <a:extLst>
+              <a:ext uri="{FF2B5EF4-FFF2-40B4-BE49-F238E27FC236}">
+                <a16:creationId xmlns:a16="http://schemas.microsoft.com/office/drawing/2014/main" id="{9779BC13-A294-2B49-8708-236F4073DFB4}"/>
+              </a:ext>
+            </a:extLst>
+          </p:cNvPr>
+          <p:cNvGraphicFramePr>
+            <a:graphicFrameLocks noGrp="1"/>
+          </p:cNvGraphicFramePr>
+          <p:nvPr>
+            <p:extLst>
+              <p:ext uri="{D42A27DB-BD31-4B8C-83A1-F6EECF244321}">
+                <p14:modId xmlns:p14="http://schemas.microsoft.com/office/powerpoint/2010/main" val="2976008247"/>
+              </p:ext>
+            </p:extLst>
+          </p:nvPr>
+        </p:nvGraphicFramePr>
+        <p:xfrm>
+          <a:off x="3697111" y="1972733"/>
+          <a:ext cx="4797778" cy="2452512"/>
+        </p:xfrm>
+        <a:graphic>
+          <a:graphicData uri="http://schemas.openxmlformats.org/drawingml/2006/table">
+            <a:tbl>
+              <a:tblPr firstRow="1" bandRow="1">
+                <a:tableStyleId>{5C22544A-7EE6-4342-B048-85BDC9FD1C3A}</a:tableStyleId>
+              </a:tblPr>
+              <a:tblGrid>
+                <a:gridCol w="2398889">
+                  <a:extLst>
+                    <a:ext uri="{9D8B030D-6E8A-4147-A177-3AD203B41FA5}">
+                      <a16:colId xmlns:a16="http://schemas.microsoft.com/office/drawing/2014/main" val="3946798335"/>
+                    </a:ext>
+                  </a:extLst>
+                </a:gridCol>
+                <a:gridCol w="2398889">
+                  <a:extLst>
+                    <a:ext uri="{9D8B030D-6E8A-4147-A177-3AD203B41FA5}">
+                      <a16:colId xmlns:a16="http://schemas.microsoft.com/office/drawing/2014/main" val="3104884091"/>
+                    </a:ext>
+                  </a:extLst>
+                </a:gridCol>
+              </a:tblGrid>
+              <a:tr h="1226256">
+                <a:tc>
+                  <a:txBody>
+                    <a:bodyPr/>
+                    <a:lstStyle/>
+                    <a:p>
+                      <a:pPr algn="ctr"/>
+                      <a:r>
+                        <a:rPr lang="en-US" b="0" dirty="0">
+                          <a:latin typeface="Comic Sans MS" panose="030F0902030302020204" pitchFamily="66" charset="0"/>
+                        </a:rPr>
+                        <a:t>Correct</a:t>
+                      </a:r>
+                    </a:p>
+                    <a:p>
+                      <a:pPr algn="ctr"/>
+                      <a:r>
+                        <a:rPr lang="en-US" b="0" dirty="0">
+                          <a:latin typeface="Comic Sans MS" panose="030F0902030302020204" pitchFamily="66" charset="0"/>
+                        </a:rPr>
+                        <a:t>(could not reject)</a:t>
+                      </a:r>
+                    </a:p>
+                  </a:txBody>
+                  <a:tcPr anchor="ctr">
+                    <a:solidFill>
+                      <a:schemeClr val="accent6">
+                        <a:lumMod val="75000"/>
+                      </a:schemeClr>
+                    </a:solidFill>
+                  </a:tcPr>
+                </a:tc>
+                <a:tc>
+                  <a:txBody>
+                    <a:bodyPr/>
+                    <a:lstStyle/>
+                    <a:p>
+                      <a:pPr algn="ctr"/>
+                      <a:r>
+                        <a:rPr lang="en-US" b="0" dirty="0">
+                          <a:latin typeface="Comic Sans MS" panose="030F0902030302020204" pitchFamily="66" charset="0"/>
+                        </a:rPr>
+                        <a:t>Wrong</a:t>
+                      </a:r>
+                    </a:p>
+                    <a:p>
+                      <a:pPr algn="ctr"/>
+                      <a:r>
+                        <a:rPr lang="en-US" b="0" dirty="0">
+                          <a:latin typeface="Comic Sans MS" panose="030F0902030302020204" pitchFamily="66" charset="0"/>
+                        </a:rPr>
+                        <a:t>Type I Error</a:t>
+                      </a:r>
+                    </a:p>
+                  </a:txBody>
+                  <a:tcPr anchor="ctr">
+                    <a:solidFill>
+                      <a:srgbClr val="C00000"/>
+                    </a:solidFill>
+                  </a:tcPr>
+                </a:tc>
+                <a:extLst>
+                  <a:ext uri="{0D108BD9-81ED-4DB2-BD59-A6C34878D82A}">
+                    <a16:rowId xmlns:a16="http://schemas.microsoft.com/office/drawing/2014/main" val="550836772"/>
+                  </a:ext>
+                </a:extLst>
+              </a:tr>
+              <a:tr h="1226256">
+                <a:tc>
+                  <a:txBody>
+                    <a:bodyPr/>
+                    <a:lstStyle/>
+                    <a:p>
+                      <a:pPr algn="ctr"/>
+                      <a:r>
+                        <a:rPr lang="en-US" b="0" dirty="0">
+                          <a:latin typeface="Comic Sans MS" panose="030F0902030302020204" pitchFamily="66" charset="0"/>
+                        </a:rPr>
+                        <a:t>Wrong</a:t>
+                      </a:r>
+                    </a:p>
+                    <a:p>
+                      <a:pPr algn="ctr"/>
+                      <a:r>
+                        <a:rPr lang="en-US" b="0" dirty="0">
+                          <a:latin typeface="Comic Sans MS" panose="030F0902030302020204" pitchFamily="66" charset="0"/>
+                        </a:rPr>
+                        <a:t>Type II Error</a:t>
+                      </a:r>
+                    </a:p>
+                  </a:txBody>
+                  <a:tcPr anchor="ctr">
+                    <a:solidFill>
+                      <a:srgbClr val="C00000"/>
+                    </a:solidFill>
+                  </a:tcPr>
+                </a:tc>
+                <a:tc>
+                  <a:txBody>
+                    <a:bodyPr/>
+                    <a:lstStyle/>
+                    <a:p>
+                      <a:pPr algn="ctr"/>
+                      <a:r>
+                        <a:rPr lang="en-US" b="0" dirty="0">
+                          <a:latin typeface="Comic Sans MS" panose="030F0902030302020204" pitchFamily="66" charset="0"/>
+                        </a:rPr>
+                        <a:t>Correct</a:t>
+                      </a:r>
+                    </a:p>
+                    <a:p>
+                      <a:pPr algn="ctr"/>
+                      <a:r>
+                        <a:rPr lang="en-US" b="0" dirty="0">
+                          <a:latin typeface="Comic Sans MS" panose="030F0902030302020204" pitchFamily="66" charset="0"/>
+                        </a:rPr>
+                        <a:t>(Rejected)</a:t>
+                      </a:r>
+                    </a:p>
+                  </a:txBody>
+                  <a:tcPr anchor="ctr">
+                    <a:solidFill>
+                      <a:schemeClr val="accent6">
+                        <a:lumMod val="75000"/>
+                      </a:schemeClr>
+                    </a:solidFill>
+                  </a:tcPr>
+                </a:tc>
+                <a:extLst>
+                  <a:ext uri="{0D108BD9-81ED-4DB2-BD59-A6C34878D82A}">
+                    <a16:rowId xmlns:a16="http://schemas.microsoft.com/office/drawing/2014/main" val="3586644680"/>
+                  </a:ext>
+                </a:extLst>
+              </a:tr>
+            </a:tbl>
+          </a:graphicData>
+        </a:graphic>
+      </p:graphicFrame>
+      <p:grpSp>
+        <p:nvGrpSpPr>
+          <p:cNvPr id="14" name="Group 13">
+            <a:extLst>
+              <a:ext uri="{FF2B5EF4-FFF2-40B4-BE49-F238E27FC236}">
+                <a16:creationId xmlns:a16="http://schemas.microsoft.com/office/drawing/2014/main" id="{9E435E9E-0016-8C43-AAAC-B3CC70256E44}"/>
+              </a:ext>
+            </a:extLst>
+          </p:cNvPr>
+          <p:cNvGrpSpPr/>
+          <p:nvPr/>
+        </p:nvGrpSpPr>
+        <p:grpSpPr>
+          <a:xfrm>
+            <a:off x="2210827" y="1328939"/>
+            <a:ext cx="6157335" cy="3105364"/>
+            <a:chOff x="2210827" y="1328939"/>
+            <a:chExt cx="6157335" cy="3105364"/>
+          </a:xfrm>
+        </p:grpSpPr>
+        <p:sp>
+          <p:nvSpPr>
+            <p:cNvPr id="4" name="TextBox 3">
+              <a:extLst>
+                <a:ext uri="{FF2B5EF4-FFF2-40B4-BE49-F238E27FC236}">
+                  <a16:creationId xmlns:a16="http://schemas.microsoft.com/office/drawing/2014/main" id="{79563E62-4ACF-3448-A7E0-19BA42EAE3A6}"/>
+                </a:ext>
+              </a:extLst>
+            </p:cNvPr>
+            <p:cNvSpPr txBox="1"/>
+            <p:nvPr/>
+          </p:nvSpPr>
+          <p:spPr>
+            <a:xfrm>
+              <a:off x="5241439" y="1328939"/>
+              <a:ext cx="1709122" cy="369332"/>
+            </a:xfrm>
+            <a:prstGeom prst="rect">
+              <a:avLst/>
+            </a:prstGeom>
+            <a:solidFill>
+              <a:schemeClr val="accent2">
+                <a:lumMod val="40000"/>
+                <a:lumOff val="60000"/>
+              </a:schemeClr>
+            </a:solidFill>
+          </p:spPr>
+          <p:txBody>
+            <a:bodyPr wrap="none" rtlCol="0">
+              <a:spAutoFit/>
+            </a:bodyPr>
+            <a:lstStyle/>
+            <a:p>
+              <a:r>
+                <a:rPr lang="en-US" dirty="0">
+                  <a:latin typeface="Nanum Pen Script" panose="03040600000000000000" pitchFamily="66" charset="-127"/>
+                  <a:ea typeface="Nanum Pen Script" panose="03040600000000000000" pitchFamily="66" charset="-127"/>
+                </a:rPr>
+                <a:t>State of the world</a:t>
+              </a:r>
+            </a:p>
+          </p:txBody>
+        </p:sp>
+        <p:sp>
+          <p:nvSpPr>
+            <p:cNvPr id="7" name="TextBox 6">
+              <a:extLst>
+                <a:ext uri="{FF2B5EF4-FFF2-40B4-BE49-F238E27FC236}">
+                  <a16:creationId xmlns:a16="http://schemas.microsoft.com/office/drawing/2014/main" id="{2868AAE7-2561-1F49-ACDC-E4AFFB82972D}"/>
+                </a:ext>
+              </a:extLst>
+            </p:cNvPr>
+            <p:cNvSpPr txBox="1"/>
+            <p:nvPr/>
+          </p:nvSpPr>
+          <p:spPr>
+            <a:xfrm>
+              <a:off x="2232769" y="2196573"/>
+              <a:ext cx="1407758" cy="830997"/>
+            </a:xfrm>
+            <a:prstGeom prst="rect">
+              <a:avLst/>
+            </a:prstGeom>
+            <a:noFill/>
+          </p:spPr>
+          <p:txBody>
+            <a:bodyPr wrap="none" rtlCol="0">
+              <a:spAutoFit/>
+            </a:bodyPr>
+            <a:lstStyle/>
+            <a:p>
+              <a:pPr algn="ctr"/>
+              <a:r>
+                <a:rPr lang="en-US" sz="1200" dirty="0">
+                  <a:latin typeface="Comic Sans MS" panose="030F0902030302020204" pitchFamily="66" charset="0"/>
+                  <a:ea typeface="Nanum Pen Script" panose="03040600000000000000" pitchFamily="66" charset="-127"/>
+                </a:rPr>
+                <a:t>Could not </a:t>
+              </a:r>
+            </a:p>
+            <a:p>
+              <a:pPr algn="ctr"/>
+              <a:r>
+                <a:rPr lang="en-US" sz="1200" dirty="0">
+                  <a:latin typeface="Comic Sans MS" panose="030F0902030302020204" pitchFamily="66" charset="0"/>
+                  <a:ea typeface="Nanum Pen Script" panose="03040600000000000000" pitchFamily="66" charset="-127"/>
+                </a:rPr>
+                <a:t>Reject - no</a:t>
+              </a:r>
+            </a:p>
+            <a:p>
+              <a:pPr algn="ctr"/>
+              <a:r>
+                <a:rPr lang="en-US" sz="1200" dirty="0">
+                  <a:latin typeface="Comic Sans MS" panose="030F0902030302020204" pitchFamily="66" charset="0"/>
+                  <a:ea typeface="Nanum Pen Script" panose="03040600000000000000" pitchFamily="66" charset="-127"/>
+                </a:rPr>
+                <a:t>Stat significance</a:t>
+              </a:r>
+            </a:p>
+            <a:p>
+              <a:pPr algn="ctr"/>
+              <a:r>
+                <a:rPr lang="en-US" sz="1200" dirty="0">
+                  <a:latin typeface="Comic Sans MS" panose="030F0902030302020204" pitchFamily="66" charset="0"/>
+                  <a:ea typeface="Nanum Pen Script" panose="03040600000000000000" pitchFamily="66" charset="-127"/>
+                </a:rPr>
+                <a:t>(Retain)</a:t>
+              </a:r>
+            </a:p>
+          </p:txBody>
+        </p:sp>
+        <p:sp>
+          <p:nvSpPr>
+            <p:cNvPr id="8" name="TextBox 7">
+              <a:extLst>
+                <a:ext uri="{FF2B5EF4-FFF2-40B4-BE49-F238E27FC236}">
+                  <a16:creationId xmlns:a16="http://schemas.microsoft.com/office/drawing/2014/main" id="{B3417DDB-E78B-434A-8A4E-80BD2EAAD4AC}"/>
+                </a:ext>
+              </a:extLst>
+            </p:cNvPr>
+            <p:cNvSpPr txBox="1"/>
+            <p:nvPr/>
+          </p:nvSpPr>
+          <p:spPr>
+            <a:xfrm rot="16200000">
+              <a:off x="3178852" y="3014322"/>
+              <a:ext cx="814647" cy="369332"/>
+            </a:xfrm>
+            <a:prstGeom prst="rect">
+              <a:avLst/>
+            </a:prstGeom>
+            <a:solidFill>
+              <a:schemeClr val="accent2">
+                <a:lumMod val="40000"/>
+                <a:lumOff val="60000"/>
+              </a:schemeClr>
+            </a:solidFill>
+          </p:spPr>
+          <p:txBody>
+            <a:bodyPr wrap="none" rtlCol="0">
+              <a:spAutoFit/>
+            </a:bodyPr>
+            <a:lstStyle/>
+            <a:p>
+              <a:r>
+                <a:rPr lang="en-US" dirty="0">
+                  <a:latin typeface="Nanum Pen Script" panose="03040600000000000000" pitchFamily="66" charset="-127"/>
+                  <a:ea typeface="Nanum Pen Script" panose="03040600000000000000" pitchFamily="66" charset="-127"/>
+                </a:rPr>
+                <a:t>Decision</a:t>
+              </a:r>
+            </a:p>
+          </p:txBody>
+        </p:sp>
+        <p:sp>
+          <p:nvSpPr>
+            <p:cNvPr id="9" name="TextBox 8">
+              <a:extLst>
+                <a:ext uri="{FF2B5EF4-FFF2-40B4-BE49-F238E27FC236}">
+                  <a16:creationId xmlns:a16="http://schemas.microsoft.com/office/drawing/2014/main" id="{F39FFBA7-6DEA-D240-A0AB-571F96C8C7E8}"/>
+                </a:ext>
+              </a:extLst>
+            </p:cNvPr>
+            <p:cNvSpPr txBox="1"/>
+            <p:nvPr/>
+          </p:nvSpPr>
+          <p:spPr>
+            <a:xfrm>
+              <a:off x="2210827" y="3418640"/>
+              <a:ext cx="1327607" cy="1015663"/>
+            </a:xfrm>
+            <a:prstGeom prst="rect">
+              <a:avLst/>
+            </a:prstGeom>
+            <a:noFill/>
+          </p:spPr>
+          <p:txBody>
+            <a:bodyPr wrap="none" rtlCol="0">
+              <a:spAutoFit/>
+            </a:bodyPr>
+            <a:lstStyle/>
+            <a:p>
+              <a:pPr algn="ctr"/>
+              <a:r>
+                <a:rPr lang="en-US" sz="1200" dirty="0">
+                  <a:latin typeface="Comic Sans MS" panose="030F0902030302020204" pitchFamily="66" charset="0"/>
+                  <a:ea typeface="Nanum Pen Script" panose="03040600000000000000" pitchFamily="66" charset="-127"/>
+                </a:rPr>
+                <a:t>Experiments</a:t>
+              </a:r>
+            </a:p>
+            <a:p>
+              <a:pPr algn="ctr"/>
+              <a:r>
+                <a:rPr lang="en-US" sz="1200" dirty="0">
+                  <a:latin typeface="Comic Sans MS" panose="030F0902030302020204" pitchFamily="66" charset="0"/>
+                  <a:ea typeface="Nanum Pen Script" panose="03040600000000000000" pitchFamily="66" charset="-127"/>
+                </a:rPr>
+                <a:t>Results showed </a:t>
+              </a:r>
+            </a:p>
+            <a:p>
+              <a:pPr algn="ctr"/>
+              <a:r>
+                <a:rPr lang="en-US" sz="1200" dirty="0">
+                  <a:latin typeface="Comic Sans MS" panose="030F0902030302020204" pitchFamily="66" charset="0"/>
+                  <a:ea typeface="Nanum Pen Script" panose="03040600000000000000" pitchFamily="66" charset="-127"/>
+                </a:rPr>
+                <a:t>Effect</a:t>
+              </a:r>
+            </a:p>
+            <a:p>
+              <a:pPr algn="ctr"/>
+              <a:endParaRPr lang="en-US" sz="1200" dirty="0">
+                <a:latin typeface="Comic Sans MS" panose="030F0902030302020204" pitchFamily="66" charset="0"/>
+                <a:ea typeface="Nanum Pen Script" panose="03040600000000000000" pitchFamily="66" charset="-127"/>
+              </a:endParaRPr>
+            </a:p>
+            <a:p>
+              <a:pPr algn="ctr"/>
+              <a:r>
+                <a:rPr lang="en-US" sz="1200" dirty="0">
+                  <a:latin typeface="Comic Sans MS" panose="030F0902030302020204" pitchFamily="66" charset="0"/>
+                  <a:ea typeface="Nanum Pen Script" panose="03040600000000000000" pitchFamily="66" charset="-127"/>
+                </a:rPr>
+                <a:t>To Reject</a:t>
+              </a:r>
+            </a:p>
+          </p:txBody>
+        </p:sp>
+        <p:sp>
+          <p:nvSpPr>
+            <p:cNvPr id="10" name="TextBox 9">
+              <a:extLst>
+                <a:ext uri="{FF2B5EF4-FFF2-40B4-BE49-F238E27FC236}">
+                  <a16:creationId xmlns:a16="http://schemas.microsoft.com/office/drawing/2014/main" id="{E249FEA7-2735-1249-8F64-391338F08428}"/>
+                </a:ext>
+              </a:extLst>
+            </p:cNvPr>
+            <p:cNvSpPr txBox="1"/>
+            <p:nvPr/>
+          </p:nvSpPr>
+          <p:spPr>
+            <a:xfrm>
+              <a:off x="4069751" y="1372568"/>
+              <a:ext cx="1024640" cy="646331"/>
+            </a:xfrm>
+            <a:prstGeom prst="rect">
+              <a:avLst/>
+            </a:prstGeom>
+            <a:noFill/>
+          </p:spPr>
+          <p:txBody>
+            <a:bodyPr wrap="none" rtlCol="0">
+              <a:spAutoFit/>
+            </a:bodyPr>
+            <a:lstStyle/>
+            <a:p>
+              <a:pPr algn="ctr"/>
+              <a:r>
+                <a:rPr lang="en-US" sz="1200" dirty="0">
+                  <a:latin typeface="Comic Sans MS" panose="030F0902030302020204" pitchFamily="66" charset="0"/>
+                  <a:ea typeface="Nanum Pen Script" panose="03040600000000000000" pitchFamily="66" charset="-127"/>
+                </a:rPr>
+                <a:t>Null-</a:t>
+              </a:r>
+              <a:r>
+                <a:rPr lang="en-US" sz="1200" dirty="0" err="1">
+                  <a:latin typeface="Comic Sans MS" panose="030F0902030302020204" pitchFamily="66" charset="0"/>
+                  <a:ea typeface="Nanum Pen Script" panose="03040600000000000000" pitchFamily="66" charset="-127"/>
+                </a:rPr>
+                <a:t>Hyp</a:t>
+              </a:r>
+              <a:endParaRPr lang="en-US" sz="1200" dirty="0">
+                <a:latin typeface="Comic Sans MS" panose="030F0902030302020204" pitchFamily="66" charset="0"/>
+                <a:ea typeface="Nanum Pen Script" panose="03040600000000000000" pitchFamily="66" charset="-127"/>
+              </a:endParaRPr>
+            </a:p>
+            <a:p>
+              <a:pPr algn="ctr"/>
+              <a:r>
+                <a:rPr lang="en-US" sz="1200" dirty="0">
+                  <a:latin typeface="Comic Sans MS" panose="030F0902030302020204" pitchFamily="66" charset="0"/>
+                  <a:ea typeface="Nanum Pen Script" panose="03040600000000000000" pitchFamily="66" charset="-127"/>
+                </a:rPr>
+                <a:t>True</a:t>
+              </a:r>
+            </a:p>
+            <a:p>
+              <a:pPr algn="ctr"/>
+              <a:r>
+                <a:rPr lang="en-US" sz="1200" dirty="0">
+                  <a:latin typeface="Comic Sans MS" panose="030F0902030302020204" pitchFamily="66" charset="0"/>
+                  <a:ea typeface="Nanum Pen Script" panose="03040600000000000000" pitchFamily="66" charset="-127"/>
+                </a:rPr>
+                <a:t>(No effect)</a:t>
+              </a:r>
+            </a:p>
+          </p:txBody>
+        </p:sp>
+        <p:sp>
+          <p:nvSpPr>
+            <p:cNvPr id="11" name="TextBox 10">
+              <a:extLst>
+                <a:ext uri="{FF2B5EF4-FFF2-40B4-BE49-F238E27FC236}">
+                  <a16:creationId xmlns:a16="http://schemas.microsoft.com/office/drawing/2014/main" id="{D49B37FE-9A64-2E4E-AD3C-6D2AC1DAD86C}"/>
+                </a:ext>
+              </a:extLst>
+            </p:cNvPr>
+            <p:cNvSpPr txBox="1"/>
+            <p:nvPr/>
+          </p:nvSpPr>
+          <p:spPr>
+            <a:xfrm>
+              <a:off x="6945977" y="1367891"/>
+              <a:ext cx="1422185" cy="646331"/>
+            </a:xfrm>
+            <a:prstGeom prst="rect">
+              <a:avLst/>
+            </a:prstGeom>
+            <a:noFill/>
+          </p:spPr>
+          <p:txBody>
+            <a:bodyPr wrap="none" rtlCol="0">
+              <a:spAutoFit/>
+            </a:bodyPr>
+            <a:lstStyle/>
+            <a:p>
+              <a:pPr algn="ctr"/>
+              <a:r>
+                <a:rPr lang="en-US" sz="1200" dirty="0">
+                  <a:latin typeface="Comic Sans MS" panose="030F0902030302020204" pitchFamily="66" charset="0"/>
+                  <a:ea typeface="Nanum Pen Script" panose="03040600000000000000" pitchFamily="66" charset="-127"/>
+                </a:rPr>
+                <a:t>Null-</a:t>
+              </a:r>
+              <a:r>
+                <a:rPr lang="en-US" sz="1200" dirty="0" err="1">
+                  <a:latin typeface="Comic Sans MS" panose="030F0902030302020204" pitchFamily="66" charset="0"/>
+                  <a:ea typeface="Nanum Pen Script" panose="03040600000000000000" pitchFamily="66" charset="-127"/>
+                </a:rPr>
+                <a:t>Hyp</a:t>
+              </a:r>
+              <a:endParaRPr lang="en-US" sz="1200" dirty="0">
+                <a:latin typeface="Comic Sans MS" panose="030F0902030302020204" pitchFamily="66" charset="0"/>
+                <a:ea typeface="Nanum Pen Script" panose="03040600000000000000" pitchFamily="66" charset="-127"/>
+              </a:endParaRPr>
+            </a:p>
+            <a:p>
+              <a:pPr algn="ctr"/>
+              <a:r>
+                <a:rPr lang="en-US" sz="1200" dirty="0">
+                  <a:latin typeface="Comic Sans MS" panose="030F0902030302020204" pitchFamily="66" charset="0"/>
+                  <a:ea typeface="Nanum Pen Script" panose="03040600000000000000" pitchFamily="66" charset="-127"/>
+                </a:rPr>
+                <a:t>False</a:t>
+              </a:r>
+            </a:p>
+            <a:p>
+              <a:pPr algn="ctr"/>
+              <a:r>
+                <a:rPr lang="en-US" sz="1200" dirty="0">
+                  <a:latin typeface="Comic Sans MS" panose="030F0902030302020204" pitchFamily="66" charset="0"/>
+                  <a:ea typeface="Nanum Pen Script" panose="03040600000000000000" pitchFamily="66" charset="-127"/>
+                </a:rPr>
+                <a:t>(There is effect)</a:t>
+              </a:r>
+            </a:p>
+          </p:txBody>
+        </p:sp>
+      </p:grpSp>
+    </p:spTree>
+    <p:extLst>
+      <p:ext uri="{BB962C8B-B14F-4D97-AF65-F5344CB8AC3E}">
+        <p14:creationId xmlns:p14="http://schemas.microsoft.com/office/powerpoint/2010/main" val="3539564556"/>
+      </p:ext>
+    </p:extLst>
+  </p:cSld>
+  <p:clrMapOvr>
+    <a:masterClrMapping/>
+  </p:clrMapOvr>
+</p:sld>
+</file>
+
+<file path=ppt/slides/slide4.xml><?xml version="1.0" encoding="utf-8"?>
+<p:sld xmlns:a="http://schemas.openxmlformats.org/drawingml/2006/main" xmlns:r="http://schemas.openxmlformats.org/officeDocument/2006/relationships" xmlns:p="http://schemas.openxmlformats.org/presentationml/2006/main">
+  <p:cSld>
+    <p:spTree>
+      <p:nvGrpSpPr>
+        <p:cNvPr id="1" name=""/>
+        <p:cNvGrpSpPr/>
+        <p:nvPr/>
+      </p:nvGrpSpPr>
+      <p:grpSpPr>
+        <a:xfrm>
+          <a:off x="0" y="0"/>
+          <a:ext cx="0" cy="0"/>
+          <a:chOff x="0" y="0"/>
+          <a:chExt cx="0" cy="0"/>
+        </a:xfrm>
+      </p:grpSpPr>
+      <p:grpSp>
+        <p:nvGrpSpPr>
+          <p:cNvPr id="47" name="Group 46">
+            <a:extLst>
+              <a:ext uri="{FF2B5EF4-FFF2-40B4-BE49-F238E27FC236}">
+                <a16:creationId xmlns:a16="http://schemas.microsoft.com/office/drawing/2014/main" id="{52A7ECB0-8A00-3A4C-A96D-F5B30D501853}"/>
+              </a:ext>
+            </a:extLst>
+          </p:cNvPr>
+          <p:cNvGrpSpPr/>
+          <p:nvPr/>
+        </p:nvGrpSpPr>
+        <p:grpSpPr>
+          <a:xfrm>
+            <a:off x="2205767" y="1252785"/>
+            <a:ext cx="5024471" cy="3761901"/>
+            <a:chOff x="2205767" y="1252785"/>
+            <a:chExt cx="5024471" cy="3761901"/>
+          </a:xfrm>
+        </p:grpSpPr>
+        <p:grpSp>
+          <p:nvGrpSpPr>
+            <p:cNvPr id="44" name="Group 43">
+              <a:extLst>
+                <a:ext uri="{FF2B5EF4-FFF2-40B4-BE49-F238E27FC236}">
+                  <a16:creationId xmlns:a16="http://schemas.microsoft.com/office/drawing/2014/main" id="{2DBE5D98-92F5-8D42-9600-C06CCBDC834B}"/>
+                </a:ext>
+              </a:extLst>
+            </p:cNvPr>
+            <p:cNvGrpSpPr/>
+            <p:nvPr/>
+          </p:nvGrpSpPr>
+          <p:grpSpPr>
+            <a:xfrm>
+              <a:off x="2205767" y="1252785"/>
+              <a:ext cx="5024471" cy="3761901"/>
+              <a:chOff x="3154034" y="1297941"/>
+              <a:chExt cx="5024471" cy="3761901"/>
+            </a:xfrm>
+          </p:grpSpPr>
+          <p:sp>
+            <p:nvSpPr>
+              <p:cNvPr id="3" name="Rectangle 2">
+                <a:extLst>
+                  <a:ext uri="{FF2B5EF4-FFF2-40B4-BE49-F238E27FC236}">
+                    <a16:creationId xmlns:a16="http://schemas.microsoft.com/office/drawing/2014/main" id="{7B536A78-83F7-F74D-8A30-B69DD1A1A742}"/>
+                  </a:ext>
+                </a:extLst>
+              </p:cNvPr>
+              <p:cNvSpPr/>
+              <p:nvPr/>
+            </p:nvSpPr>
+            <p:spPr>
+              <a:xfrm>
+                <a:off x="4378798" y="1931124"/>
+                <a:ext cx="957943" cy="748938"/>
+              </a:xfrm>
+              <a:prstGeom prst="rect">
+                <a:avLst/>
+              </a:prstGeom>
+              <a:solidFill>
+                <a:schemeClr val="accent6">
+                  <a:lumMod val="75000"/>
+                  <a:alpha val="53000"/>
+                </a:schemeClr>
+              </a:solidFill>
+              <a:ln w="28575"/>
+            </p:spPr>
+            <p:style>
+              <a:lnRef idx="2">
+                <a:schemeClr val="accent1">
+                  <a:shade val="50000"/>
+                </a:schemeClr>
+              </a:lnRef>
+              <a:fillRef idx="1">
+                <a:schemeClr val="accent1"/>
+              </a:fillRef>
+              <a:effectRef idx="0">
+                <a:schemeClr val="accent1"/>
+              </a:effectRef>
+              <a:fontRef idx="minor">
+                <a:schemeClr val="lt1"/>
+              </a:fontRef>
+            </p:style>
+            <p:txBody>
+              <a:bodyPr rtlCol="0" anchor="ctr"/>
+              <a:lstStyle/>
+              <a:p>
+                <a:pPr algn="ctr"/>
+                <a:r>
+                  <a:rPr lang="en-US" dirty="0"/>
+                  <a:t>TP</a:t>
+                </a:r>
+              </a:p>
+            </p:txBody>
+          </p:sp>
+          <p:sp>
+            <p:nvSpPr>
+              <p:cNvPr id="4" name="Rectangle 3">
+                <a:extLst>
+                  <a:ext uri="{FF2B5EF4-FFF2-40B4-BE49-F238E27FC236}">
+                    <a16:creationId xmlns:a16="http://schemas.microsoft.com/office/drawing/2014/main" id="{4A0B9BB3-A820-6147-8F8E-8614A7B5A086}"/>
+                  </a:ext>
+                </a:extLst>
+              </p:cNvPr>
+              <p:cNvSpPr/>
+              <p:nvPr/>
+            </p:nvSpPr>
+            <p:spPr>
+              <a:xfrm>
+                <a:off x="5336741" y="1931124"/>
+                <a:ext cx="957943" cy="748938"/>
+              </a:xfrm>
+              <a:prstGeom prst="rect">
+                <a:avLst/>
+              </a:prstGeom>
+              <a:solidFill>
+                <a:srgbClr val="C00000">
+                  <a:alpha val="48000"/>
+                </a:srgbClr>
+              </a:solidFill>
+              <a:ln w="28575"/>
+            </p:spPr>
+            <p:style>
+              <a:lnRef idx="2">
+                <a:schemeClr val="accent1">
+                  <a:shade val="50000"/>
+                </a:schemeClr>
+              </a:lnRef>
+              <a:fillRef idx="1">
+                <a:schemeClr val="accent1"/>
+              </a:fillRef>
+              <a:effectRef idx="0">
+                <a:schemeClr val="accent1"/>
+              </a:effectRef>
+              <a:fontRef idx="minor">
+                <a:schemeClr val="lt1"/>
+              </a:fontRef>
+            </p:style>
+            <p:txBody>
+              <a:bodyPr rtlCol="0" anchor="ctr"/>
+              <a:lstStyle/>
+              <a:p>
+                <a:pPr algn="ctr"/>
+                <a:r>
+                  <a:rPr lang="en-US" dirty="0"/>
+                  <a:t>FP</a:t>
+                </a:r>
+              </a:p>
+            </p:txBody>
+          </p:sp>
+          <p:sp>
+            <p:nvSpPr>
+              <p:cNvPr id="5" name="Rectangle 4">
+                <a:extLst>
+                  <a:ext uri="{FF2B5EF4-FFF2-40B4-BE49-F238E27FC236}">
+                    <a16:creationId xmlns:a16="http://schemas.microsoft.com/office/drawing/2014/main" id="{FB9F4844-61B3-9B45-8AAA-31C1B86186FC}"/>
+                  </a:ext>
+                </a:extLst>
+              </p:cNvPr>
+              <p:cNvSpPr/>
+              <p:nvPr/>
+            </p:nvSpPr>
+            <p:spPr>
+              <a:xfrm>
+                <a:off x="4376968" y="2680062"/>
+                <a:ext cx="957943" cy="748938"/>
+              </a:xfrm>
+              <a:prstGeom prst="rect">
+                <a:avLst/>
+              </a:prstGeom>
+              <a:solidFill>
+                <a:srgbClr val="C00000">
+                  <a:alpha val="57000"/>
+                </a:srgbClr>
+              </a:solidFill>
+              <a:ln w="28575"/>
+            </p:spPr>
+            <p:style>
+              <a:lnRef idx="2">
+                <a:schemeClr val="accent1">
+                  <a:shade val="50000"/>
+                </a:schemeClr>
+              </a:lnRef>
+              <a:fillRef idx="1">
+                <a:schemeClr val="accent1"/>
+              </a:fillRef>
+              <a:effectRef idx="0">
+                <a:schemeClr val="accent1"/>
+              </a:effectRef>
+              <a:fontRef idx="minor">
+                <a:schemeClr val="lt1"/>
+              </a:fontRef>
+            </p:style>
+            <p:txBody>
+              <a:bodyPr rtlCol="0" anchor="ctr"/>
+              <a:lstStyle/>
+              <a:p>
+                <a:pPr algn="ctr"/>
+                <a:r>
+                  <a:rPr lang="en-US" dirty="0"/>
+                  <a:t>FN</a:t>
+                </a:r>
+              </a:p>
+            </p:txBody>
+          </p:sp>
+          <p:sp>
+            <p:nvSpPr>
+              <p:cNvPr id="6" name="Rectangle 5">
+                <a:extLst>
+                  <a:ext uri="{FF2B5EF4-FFF2-40B4-BE49-F238E27FC236}">
+                    <a16:creationId xmlns:a16="http://schemas.microsoft.com/office/drawing/2014/main" id="{2BF1FD0C-79E8-1A48-99FD-82EE7C247828}"/>
+                  </a:ext>
+                </a:extLst>
+              </p:cNvPr>
+              <p:cNvSpPr/>
+              <p:nvPr/>
+            </p:nvSpPr>
+            <p:spPr>
+              <a:xfrm>
+                <a:off x="5334911" y="2680062"/>
+                <a:ext cx="957943" cy="748938"/>
+              </a:xfrm>
+              <a:prstGeom prst="rect">
+                <a:avLst/>
+              </a:prstGeom>
+              <a:solidFill>
+                <a:schemeClr val="accent6">
+                  <a:lumMod val="75000"/>
+                  <a:alpha val="60000"/>
+                </a:schemeClr>
+              </a:solidFill>
+              <a:ln w="28575"/>
+            </p:spPr>
+            <p:style>
+              <a:lnRef idx="2">
+                <a:schemeClr val="accent1">
+                  <a:shade val="50000"/>
+                </a:schemeClr>
+              </a:lnRef>
+              <a:fillRef idx="1">
+                <a:schemeClr val="accent1"/>
+              </a:fillRef>
+              <a:effectRef idx="0">
+                <a:schemeClr val="accent1"/>
+              </a:effectRef>
+              <a:fontRef idx="minor">
+                <a:schemeClr val="lt1"/>
+              </a:fontRef>
+            </p:style>
+            <p:txBody>
+              <a:bodyPr rtlCol="0" anchor="ctr"/>
+              <a:lstStyle/>
+              <a:p>
+                <a:pPr algn="ctr"/>
+                <a:r>
+                  <a:rPr lang="en-US" dirty="0"/>
+                  <a:t>TN</a:t>
+                </a:r>
+              </a:p>
+            </p:txBody>
+          </p:sp>
+          <p:sp>
+            <p:nvSpPr>
+              <p:cNvPr id="8" name="TextBox 7">
+                <a:extLst>
+                  <a:ext uri="{FF2B5EF4-FFF2-40B4-BE49-F238E27FC236}">
+                    <a16:creationId xmlns:a16="http://schemas.microsoft.com/office/drawing/2014/main" id="{6297A405-F0F7-2141-A9FC-0458924A6458}"/>
+                  </a:ext>
+                </a:extLst>
+              </p:cNvPr>
+              <p:cNvSpPr txBox="1"/>
+              <p:nvPr/>
+            </p:nvSpPr>
+            <p:spPr>
+              <a:xfrm>
+                <a:off x="4592084" y="1639402"/>
+                <a:ext cx="527710" cy="276999"/>
+              </a:xfrm>
+              <a:prstGeom prst="rect">
+                <a:avLst/>
+              </a:prstGeom>
+              <a:noFill/>
+            </p:spPr>
+            <p:txBody>
+              <a:bodyPr wrap="square" rtlCol="0">
+                <a:spAutoFit/>
+              </a:bodyPr>
+              <a:lstStyle/>
+              <a:p>
+                <a:pPr algn="ctr"/>
+                <a:r>
+                  <a:rPr lang="en-US" sz="1200" dirty="0">
+                    <a:latin typeface="Comic Sans MS" panose="030F0902030302020204" pitchFamily="66" charset="0"/>
+                    <a:ea typeface="Nanum Pen Script" panose="03040600000000000000" pitchFamily="66" charset="-127"/>
+                  </a:rPr>
+                  <a:t>True</a:t>
+                </a:r>
+              </a:p>
+            </p:txBody>
+          </p:sp>
+          <p:sp>
+            <p:nvSpPr>
+              <p:cNvPr id="9" name="TextBox 8">
+                <a:extLst>
+                  <a:ext uri="{FF2B5EF4-FFF2-40B4-BE49-F238E27FC236}">
+                    <a16:creationId xmlns:a16="http://schemas.microsoft.com/office/drawing/2014/main" id="{1A6BDE45-BF2F-BF4E-B713-72EEEDF33F6D}"/>
+                  </a:ext>
+                </a:extLst>
+              </p:cNvPr>
+              <p:cNvSpPr txBox="1"/>
+              <p:nvPr/>
+            </p:nvSpPr>
+            <p:spPr>
+              <a:xfrm>
+                <a:off x="5460776" y="1624169"/>
+                <a:ext cx="558166" cy="276999"/>
+              </a:xfrm>
+              <a:prstGeom prst="rect">
+                <a:avLst/>
+              </a:prstGeom>
+              <a:noFill/>
+            </p:spPr>
+            <p:txBody>
+              <a:bodyPr wrap="square" rtlCol="0">
+                <a:spAutoFit/>
+              </a:bodyPr>
+              <a:lstStyle/>
+              <a:p>
+                <a:pPr algn="ctr"/>
+                <a:r>
+                  <a:rPr lang="en-US" sz="1200" dirty="0">
+                    <a:latin typeface="Comic Sans MS" panose="030F0902030302020204" pitchFamily="66" charset="0"/>
+                    <a:ea typeface="Nanum Pen Script" panose="03040600000000000000" pitchFamily="66" charset="-127"/>
+                  </a:rPr>
+                  <a:t>False</a:t>
+                </a:r>
+              </a:p>
+            </p:txBody>
+          </p:sp>
+          <p:sp>
+            <p:nvSpPr>
+              <p:cNvPr id="10" name="TextBox 9">
+                <a:extLst>
+                  <a:ext uri="{FF2B5EF4-FFF2-40B4-BE49-F238E27FC236}">
+                    <a16:creationId xmlns:a16="http://schemas.microsoft.com/office/drawing/2014/main" id="{F490364E-9045-FF48-9591-8E0B9CE5D8FD}"/>
+                  </a:ext>
+                </a:extLst>
+              </p:cNvPr>
+              <p:cNvSpPr txBox="1"/>
+              <p:nvPr/>
+            </p:nvSpPr>
+            <p:spPr>
+              <a:xfrm>
+                <a:off x="4480350" y="1297941"/>
+                <a:ext cx="1709122" cy="369332"/>
+              </a:xfrm>
+              <a:prstGeom prst="rect">
+                <a:avLst/>
+              </a:prstGeom>
+              <a:solidFill>
+                <a:schemeClr val="accent2">
+                  <a:lumMod val="40000"/>
+                  <a:lumOff val="60000"/>
+                </a:schemeClr>
+              </a:solidFill>
+            </p:spPr>
+            <p:txBody>
+              <a:bodyPr wrap="square" rtlCol="0">
+                <a:spAutoFit/>
+              </a:bodyPr>
+              <a:lstStyle/>
+              <a:p>
+                <a:r>
+                  <a:rPr lang="en-US" dirty="0">
+                    <a:latin typeface="Nanum Pen Script" panose="03040600000000000000" pitchFamily="66" charset="-127"/>
+                    <a:ea typeface="Nanum Pen Script" panose="03040600000000000000" pitchFamily="66" charset="-127"/>
+                  </a:rPr>
+                  <a:t>State of the world</a:t>
+                </a:r>
+              </a:p>
+            </p:txBody>
+          </p:sp>
+          <p:sp>
+            <p:nvSpPr>
+              <p:cNvPr id="11" name="TextBox 10">
+                <a:extLst>
+                  <a:ext uri="{FF2B5EF4-FFF2-40B4-BE49-F238E27FC236}">
+                    <a16:creationId xmlns:a16="http://schemas.microsoft.com/office/drawing/2014/main" id="{53E685AB-C94A-BD4D-B52A-1637ABE46A0E}"/>
+                  </a:ext>
+                </a:extLst>
+              </p:cNvPr>
+              <p:cNvSpPr txBox="1"/>
+              <p:nvPr/>
+            </p:nvSpPr>
+            <p:spPr>
+              <a:xfrm rot="16200000">
+                <a:off x="3436974" y="2495395"/>
+                <a:ext cx="922047" cy="369332"/>
+              </a:xfrm>
+              <a:prstGeom prst="rect">
+                <a:avLst/>
+              </a:prstGeom>
+              <a:solidFill>
+                <a:schemeClr val="accent2">
+                  <a:lumMod val="40000"/>
+                  <a:lumOff val="60000"/>
+                </a:schemeClr>
+              </a:solidFill>
+            </p:spPr>
+            <p:txBody>
+              <a:bodyPr wrap="none" rtlCol="0">
+                <a:spAutoFit/>
+              </a:bodyPr>
+              <a:lstStyle/>
+              <a:p>
+                <a:r>
+                  <a:rPr lang="en-US" dirty="0">
+                    <a:latin typeface="Nanum Pen Script" panose="03040600000000000000" pitchFamily="66" charset="-127"/>
+                    <a:ea typeface="Nanum Pen Script" panose="03040600000000000000" pitchFamily="66" charset="-127"/>
+                  </a:rPr>
+                  <a:t>Predicted</a:t>
+                </a:r>
+              </a:p>
+            </p:txBody>
+          </p:sp>
+          <p:sp>
+            <p:nvSpPr>
+              <p:cNvPr id="12" name="TextBox 11">
+                <a:extLst>
+                  <a:ext uri="{FF2B5EF4-FFF2-40B4-BE49-F238E27FC236}">
+                    <a16:creationId xmlns:a16="http://schemas.microsoft.com/office/drawing/2014/main" id="{2C0D5BCC-C0E3-EC48-8DD0-088ADBCE6F98}"/>
+                  </a:ext>
+                </a:extLst>
+              </p:cNvPr>
+              <p:cNvSpPr txBox="1"/>
+              <p:nvPr/>
+            </p:nvSpPr>
+            <p:spPr>
+              <a:xfrm rot="16200000">
+                <a:off x="3974614" y="2167092"/>
+                <a:ext cx="527710" cy="276999"/>
+              </a:xfrm>
+              <a:prstGeom prst="rect">
+                <a:avLst/>
+              </a:prstGeom>
+              <a:noFill/>
+            </p:spPr>
+            <p:txBody>
+              <a:bodyPr wrap="none" rtlCol="0">
+                <a:spAutoFit/>
+              </a:bodyPr>
+              <a:lstStyle/>
+              <a:p>
+                <a:pPr algn="ctr"/>
+                <a:r>
+                  <a:rPr lang="en-US" sz="1200" dirty="0">
+                    <a:latin typeface="Comic Sans MS" panose="030F0902030302020204" pitchFamily="66" charset="0"/>
+                    <a:ea typeface="Nanum Pen Script" panose="03040600000000000000" pitchFamily="66" charset="-127"/>
+                  </a:rPr>
+                  <a:t>True</a:t>
+                </a:r>
+              </a:p>
+            </p:txBody>
+          </p:sp>
+          <p:sp>
+            <p:nvSpPr>
+              <p:cNvPr id="13" name="TextBox 12">
+                <a:extLst>
+                  <a:ext uri="{FF2B5EF4-FFF2-40B4-BE49-F238E27FC236}">
+                    <a16:creationId xmlns:a16="http://schemas.microsoft.com/office/drawing/2014/main" id="{EDCFEBC6-D590-F442-B055-26D9A795E252}"/>
+                  </a:ext>
+                </a:extLst>
+              </p:cNvPr>
+              <p:cNvSpPr txBox="1"/>
+              <p:nvPr/>
+            </p:nvSpPr>
+            <p:spPr>
+              <a:xfrm rot="16200000">
+                <a:off x="3957556" y="2916031"/>
+                <a:ext cx="558166" cy="276999"/>
+              </a:xfrm>
+              <a:prstGeom prst="rect">
+                <a:avLst/>
+              </a:prstGeom>
+              <a:noFill/>
+            </p:spPr>
+            <p:txBody>
+              <a:bodyPr wrap="none" rtlCol="0">
+                <a:spAutoFit/>
+              </a:bodyPr>
+              <a:lstStyle/>
+              <a:p>
+                <a:pPr algn="ctr"/>
+                <a:r>
+                  <a:rPr lang="en-US" sz="1200" dirty="0">
+                    <a:latin typeface="Comic Sans MS" panose="030F0902030302020204" pitchFamily="66" charset="0"/>
+                    <a:ea typeface="Nanum Pen Script" panose="03040600000000000000" pitchFamily="66" charset="-127"/>
+                  </a:rPr>
+                  <a:t>False</a:t>
+                </a:r>
+              </a:p>
+            </p:txBody>
+          </p:sp>
+          <p:sp>
+            <p:nvSpPr>
+              <p:cNvPr id="14" name="Oval 13">
+                <a:extLst>
+                  <a:ext uri="{FF2B5EF4-FFF2-40B4-BE49-F238E27FC236}">
+                    <a16:creationId xmlns:a16="http://schemas.microsoft.com/office/drawing/2014/main" id="{15AB38C1-2718-9F43-8A29-0BD4C8FADFBE}"/>
+                  </a:ext>
+                </a:extLst>
+              </p:cNvPr>
+              <p:cNvSpPr/>
+              <p:nvPr/>
+            </p:nvSpPr>
+            <p:spPr>
+              <a:xfrm>
+                <a:off x="4552968" y="2060753"/>
+                <a:ext cx="2373779" cy="444668"/>
+              </a:xfrm>
+              <a:prstGeom prst="ellipse">
+                <a:avLst/>
+              </a:prstGeom>
+              <a:noFill/>
+              <a:ln w="9525"/>
+            </p:spPr>
+            <p:style>
+              <a:lnRef idx="2">
+                <a:schemeClr val="accent1">
+                  <a:shade val="50000"/>
+                </a:schemeClr>
+              </a:lnRef>
+              <a:fillRef idx="1">
+                <a:schemeClr val="accent1"/>
+              </a:fillRef>
+              <a:effectRef idx="0">
+                <a:schemeClr val="accent1"/>
+              </a:effectRef>
+              <a:fontRef idx="minor">
+                <a:schemeClr val="lt1"/>
+              </a:fontRef>
+            </p:style>
+            <p:txBody>
+              <a:bodyPr rtlCol="0" anchor="ctr"/>
+              <a:lstStyle/>
+              <a:p>
+                <a:pPr algn="ctr"/>
+                <a:endParaRPr lang="en-US"/>
+              </a:p>
+            </p:txBody>
+          </p:sp>
+          <p:sp>
+            <p:nvSpPr>
+              <p:cNvPr id="15" name="Oval 14">
+                <a:extLst>
+                  <a:ext uri="{FF2B5EF4-FFF2-40B4-BE49-F238E27FC236}">
+                    <a16:creationId xmlns:a16="http://schemas.microsoft.com/office/drawing/2014/main" id="{A75F19D1-C55C-BE44-B02C-82FAE671C9C4}"/>
+                  </a:ext>
+                </a:extLst>
+              </p:cNvPr>
+              <p:cNvSpPr/>
+              <p:nvPr/>
+            </p:nvSpPr>
+            <p:spPr>
+              <a:xfrm rot="2060935">
+                <a:off x="4422706" y="2569054"/>
+                <a:ext cx="2373779" cy="529316"/>
+              </a:xfrm>
+              <a:prstGeom prst="ellipse">
+                <a:avLst/>
+              </a:prstGeom>
+              <a:noFill/>
+              <a:ln w="9525">
+                <a:solidFill>
+                  <a:schemeClr val="accent6">
+                    <a:lumMod val="50000"/>
+                  </a:schemeClr>
+                </a:solidFill>
+              </a:ln>
+            </p:spPr>
+            <p:style>
+              <a:lnRef idx="2">
+                <a:schemeClr val="accent1">
+                  <a:shade val="50000"/>
+                </a:schemeClr>
+              </a:lnRef>
+              <a:fillRef idx="1">
+                <a:schemeClr val="accent1"/>
+              </a:fillRef>
+              <a:effectRef idx="0">
+                <a:schemeClr val="accent1"/>
+              </a:effectRef>
+              <a:fontRef idx="minor">
+                <a:schemeClr val="lt1"/>
+              </a:fontRef>
+            </p:style>
+            <p:txBody>
+              <a:bodyPr rtlCol="0" anchor="ctr"/>
+              <a:lstStyle/>
+              <a:p>
+                <a:pPr algn="ctr"/>
+                <a:endParaRPr lang="en-US"/>
+              </a:p>
+            </p:txBody>
+          </p:sp>
+          <p:sp>
+            <p:nvSpPr>
+              <p:cNvPr id="16" name="Oval 15">
+                <a:extLst>
+                  <a:ext uri="{FF2B5EF4-FFF2-40B4-BE49-F238E27FC236}">
+                    <a16:creationId xmlns:a16="http://schemas.microsoft.com/office/drawing/2014/main" id="{75C31CC6-4F1A-A640-8C09-B77B9943499C}"/>
+                  </a:ext>
+                </a:extLst>
+              </p:cNvPr>
+              <p:cNvSpPr/>
+              <p:nvPr/>
+            </p:nvSpPr>
+            <p:spPr>
+              <a:xfrm rot="5400000">
+                <a:off x="3848550" y="2703816"/>
+                <a:ext cx="1943906" cy="444668"/>
+              </a:xfrm>
+              <a:prstGeom prst="ellipse">
+                <a:avLst/>
+              </a:prstGeom>
+              <a:noFill/>
+              <a:ln w="9525">
+                <a:solidFill>
+                  <a:srgbClr val="C00000"/>
+                </a:solidFill>
+              </a:ln>
+            </p:spPr>
+            <p:style>
+              <a:lnRef idx="2">
+                <a:schemeClr val="accent1">
+                  <a:shade val="50000"/>
+                </a:schemeClr>
+              </a:lnRef>
+              <a:fillRef idx="1">
+                <a:schemeClr val="accent1"/>
+              </a:fillRef>
+              <a:effectRef idx="0">
+                <a:schemeClr val="accent1"/>
+              </a:effectRef>
+              <a:fontRef idx="minor">
+                <a:schemeClr val="lt1"/>
+              </a:fontRef>
+            </p:style>
+            <p:txBody>
+              <a:bodyPr rtlCol="0" anchor="ctr"/>
+              <a:lstStyle/>
+              <a:p>
+                <a:pPr algn="ctr"/>
+                <a:endParaRPr lang="en-US"/>
+              </a:p>
+            </p:txBody>
+          </p:sp>
+          <p:pic>
+            <p:nvPicPr>
+              <p:cNvPr id="19" name="Picture 18">
+                <a:extLst>
+                  <a:ext uri="{FF2B5EF4-FFF2-40B4-BE49-F238E27FC236}">
+                    <a16:creationId xmlns:a16="http://schemas.microsoft.com/office/drawing/2014/main" id="{9A01603A-DFD5-6B4A-9553-59FAFD43DF37}"/>
+                  </a:ext>
+                </a:extLst>
+              </p:cNvPr>
+              <p:cNvPicPr>
+                <a:picLocks noChangeAspect="1"/>
+              </p:cNvPicPr>
+              <p:nvPr/>
+            </p:nvPicPr>
+            <p:blipFill>
+              <a:blip r:embed="rId2"/>
+              <a:stretch>
+                <a:fillRect/>
+              </a:stretch>
+            </p:blipFill>
+            <p:spPr>
+              <a:xfrm>
+                <a:off x="4375139" y="3906775"/>
+                <a:ext cx="838200" cy="457200"/>
+              </a:xfrm>
+              <a:prstGeom prst="rect">
+                <a:avLst/>
+              </a:prstGeom>
+            </p:spPr>
+          </p:pic>
+          <p:sp>
+            <p:nvSpPr>
+              <p:cNvPr id="21" name="Oval 20">
+                <a:extLst>
+                  <a:ext uri="{FF2B5EF4-FFF2-40B4-BE49-F238E27FC236}">
+                    <a16:creationId xmlns:a16="http://schemas.microsoft.com/office/drawing/2014/main" id="{F47BA1F7-E89A-D348-9192-6BFC5F92157D}"/>
+                  </a:ext>
+                </a:extLst>
+              </p:cNvPr>
+              <p:cNvSpPr/>
+              <p:nvPr/>
+            </p:nvSpPr>
+            <p:spPr>
+              <a:xfrm rot="5400000">
+                <a:off x="4841929" y="2712280"/>
+                <a:ext cx="1943906" cy="444668"/>
+              </a:xfrm>
+              <a:prstGeom prst="ellipse">
+                <a:avLst/>
+              </a:prstGeom>
+              <a:noFill/>
+              <a:ln w="9525">
+                <a:solidFill>
+                  <a:srgbClr val="C00000"/>
+                </a:solidFill>
+              </a:ln>
+            </p:spPr>
+            <p:style>
+              <a:lnRef idx="2">
+                <a:schemeClr val="accent1">
+                  <a:shade val="50000"/>
+                </a:schemeClr>
+              </a:lnRef>
+              <a:fillRef idx="1">
+                <a:schemeClr val="accent1"/>
+              </a:fillRef>
+              <a:effectRef idx="0">
+                <a:schemeClr val="accent1"/>
+              </a:effectRef>
+              <a:fontRef idx="minor">
+                <a:schemeClr val="lt1"/>
+              </a:fontRef>
+            </p:style>
+            <p:txBody>
+              <a:bodyPr rtlCol="0" anchor="ctr"/>
+              <a:lstStyle/>
+              <a:p>
+                <a:pPr algn="ctr"/>
+                <a:endParaRPr lang="en-US"/>
+              </a:p>
+            </p:txBody>
+          </p:sp>
+          <p:pic>
+            <p:nvPicPr>
+              <p:cNvPr id="26" name="Picture 25">
+                <a:extLst>
+                  <a:ext uri="{FF2B5EF4-FFF2-40B4-BE49-F238E27FC236}">
+                    <a16:creationId xmlns:a16="http://schemas.microsoft.com/office/drawing/2014/main" id="{3F14E22D-0C92-7140-8C4E-8EDB12B4A0B9}"/>
+                  </a:ext>
+                </a:extLst>
+              </p:cNvPr>
+              <p:cNvPicPr>
+                <a:picLocks noChangeAspect="1"/>
+              </p:cNvPicPr>
+              <p:nvPr/>
+            </p:nvPicPr>
+            <p:blipFill>
+              <a:blip r:embed="rId3"/>
+              <a:stretch>
+                <a:fillRect/>
+              </a:stretch>
+            </p:blipFill>
+            <p:spPr>
+              <a:xfrm>
+                <a:off x="7019306" y="1939637"/>
+                <a:ext cx="889000" cy="558800"/>
+              </a:xfrm>
+              <a:prstGeom prst="rect">
+                <a:avLst/>
+              </a:prstGeom>
+            </p:spPr>
+          </p:pic>
+          <p:sp>
+            <p:nvSpPr>
+              <p:cNvPr id="27" name="TextBox 26">
+                <a:extLst>
+                  <a:ext uri="{FF2B5EF4-FFF2-40B4-BE49-F238E27FC236}">
+                    <a16:creationId xmlns:a16="http://schemas.microsoft.com/office/drawing/2014/main" id="{654F5F44-4B9E-CA4F-9289-D869179D0E49}"/>
+                  </a:ext>
+                </a:extLst>
+              </p:cNvPr>
+              <p:cNvSpPr txBox="1"/>
+              <p:nvPr/>
+            </p:nvSpPr>
+            <p:spPr>
+              <a:xfrm>
+                <a:off x="7019306" y="1634699"/>
+                <a:ext cx="824265" cy="276999"/>
+              </a:xfrm>
+              <a:prstGeom prst="rect">
+                <a:avLst/>
+              </a:prstGeom>
+              <a:noFill/>
+            </p:spPr>
+            <p:txBody>
+              <a:bodyPr wrap="none" rtlCol="0">
+                <a:spAutoFit/>
+              </a:bodyPr>
+              <a:lstStyle/>
+              <a:p>
+                <a:pPr algn="ctr"/>
+                <a:r>
+                  <a:rPr lang="en-US" sz="1200" dirty="0">
+                    <a:latin typeface="Comic Sans MS" panose="030F0902030302020204" pitchFamily="66" charset="0"/>
+                    <a:ea typeface="Nanum Pen Script" panose="03040600000000000000" pitchFamily="66" charset="-127"/>
+                  </a:rPr>
+                  <a:t>Precision</a:t>
+                </a:r>
+              </a:p>
+            </p:txBody>
+          </p:sp>
+          <p:sp>
+            <p:nvSpPr>
+              <p:cNvPr id="28" name="TextBox 27">
+                <a:extLst>
+                  <a:ext uri="{FF2B5EF4-FFF2-40B4-BE49-F238E27FC236}">
+                    <a16:creationId xmlns:a16="http://schemas.microsoft.com/office/drawing/2014/main" id="{15E55346-557E-1A4B-A990-355FA7CAF117}"/>
+                  </a:ext>
+                </a:extLst>
+              </p:cNvPr>
+              <p:cNvSpPr txBox="1"/>
+              <p:nvPr/>
+            </p:nvSpPr>
+            <p:spPr>
+              <a:xfrm>
+                <a:off x="3154034" y="3972869"/>
+                <a:ext cx="1186542" cy="830997"/>
+              </a:xfrm>
+              <a:prstGeom prst="rect">
+                <a:avLst/>
+              </a:prstGeom>
+              <a:noFill/>
+            </p:spPr>
+            <p:txBody>
+              <a:bodyPr wrap="none" rtlCol="0">
+                <a:spAutoFit/>
+              </a:bodyPr>
+              <a:lstStyle/>
+              <a:p>
+                <a:pPr algn="r"/>
+                <a:r>
+                  <a:rPr lang="en-US" sz="1200" dirty="0">
+                    <a:latin typeface="Comic Sans MS" panose="030F0902030302020204" pitchFamily="66" charset="0"/>
+                    <a:ea typeface="Nanum Pen Script" panose="03040600000000000000" pitchFamily="66" charset="-127"/>
+                  </a:rPr>
+                  <a:t>Recall =</a:t>
+                </a:r>
+              </a:p>
+              <a:p>
+                <a:pPr algn="r"/>
+                <a:r>
+                  <a:rPr lang="en-US" sz="1200" dirty="0">
+                    <a:latin typeface="Comic Sans MS" panose="030F0902030302020204" pitchFamily="66" charset="0"/>
+                    <a:ea typeface="Nanum Pen Script" panose="03040600000000000000" pitchFamily="66" charset="-127"/>
+                  </a:rPr>
+                  <a:t>Sensitivity</a:t>
+                </a:r>
+              </a:p>
+              <a:p>
+                <a:pPr algn="r"/>
+                <a:r>
+                  <a:rPr lang="en-US" sz="1200" dirty="0">
+                    <a:latin typeface="Comic Sans MS" panose="030F0902030302020204" pitchFamily="66" charset="0"/>
+                    <a:ea typeface="Nanum Pen Script" panose="03040600000000000000" pitchFamily="66" charset="-127"/>
+                  </a:rPr>
+                  <a:t>True +</a:t>
+                </a:r>
+                <a:r>
+                  <a:rPr lang="en-US" sz="1200" dirty="0" err="1">
+                    <a:latin typeface="Comic Sans MS" panose="030F0902030302020204" pitchFamily="66" charset="0"/>
+                    <a:ea typeface="Nanum Pen Script" panose="03040600000000000000" pitchFamily="66" charset="-127"/>
+                  </a:rPr>
+                  <a:t>ve</a:t>
+                </a:r>
+                <a:r>
+                  <a:rPr lang="en-US" sz="1200" dirty="0">
+                    <a:latin typeface="Comic Sans MS" panose="030F0902030302020204" pitchFamily="66" charset="0"/>
+                    <a:ea typeface="Nanum Pen Script" panose="03040600000000000000" pitchFamily="66" charset="-127"/>
+                  </a:rPr>
+                  <a:t> Rate</a:t>
+                </a:r>
+              </a:p>
+              <a:p>
+                <a:pPr algn="r"/>
+                <a:r>
+                  <a:rPr lang="en-US" sz="1200" dirty="0">
+                    <a:latin typeface="Comic Sans MS" panose="030F0902030302020204" pitchFamily="66" charset="0"/>
+                    <a:ea typeface="Nanum Pen Script" panose="03040600000000000000" pitchFamily="66" charset="-127"/>
+                  </a:rPr>
+                  <a:t>TPR</a:t>
+                </a:r>
+              </a:p>
+            </p:txBody>
+          </p:sp>
+          <p:pic>
+            <p:nvPicPr>
+              <p:cNvPr id="34" name="Picture 33">
+                <a:extLst>
+                  <a:ext uri="{FF2B5EF4-FFF2-40B4-BE49-F238E27FC236}">
+                    <a16:creationId xmlns:a16="http://schemas.microsoft.com/office/drawing/2014/main" id="{358D55CC-9C7D-B442-80AC-1F9B62B1F9F5}"/>
+                  </a:ext>
+                </a:extLst>
+              </p:cNvPr>
+              <p:cNvPicPr>
+                <a:picLocks noChangeAspect="1"/>
+              </p:cNvPicPr>
+              <p:nvPr/>
+            </p:nvPicPr>
+            <p:blipFill>
+              <a:blip r:embed="rId4"/>
+              <a:stretch>
+                <a:fillRect/>
+              </a:stretch>
+            </p:blipFill>
+            <p:spPr>
+              <a:xfrm>
+                <a:off x="5581918" y="3972869"/>
+                <a:ext cx="710936" cy="422719"/>
+              </a:xfrm>
+              <a:prstGeom prst="rect">
+                <a:avLst/>
+              </a:prstGeom>
+            </p:spPr>
+          </p:pic>
+          <p:sp>
+            <p:nvSpPr>
+              <p:cNvPr id="37" name="TextBox 36">
+                <a:extLst>
+                  <a:ext uri="{FF2B5EF4-FFF2-40B4-BE49-F238E27FC236}">
+                    <a16:creationId xmlns:a16="http://schemas.microsoft.com/office/drawing/2014/main" id="{7A8FA42A-865A-9648-86CD-7EB470DE2515}"/>
+                  </a:ext>
+                </a:extLst>
+              </p:cNvPr>
+              <p:cNvSpPr txBox="1"/>
+              <p:nvPr/>
+            </p:nvSpPr>
+            <p:spPr>
+              <a:xfrm>
+                <a:off x="6338010" y="4598177"/>
+                <a:ext cx="1101584" cy="461665"/>
+              </a:xfrm>
+              <a:prstGeom prst="rect">
+                <a:avLst/>
+              </a:prstGeom>
+              <a:noFill/>
+            </p:spPr>
+            <p:txBody>
+              <a:bodyPr wrap="none" rtlCol="0">
+                <a:spAutoFit/>
+              </a:bodyPr>
+              <a:lstStyle/>
+              <a:p>
+                <a:r>
+                  <a:rPr lang="en-US" sz="1200" dirty="0">
+                    <a:latin typeface="Comic Sans MS" panose="030F0902030302020204" pitchFamily="66" charset="0"/>
+                    <a:ea typeface="Nanum Pen Script" panose="03040600000000000000" pitchFamily="66" charset="-127"/>
+                  </a:rPr>
+                  <a:t>= Specificity</a:t>
+                </a:r>
+              </a:p>
+              <a:p>
+                <a:r>
+                  <a:rPr lang="en-US" sz="1200" dirty="0">
+                    <a:latin typeface="Comic Sans MS" panose="030F0902030302020204" pitchFamily="66" charset="0"/>
+                    <a:ea typeface="Nanum Pen Script" panose="03040600000000000000" pitchFamily="66" charset="-127"/>
+                  </a:rPr>
+                  <a:t>1 - FPR</a:t>
+                </a:r>
+              </a:p>
+            </p:txBody>
+          </p:sp>
+          <p:sp>
+            <p:nvSpPr>
+              <p:cNvPr id="41" name="TextBox 40">
+                <a:extLst>
+                  <a:ext uri="{FF2B5EF4-FFF2-40B4-BE49-F238E27FC236}">
+                    <a16:creationId xmlns:a16="http://schemas.microsoft.com/office/drawing/2014/main" id="{7649B7F6-2DB3-C94B-97B1-22B65DD16C46}"/>
+                  </a:ext>
+                </a:extLst>
+              </p:cNvPr>
+              <p:cNvSpPr txBox="1"/>
+              <p:nvPr/>
+            </p:nvSpPr>
+            <p:spPr>
+              <a:xfrm>
+                <a:off x="6223563" y="3956834"/>
+                <a:ext cx="1217000" cy="461665"/>
+              </a:xfrm>
+              <a:prstGeom prst="rect">
+                <a:avLst/>
+              </a:prstGeom>
+              <a:noFill/>
+            </p:spPr>
+            <p:txBody>
+              <a:bodyPr wrap="none" rtlCol="0">
+                <a:spAutoFit/>
+              </a:bodyPr>
+              <a:lstStyle/>
+              <a:p>
+                <a:r>
+                  <a:rPr lang="en-US" sz="1200" dirty="0">
+                    <a:latin typeface="Comic Sans MS" panose="030F0902030302020204" pitchFamily="66" charset="0"/>
+                    <a:ea typeface="Nanum Pen Script" panose="03040600000000000000" pitchFamily="66" charset="-127"/>
+                  </a:rPr>
+                  <a:t>= FPR</a:t>
+                </a:r>
+              </a:p>
+              <a:p>
+                <a:r>
+                  <a:rPr lang="en-US" sz="1200" dirty="0">
+                    <a:latin typeface="Comic Sans MS" panose="030F0902030302020204" pitchFamily="66" charset="0"/>
+                    <a:ea typeface="Nanum Pen Script" panose="03040600000000000000" pitchFamily="66" charset="-127"/>
+                  </a:rPr>
+                  <a:t>False +</a:t>
+                </a:r>
+                <a:r>
+                  <a:rPr lang="en-US" sz="1200" dirty="0" err="1">
+                    <a:latin typeface="Comic Sans MS" panose="030F0902030302020204" pitchFamily="66" charset="0"/>
+                    <a:ea typeface="Nanum Pen Script" panose="03040600000000000000" pitchFamily="66" charset="-127"/>
+                  </a:rPr>
+                  <a:t>ve</a:t>
+                </a:r>
+                <a:r>
+                  <a:rPr lang="en-US" sz="1200" dirty="0">
+                    <a:latin typeface="Comic Sans MS" panose="030F0902030302020204" pitchFamily="66" charset="0"/>
+                    <a:ea typeface="Nanum Pen Script" panose="03040600000000000000" pitchFamily="66" charset="-127"/>
+                  </a:rPr>
+                  <a:t> Rate</a:t>
+                </a:r>
+              </a:p>
+            </p:txBody>
+          </p:sp>
+          <p:pic>
+            <p:nvPicPr>
+              <p:cNvPr id="42" name="Picture 41">
+                <a:extLst>
+                  <a:ext uri="{FF2B5EF4-FFF2-40B4-BE49-F238E27FC236}">
+                    <a16:creationId xmlns:a16="http://schemas.microsoft.com/office/drawing/2014/main" id="{84CC0914-37F1-9641-B290-8F6C0BCA4489}"/>
+                  </a:ext>
+                </a:extLst>
+              </p:cNvPr>
+              <p:cNvPicPr>
+                <a:picLocks noChangeAspect="1"/>
+              </p:cNvPicPr>
+              <p:nvPr/>
+            </p:nvPicPr>
+            <p:blipFill>
+              <a:blip r:embed="rId5"/>
+              <a:stretch>
+                <a:fillRect/>
+              </a:stretch>
+            </p:blipFill>
+            <p:spPr>
+              <a:xfrm>
+                <a:off x="6609439" y="3145079"/>
+                <a:ext cx="1569066" cy="564864"/>
+              </a:xfrm>
+              <a:prstGeom prst="rect">
+                <a:avLst/>
+              </a:prstGeom>
+            </p:spPr>
+          </p:pic>
+        </p:grpSp>
+        <p:pic>
+          <p:nvPicPr>
+            <p:cNvPr id="46" name="Picture 45">
+              <a:extLst>
+                <a:ext uri="{FF2B5EF4-FFF2-40B4-BE49-F238E27FC236}">
+                  <a16:creationId xmlns:a16="http://schemas.microsoft.com/office/drawing/2014/main" id="{B7484624-9304-574C-9B89-EB005D1ECFA4}"/>
+                </a:ext>
+              </a:extLst>
+            </p:cNvPr>
+            <p:cNvPicPr>
+              <a:picLocks noChangeAspect="1"/>
+            </p:cNvPicPr>
+            <p:nvPr/>
+          </p:nvPicPr>
+          <p:blipFill>
+            <a:blip r:embed="rId6"/>
+            <a:stretch>
+              <a:fillRect/>
+            </a:stretch>
+          </p:blipFill>
+          <p:spPr>
+            <a:xfrm>
+              <a:off x="4572202" y="4572776"/>
+              <a:ext cx="833833" cy="376570"/>
+            </a:xfrm>
+            <a:prstGeom prst="rect">
+              <a:avLst/>
+            </a:prstGeom>
+          </p:spPr>
+        </p:pic>
+      </p:grpSp>
+    </p:spTree>
+    <p:extLst>
+      <p:ext uri="{BB962C8B-B14F-4D97-AF65-F5344CB8AC3E}">
+        <p14:creationId xmlns:p14="http://schemas.microsoft.com/office/powerpoint/2010/main" val="1166619751"/>
+      </p:ext>
+    </p:extLst>
+  </p:cSld>
+  <p:clrMapOvr>
+    <a:masterClrMapping/>
+  </p:clrMapOvr>
+</p:sld>
+</file>
+
+<file path=ppt/slides/slide5.xml><?xml version="1.0" encoding="utf-8"?>
+<p:sld xmlns:a="http://schemas.openxmlformats.org/drawingml/2006/main" xmlns:r="http://schemas.openxmlformats.org/officeDocument/2006/relationships" xmlns:p="http://schemas.openxmlformats.org/presentationml/2006/main">
+  <p:cSld>
+    <p:spTree>
+      <p:nvGrpSpPr>
+        <p:cNvPr id="1" name=""/>
+        <p:cNvGrpSpPr/>
+        <p:nvPr/>
+      </p:nvGrpSpPr>
+      <p:grpSpPr>
+        <a:xfrm>
+          <a:off x="0" y="0"/>
+          <a:ext cx="0" cy="0"/>
+          <a:chOff x="0" y="0"/>
+          <a:chExt cx="0" cy="0"/>
+        </a:xfrm>
+      </p:grpSpPr>
+      <p:sp>
+        <p:nvSpPr>
+          <p:cNvPr id="41" name="Right Arrow 40">
+            <a:extLst>
+              <a:ext uri="{FF2B5EF4-FFF2-40B4-BE49-F238E27FC236}">
+                <a16:creationId xmlns:a16="http://schemas.microsoft.com/office/drawing/2014/main" id="{E82D4749-70C0-364B-972C-40006B1569D2}"/>
+              </a:ext>
+            </a:extLst>
+          </p:cNvPr>
+          <p:cNvSpPr/>
+          <p:nvPr/>
+        </p:nvSpPr>
+        <p:spPr>
+          <a:xfrm>
+            <a:off x="1326180" y="4513436"/>
+            <a:ext cx="1370114" cy="1297008"/>
+          </a:xfrm>
+          <a:prstGeom prst="rightArrow">
+            <a:avLst/>
+          </a:prstGeom>
+          <a:solidFill>
+            <a:schemeClr val="accent1">
+              <a:lumMod val="20000"/>
+              <a:lumOff val="80000"/>
+            </a:schemeClr>
+          </a:solidFill>
+          <a:ln w="9525">
+            <a:noFill/>
+          </a:ln>
+        </p:spPr>
+        <p:style>
+          <a:lnRef idx="2">
+            <a:schemeClr val="accent1">
+              <a:shade val="50000"/>
+            </a:schemeClr>
+          </a:lnRef>
+          <a:fillRef idx="1">
+            <a:schemeClr val="accent1"/>
+          </a:fillRef>
+          <a:effectRef idx="0">
+            <a:schemeClr val="accent1"/>
+          </a:effectRef>
+          <a:fontRef idx="minor">
+            <a:schemeClr val="lt1"/>
+          </a:fontRef>
+        </p:style>
+        <p:txBody>
+          <a:bodyPr rtlCol="0" anchor="ctr"/>
+          <a:lstStyle/>
+          <a:p>
+            <a:pPr algn="ctr"/>
+            <a:r>
+              <a:rPr lang="en-US" sz="1400" dirty="0">
+                <a:solidFill>
+                  <a:schemeClr val="tx1"/>
+                </a:solidFill>
+              </a:rPr>
+              <a:t>History = 2 </a:t>
+            </a:r>
+          </a:p>
+        </p:txBody>
+      </p:sp>
+      <p:grpSp>
+        <p:nvGrpSpPr>
+          <p:cNvPr id="7" name="Group 6">
+            <a:extLst>
+              <a:ext uri="{FF2B5EF4-FFF2-40B4-BE49-F238E27FC236}">
+                <a16:creationId xmlns:a16="http://schemas.microsoft.com/office/drawing/2014/main" id="{12BB7A0A-DC95-3B4B-A894-E3ECAD396497}"/>
+              </a:ext>
+            </a:extLst>
+          </p:cNvPr>
+          <p:cNvGrpSpPr/>
+          <p:nvPr/>
+        </p:nvGrpSpPr>
+        <p:grpSpPr>
+          <a:xfrm>
+            <a:off x="246673" y="130910"/>
+            <a:ext cx="4102100" cy="3175000"/>
+            <a:chOff x="1463621" y="625170"/>
+            <a:chExt cx="4102100" cy="3175000"/>
+          </a:xfrm>
+        </p:grpSpPr>
+        <p:pic>
+          <p:nvPicPr>
+            <p:cNvPr id="2" name="Picture 1">
+              <a:extLst>
+                <a:ext uri="{FF2B5EF4-FFF2-40B4-BE49-F238E27FC236}">
+                  <a16:creationId xmlns:a16="http://schemas.microsoft.com/office/drawing/2014/main" id="{E6E10EA4-CB84-D447-83D7-0DCD82A4788F}"/>
+                </a:ext>
+              </a:extLst>
+            </p:cNvPr>
+            <p:cNvPicPr>
+              <a:picLocks noChangeAspect="1"/>
+            </p:cNvPicPr>
+            <p:nvPr/>
+          </p:nvPicPr>
+          <p:blipFill>
+            <a:blip r:embed="rId2"/>
+            <a:stretch>
+              <a:fillRect/>
+            </a:stretch>
+          </p:blipFill>
+          <p:spPr>
+            <a:xfrm>
+              <a:off x="1463621" y="625170"/>
+              <a:ext cx="4102100" cy="3175000"/>
+            </a:xfrm>
+            <a:prstGeom prst="rect">
+              <a:avLst/>
+            </a:prstGeom>
+          </p:spPr>
+        </p:pic>
+        <p:cxnSp>
+          <p:nvCxnSpPr>
+            <p:cNvPr id="4" name="Straight Connector 3">
+              <a:extLst>
+                <a:ext uri="{FF2B5EF4-FFF2-40B4-BE49-F238E27FC236}">
+                  <a16:creationId xmlns:a16="http://schemas.microsoft.com/office/drawing/2014/main" id="{326BF2C7-6123-7F4F-A76D-5E529C13609A}"/>
+                </a:ext>
+              </a:extLst>
+            </p:cNvPr>
+            <p:cNvCxnSpPr/>
+            <p:nvPr/>
+          </p:nvCxnSpPr>
+          <p:spPr>
+            <a:xfrm>
+              <a:off x="2077156" y="801511"/>
+              <a:ext cx="0" cy="2709333"/>
+            </a:xfrm>
+            <a:prstGeom prst="line">
+              <a:avLst/>
+            </a:prstGeom>
+          </p:spPr>
+          <p:style>
+            <a:lnRef idx="1">
+              <a:schemeClr val="dk1"/>
+            </a:lnRef>
+            <a:fillRef idx="0">
+              <a:schemeClr val="dk1"/>
+            </a:fillRef>
+            <a:effectRef idx="0">
+              <a:schemeClr val="dk1"/>
+            </a:effectRef>
+            <a:fontRef idx="minor">
+              <a:schemeClr val="tx1"/>
+            </a:fontRef>
+          </p:style>
+        </p:cxnSp>
+        <p:cxnSp>
+          <p:nvCxnSpPr>
+            <p:cNvPr id="6" name="Straight Connector 5">
+              <a:extLst>
+                <a:ext uri="{FF2B5EF4-FFF2-40B4-BE49-F238E27FC236}">
+                  <a16:creationId xmlns:a16="http://schemas.microsoft.com/office/drawing/2014/main" id="{65F46CC8-B7DF-2B4D-94FE-503C11230001}"/>
+                </a:ext>
+              </a:extLst>
+            </p:cNvPr>
+            <p:cNvCxnSpPr/>
+            <p:nvPr/>
+          </p:nvCxnSpPr>
+          <p:spPr>
+            <a:xfrm>
+              <a:off x="1715911" y="3510844"/>
+              <a:ext cx="3759200" cy="0"/>
+            </a:xfrm>
+            <a:prstGeom prst="line">
+              <a:avLst/>
+            </a:prstGeom>
+          </p:spPr>
+          <p:style>
+            <a:lnRef idx="1">
+              <a:schemeClr val="accent1"/>
+            </a:lnRef>
+            <a:fillRef idx="0">
+              <a:schemeClr val="accent1"/>
+            </a:fillRef>
+            <a:effectRef idx="0">
+              <a:schemeClr val="accent1"/>
+            </a:effectRef>
+            <a:fontRef idx="minor">
+              <a:schemeClr val="tx1"/>
+            </a:fontRef>
+          </p:style>
+        </p:cxnSp>
+      </p:grpSp>
+      <p:sp>
+        <p:nvSpPr>
+          <p:cNvPr id="11" name="Cube 10">
+            <a:extLst>
+              <a:ext uri="{FF2B5EF4-FFF2-40B4-BE49-F238E27FC236}">
+                <a16:creationId xmlns:a16="http://schemas.microsoft.com/office/drawing/2014/main" id="{6652E332-ECE9-A64C-B958-1F1949B919A1}"/>
+              </a:ext>
+            </a:extLst>
+          </p:cNvPr>
+          <p:cNvSpPr/>
+          <p:nvPr/>
+        </p:nvSpPr>
+        <p:spPr>
+          <a:xfrm>
+            <a:off x="7209688" y="2883878"/>
+            <a:ext cx="492372" cy="422032"/>
+          </a:xfrm>
+          <a:prstGeom prst="cube">
+            <a:avLst>
+              <a:gd name="adj" fmla="val 44465"/>
+            </a:avLst>
+          </a:prstGeom>
+          <a:solidFill>
+            <a:schemeClr val="accent1">
+              <a:lumMod val="60000"/>
+              <a:lumOff val="40000"/>
+            </a:schemeClr>
+          </a:solidFill>
+        </p:spPr>
+        <p:style>
+          <a:lnRef idx="2">
+            <a:schemeClr val="accent1">
+              <a:shade val="50000"/>
+            </a:schemeClr>
+          </a:lnRef>
+          <a:fillRef idx="1">
+            <a:schemeClr val="accent1"/>
+          </a:fillRef>
+          <a:effectRef idx="0">
+            <a:schemeClr val="accent1"/>
+          </a:effectRef>
+          <a:fontRef idx="minor">
+            <a:schemeClr val="lt1"/>
+          </a:fontRef>
+        </p:style>
+        <p:txBody>
+          <a:bodyPr lIns="0" tIns="0" rIns="0" bIns="0" rtlCol="0" anchor="ctr"/>
+          <a:lstStyle/>
+          <a:p>
+            <a:pPr algn="ctr"/>
+            <a:r>
+              <a:rPr lang="en-US" sz="1400" dirty="0"/>
+              <a:t>10</a:t>
+            </a:r>
+          </a:p>
+        </p:txBody>
+      </p:sp>
+      <p:sp>
+        <p:nvSpPr>
+          <p:cNvPr id="12" name="Cube 11">
+            <a:extLst>
+              <a:ext uri="{FF2B5EF4-FFF2-40B4-BE49-F238E27FC236}">
+                <a16:creationId xmlns:a16="http://schemas.microsoft.com/office/drawing/2014/main" id="{ADCF0300-C8DF-5F4E-9C06-0EC51F50C773}"/>
+              </a:ext>
+            </a:extLst>
+          </p:cNvPr>
+          <p:cNvSpPr/>
+          <p:nvPr/>
+        </p:nvSpPr>
+        <p:spPr>
+          <a:xfrm>
+            <a:off x="6872892" y="3305910"/>
+            <a:ext cx="492372" cy="422032"/>
+          </a:xfrm>
+          <a:prstGeom prst="cube">
+            <a:avLst>
+              <a:gd name="adj" fmla="val 44465"/>
+            </a:avLst>
+          </a:prstGeom>
+          <a:solidFill>
+            <a:schemeClr val="accent1">
+              <a:lumMod val="60000"/>
+              <a:lumOff val="40000"/>
+            </a:schemeClr>
+          </a:solidFill>
+        </p:spPr>
+        <p:style>
+          <a:lnRef idx="2">
+            <a:schemeClr val="accent1">
+              <a:shade val="50000"/>
+            </a:schemeClr>
+          </a:lnRef>
+          <a:fillRef idx="1">
+            <a:schemeClr val="accent1"/>
+          </a:fillRef>
+          <a:effectRef idx="0">
+            <a:schemeClr val="accent1"/>
+          </a:effectRef>
+          <a:fontRef idx="minor">
+            <a:schemeClr val="lt1"/>
+          </a:fontRef>
+        </p:style>
+        <p:txBody>
+          <a:bodyPr lIns="0" tIns="0" rIns="0" bIns="0" rtlCol="0" anchor="ctr"/>
+          <a:lstStyle/>
+          <a:p>
+            <a:pPr algn="ctr"/>
+            <a:r>
+              <a:rPr lang="en-US" sz="1400" dirty="0"/>
+              <a:t>1</a:t>
+            </a:r>
+          </a:p>
+        </p:txBody>
+      </p:sp>
+      <p:sp>
+        <p:nvSpPr>
+          <p:cNvPr id="15" name="Cube 14">
+            <a:extLst>
+              <a:ext uri="{FF2B5EF4-FFF2-40B4-BE49-F238E27FC236}">
+                <a16:creationId xmlns:a16="http://schemas.microsoft.com/office/drawing/2014/main" id="{103ABC23-88E4-A542-8024-F74F786E27C4}"/>
+              </a:ext>
+            </a:extLst>
+          </p:cNvPr>
+          <p:cNvSpPr/>
+          <p:nvPr/>
+        </p:nvSpPr>
+        <p:spPr>
+          <a:xfrm>
+            <a:off x="7995140" y="2883878"/>
+            <a:ext cx="492372" cy="422032"/>
+          </a:xfrm>
+          <a:prstGeom prst="cube">
+            <a:avLst>
+              <a:gd name="adj" fmla="val 44465"/>
+            </a:avLst>
+          </a:prstGeom>
+          <a:solidFill>
+            <a:schemeClr val="accent1">
+              <a:lumMod val="60000"/>
+              <a:lumOff val="40000"/>
+            </a:schemeClr>
+          </a:solidFill>
+        </p:spPr>
+        <p:style>
+          <a:lnRef idx="2">
+            <a:schemeClr val="accent1">
+              <a:shade val="50000"/>
+            </a:schemeClr>
+          </a:lnRef>
+          <a:fillRef idx="1">
+            <a:schemeClr val="accent1"/>
+          </a:fillRef>
+          <a:effectRef idx="0">
+            <a:schemeClr val="accent1"/>
+          </a:effectRef>
+          <a:fontRef idx="minor">
+            <a:schemeClr val="lt1"/>
+          </a:fontRef>
+        </p:style>
+        <p:txBody>
+          <a:bodyPr lIns="0" tIns="0" rIns="0" bIns="0" rtlCol="0" anchor="ctr"/>
+          <a:lstStyle/>
+          <a:p>
+            <a:pPr algn="ctr"/>
+            <a:r>
+              <a:rPr lang="en-US" sz="1400" dirty="0"/>
+              <a:t>20</a:t>
+            </a:r>
+          </a:p>
+        </p:txBody>
+      </p:sp>
+      <p:sp>
+        <p:nvSpPr>
+          <p:cNvPr id="16" name="Cube 15">
+            <a:extLst>
+              <a:ext uri="{FF2B5EF4-FFF2-40B4-BE49-F238E27FC236}">
+                <a16:creationId xmlns:a16="http://schemas.microsoft.com/office/drawing/2014/main" id="{56838366-3CC4-834B-9A69-A95C5859846B}"/>
+              </a:ext>
+            </a:extLst>
+          </p:cNvPr>
+          <p:cNvSpPr/>
+          <p:nvPr/>
+        </p:nvSpPr>
+        <p:spPr>
+          <a:xfrm>
+            <a:off x="7658344" y="3305910"/>
+            <a:ext cx="492372" cy="422032"/>
+          </a:xfrm>
+          <a:prstGeom prst="cube">
+            <a:avLst>
+              <a:gd name="adj" fmla="val 44465"/>
+            </a:avLst>
+          </a:prstGeom>
+          <a:solidFill>
+            <a:schemeClr val="accent1">
+              <a:lumMod val="60000"/>
+              <a:lumOff val="40000"/>
+            </a:schemeClr>
+          </a:solidFill>
+        </p:spPr>
+        <p:style>
+          <a:lnRef idx="2">
+            <a:schemeClr val="accent1">
+              <a:shade val="50000"/>
+            </a:schemeClr>
+          </a:lnRef>
+          <a:fillRef idx="1">
+            <a:schemeClr val="accent1"/>
+          </a:fillRef>
+          <a:effectRef idx="0">
+            <a:schemeClr val="accent1"/>
+          </a:effectRef>
+          <a:fontRef idx="minor">
+            <a:schemeClr val="lt1"/>
+          </a:fontRef>
+        </p:style>
+        <p:txBody>
+          <a:bodyPr lIns="0" tIns="0" rIns="0" bIns="0" rtlCol="0" anchor="ctr"/>
+          <a:lstStyle/>
+          <a:p>
+            <a:pPr algn="ctr"/>
+            <a:r>
+              <a:rPr lang="en-US" sz="1400" dirty="0"/>
+              <a:t>2</a:t>
+            </a:r>
+          </a:p>
+        </p:txBody>
+      </p:sp>
+      <p:sp>
+        <p:nvSpPr>
+          <p:cNvPr id="22" name="Up Arrow 21">
+            <a:extLst>
+              <a:ext uri="{FF2B5EF4-FFF2-40B4-BE49-F238E27FC236}">
+                <a16:creationId xmlns:a16="http://schemas.microsoft.com/office/drawing/2014/main" id="{1A469344-BF6C-C646-9589-D1802E38D85C}"/>
+              </a:ext>
+            </a:extLst>
+          </p:cNvPr>
+          <p:cNvSpPr/>
+          <p:nvPr/>
+        </p:nvSpPr>
+        <p:spPr>
+          <a:xfrm>
+            <a:off x="6934678" y="3858795"/>
+            <a:ext cx="184400" cy="361522"/>
+          </a:xfrm>
+          <a:prstGeom prst="upArrow">
+            <a:avLst/>
+          </a:prstGeom>
+        </p:spPr>
+        <p:style>
+          <a:lnRef idx="2">
+            <a:schemeClr val="accent1">
+              <a:shade val="50000"/>
+            </a:schemeClr>
+          </a:lnRef>
+          <a:fillRef idx="1">
+            <a:schemeClr val="accent1"/>
+          </a:fillRef>
+          <a:effectRef idx="0">
+            <a:schemeClr val="accent1"/>
+          </a:effectRef>
+          <a:fontRef idx="minor">
+            <a:schemeClr val="lt1"/>
+          </a:fontRef>
+        </p:style>
+        <p:txBody>
+          <a:bodyPr rtlCol="0" anchor="ctr"/>
+          <a:lstStyle/>
+          <a:p>
+            <a:pPr algn="ctr"/>
+            <a:endParaRPr lang="en-US"/>
+          </a:p>
+        </p:txBody>
+      </p:sp>
+      <p:sp>
+        <p:nvSpPr>
+          <p:cNvPr id="23" name="Up Arrow 22">
+            <a:extLst>
+              <a:ext uri="{FF2B5EF4-FFF2-40B4-BE49-F238E27FC236}">
+                <a16:creationId xmlns:a16="http://schemas.microsoft.com/office/drawing/2014/main" id="{72EF39B6-F958-A443-8A89-CD93D7CA2911}"/>
+              </a:ext>
+            </a:extLst>
+          </p:cNvPr>
+          <p:cNvSpPr/>
+          <p:nvPr/>
+        </p:nvSpPr>
+        <p:spPr>
+          <a:xfrm>
+            <a:off x="7713779" y="3858795"/>
+            <a:ext cx="184400" cy="361522"/>
+          </a:xfrm>
+          <a:prstGeom prst="upArrow">
+            <a:avLst/>
+          </a:prstGeom>
+        </p:spPr>
+        <p:style>
+          <a:lnRef idx="2">
+            <a:schemeClr val="accent1">
+              <a:shade val="50000"/>
+            </a:schemeClr>
+          </a:lnRef>
+          <a:fillRef idx="1">
+            <a:schemeClr val="accent1"/>
+          </a:fillRef>
+          <a:effectRef idx="0">
+            <a:schemeClr val="accent1"/>
+          </a:effectRef>
+          <a:fontRef idx="minor">
+            <a:schemeClr val="lt1"/>
+          </a:fontRef>
+        </p:style>
+        <p:txBody>
+          <a:bodyPr rtlCol="0" anchor="ctr"/>
+          <a:lstStyle/>
+          <a:p>
+            <a:pPr algn="ctr"/>
+            <a:endParaRPr lang="en-US"/>
+          </a:p>
+        </p:txBody>
+      </p:sp>
+      <p:sp>
+        <p:nvSpPr>
+          <p:cNvPr id="37" name="Double Bracket 36">
+            <a:extLst>
+              <a:ext uri="{FF2B5EF4-FFF2-40B4-BE49-F238E27FC236}">
+                <a16:creationId xmlns:a16="http://schemas.microsoft.com/office/drawing/2014/main" id="{BB5BA45E-DCCD-0641-AD71-F46BFD785E07}"/>
+              </a:ext>
+            </a:extLst>
+          </p:cNvPr>
+          <p:cNvSpPr/>
+          <p:nvPr/>
+        </p:nvSpPr>
+        <p:spPr>
+          <a:xfrm>
+            <a:off x="6780692" y="4351170"/>
+            <a:ext cx="492372" cy="810771"/>
+          </a:xfrm>
+          <a:prstGeom prst="bracketPair">
+            <a:avLst/>
+          </a:prstGeom>
+        </p:spPr>
+        <p:style>
+          <a:lnRef idx="1">
+            <a:schemeClr val="accent1"/>
+          </a:lnRef>
+          <a:fillRef idx="0">
+            <a:schemeClr val="accent1"/>
+          </a:fillRef>
+          <a:effectRef idx="0">
+            <a:schemeClr val="accent1"/>
+          </a:effectRef>
+          <a:fontRef idx="minor">
+            <a:schemeClr val="tx1"/>
+          </a:fontRef>
+        </p:style>
+        <p:txBody>
+          <a:bodyPr rtlCol="0" anchor="ctr"/>
+          <a:lstStyle/>
+          <a:p>
+            <a:pPr algn="ctr"/>
+            <a:r>
+              <a:rPr lang="en-US" sz="1200" dirty="0"/>
+              <a:t>t1</a:t>
+            </a:r>
+          </a:p>
+          <a:p>
+            <a:pPr algn="ctr"/>
+            <a:endParaRPr lang="en-US" sz="1200" dirty="0"/>
+          </a:p>
+          <a:p>
+            <a:pPr algn="ctr"/>
+            <a:r>
+              <a:rPr lang="en-US" sz="1200" dirty="0"/>
+              <a:t>1</a:t>
+            </a:r>
+          </a:p>
+          <a:p>
+            <a:pPr algn="ctr"/>
+            <a:r>
+              <a:rPr lang="en-US" sz="1200" dirty="0"/>
+              <a:t>10</a:t>
+            </a:r>
+          </a:p>
+          <a:p>
+            <a:pPr algn="ctr"/>
+            <a:endParaRPr lang="en-US" sz="1200" dirty="0"/>
+          </a:p>
+        </p:txBody>
+      </p:sp>
+      <p:sp>
+        <p:nvSpPr>
+          <p:cNvPr id="39" name="Double Bracket 38">
+            <a:extLst>
+              <a:ext uri="{FF2B5EF4-FFF2-40B4-BE49-F238E27FC236}">
+                <a16:creationId xmlns:a16="http://schemas.microsoft.com/office/drawing/2014/main" id="{A3301540-A27C-4649-9C06-E460A57AFB6D}"/>
+              </a:ext>
+            </a:extLst>
+          </p:cNvPr>
+          <p:cNvSpPr/>
+          <p:nvPr/>
+        </p:nvSpPr>
+        <p:spPr>
+          <a:xfrm>
+            <a:off x="498963" y="4122603"/>
+            <a:ext cx="1146957" cy="2078675"/>
+          </a:xfrm>
+          <a:prstGeom prst="bracketPair">
+            <a:avLst/>
+          </a:prstGeom>
+        </p:spPr>
+        <p:style>
+          <a:lnRef idx="1">
+            <a:schemeClr val="accent1"/>
+          </a:lnRef>
+          <a:fillRef idx="0">
+            <a:schemeClr val="accent1"/>
+          </a:fillRef>
+          <a:effectRef idx="0">
+            <a:schemeClr val="accent1"/>
+          </a:effectRef>
+          <a:fontRef idx="minor">
+            <a:schemeClr val="tx1"/>
+          </a:fontRef>
+        </p:style>
+        <p:txBody>
+          <a:bodyPr rtlCol="0" anchor="t"/>
+          <a:lstStyle/>
+          <a:p>
+            <a:r>
+              <a:rPr lang="en-US" sz="1400" b="1" dirty="0">
+                <a:latin typeface="Courier" pitchFamily="2" charset="0"/>
+              </a:rPr>
+              <a:t>X1  X2 </a:t>
+            </a:r>
+          </a:p>
+          <a:p>
+            <a:pPr marL="342900" indent="-342900">
+              <a:buAutoNum type="arabicPlain"/>
+            </a:pPr>
+            <a:r>
+              <a:rPr lang="en-US" sz="1400" dirty="0">
+                <a:latin typeface="Courier" pitchFamily="2" charset="0"/>
+              </a:rPr>
+              <a:t>10</a:t>
+            </a:r>
+          </a:p>
+          <a:p>
+            <a:pPr marL="342900" indent="-342900">
+              <a:buAutoNum type="arabicPlain"/>
+            </a:pPr>
+            <a:r>
+              <a:rPr lang="en-US" sz="1400" dirty="0">
+                <a:latin typeface="Courier" pitchFamily="2" charset="0"/>
+              </a:rPr>
+              <a:t>20</a:t>
+            </a:r>
+          </a:p>
+          <a:p>
+            <a:pPr marL="342900" indent="-342900">
+              <a:buAutoNum type="arabicPlain"/>
+            </a:pPr>
+            <a:r>
+              <a:rPr lang="en-US" sz="1400" dirty="0">
+                <a:latin typeface="Courier" pitchFamily="2" charset="0"/>
+              </a:rPr>
+              <a:t>30</a:t>
+            </a:r>
+          </a:p>
+          <a:p>
+            <a:pPr marL="342900" indent="-342900">
+              <a:buAutoNum type="arabicPlain"/>
+            </a:pPr>
+            <a:r>
+              <a:rPr lang="en-US" sz="1400" dirty="0">
+                <a:latin typeface="Courier" pitchFamily="2" charset="0"/>
+              </a:rPr>
+              <a:t>…</a:t>
+            </a:r>
+          </a:p>
+          <a:p>
+            <a:pPr marL="342900" indent="-342900">
+              <a:buAutoNum type="arabicPlain"/>
+            </a:pPr>
+            <a:endParaRPr lang="en-US" sz="1400" dirty="0">
+              <a:latin typeface="Courier" pitchFamily="2" charset="0"/>
+            </a:endParaRPr>
+          </a:p>
+          <a:p>
+            <a:pPr marL="342900" indent="-342900">
+              <a:buAutoNum type="arabicPlain" startAt="8"/>
+            </a:pPr>
+            <a:r>
+              <a:rPr lang="en-US" sz="1400" dirty="0">
+                <a:latin typeface="Courier" pitchFamily="2" charset="0"/>
+              </a:rPr>
+              <a:t>80</a:t>
+            </a:r>
+          </a:p>
+          <a:p>
+            <a:pPr marL="342900" indent="-342900">
+              <a:buAutoNum type="arabicPlain" startAt="8"/>
+            </a:pPr>
+            <a:r>
+              <a:rPr lang="en-US" sz="1400" dirty="0">
+                <a:latin typeface="Courier" pitchFamily="2" charset="0"/>
+              </a:rPr>
+              <a:t>90</a:t>
+            </a:r>
+          </a:p>
+          <a:p>
+            <a:pPr marL="342900" indent="-342900">
+              <a:buAutoNum type="arabicPlain" startAt="8"/>
+            </a:pPr>
+            <a:endParaRPr lang="en-US" sz="1400" dirty="0">
+              <a:latin typeface="Courier" pitchFamily="2" charset="0"/>
+            </a:endParaRPr>
+          </a:p>
+        </p:txBody>
+      </p:sp>
+      <p:sp>
+        <p:nvSpPr>
+          <p:cNvPr id="40" name="Double Bracket 39">
+            <a:extLst>
+              <a:ext uri="{FF2B5EF4-FFF2-40B4-BE49-F238E27FC236}">
+                <a16:creationId xmlns:a16="http://schemas.microsoft.com/office/drawing/2014/main" id="{8C813A0E-3451-E243-BC25-C601994B6229}"/>
+              </a:ext>
+            </a:extLst>
+          </p:cNvPr>
+          <p:cNvSpPr/>
+          <p:nvPr/>
+        </p:nvSpPr>
+        <p:spPr>
+          <a:xfrm>
+            <a:off x="2696293" y="4122603"/>
+            <a:ext cx="2332907" cy="2078675"/>
+          </a:xfrm>
+          <a:prstGeom prst="bracketPair">
+            <a:avLst/>
+          </a:prstGeom>
+        </p:spPr>
+        <p:style>
+          <a:lnRef idx="1">
+            <a:schemeClr val="accent1"/>
+          </a:lnRef>
+          <a:fillRef idx="0">
+            <a:schemeClr val="accent1"/>
+          </a:fillRef>
+          <a:effectRef idx="0">
+            <a:schemeClr val="accent1"/>
+          </a:effectRef>
+          <a:fontRef idx="minor">
+            <a:schemeClr val="tx1"/>
+          </a:fontRef>
+        </p:style>
+        <p:txBody>
+          <a:bodyPr rtlCol="0" anchor="t"/>
+          <a:lstStyle/>
+          <a:p>
+            <a:r>
+              <a:rPr lang="en-US" sz="1400" b="1" dirty="0">
+                <a:latin typeface="Courier" pitchFamily="2" charset="0"/>
+              </a:rPr>
+              <a:t>t1       t2     y </a:t>
+            </a:r>
+          </a:p>
+          <a:p>
+            <a:r>
+              <a:rPr lang="en-US" sz="1400" dirty="0">
+                <a:latin typeface="Courier" pitchFamily="2" charset="0"/>
+              </a:rPr>
+              <a:t>[1  10] [2 20]  3</a:t>
+            </a:r>
+          </a:p>
+          <a:p>
+            <a:r>
+              <a:rPr lang="en-US" sz="1400" dirty="0">
+                <a:latin typeface="Courier" pitchFamily="2" charset="0"/>
+              </a:rPr>
+              <a:t>[2  20] [3 30]  4</a:t>
+            </a:r>
+          </a:p>
+          <a:p>
+            <a:endParaRPr lang="en-US" sz="1400" dirty="0">
+              <a:latin typeface="Courier" pitchFamily="2" charset="0"/>
+            </a:endParaRPr>
+          </a:p>
+          <a:p>
+            <a:r>
+              <a:rPr lang="en-US" sz="1400" dirty="0">
+                <a:latin typeface="Courier" pitchFamily="2" charset="0"/>
+              </a:rPr>
+              <a:t>…</a:t>
+            </a:r>
+          </a:p>
+          <a:p>
+            <a:endParaRPr lang="en-US" sz="1400" dirty="0">
+              <a:latin typeface="Courier" pitchFamily="2" charset="0"/>
+            </a:endParaRPr>
+          </a:p>
+          <a:p>
+            <a:endParaRPr lang="en-US" sz="1400" dirty="0">
+              <a:latin typeface="Courier" pitchFamily="2" charset="0"/>
+            </a:endParaRPr>
+          </a:p>
+        </p:txBody>
+      </p:sp>
+      <p:sp>
+        <p:nvSpPr>
+          <p:cNvPr id="42" name="Double Bracket 41">
+            <a:extLst>
+              <a:ext uri="{FF2B5EF4-FFF2-40B4-BE49-F238E27FC236}">
+                <a16:creationId xmlns:a16="http://schemas.microsoft.com/office/drawing/2014/main" id="{D538D551-3BC5-2D43-A8DB-5E6DD57C6690}"/>
+              </a:ext>
+            </a:extLst>
+          </p:cNvPr>
+          <p:cNvSpPr/>
+          <p:nvPr/>
+        </p:nvSpPr>
+        <p:spPr>
+          <a:xfrm>
+            <a:off x="7559793" y="4351170"/>
+            <a:ext cx="492372" cy="810771"/>
+          </a:xfrm>
+          <a:prstGeom prst="bracketPair">
+            <a:avLst/>
+          </a:prstGeom>
+        </p:spPr>
+        <p:style>
+          <a:lnRef idx="1">
+            <a:schemeClr val="accent1"/>
+          </a:lnRef>
+          <a:fillRef idx="0">
+            <a:schemeClr val="accent1"/>
+          </a:fillRef>
+          <a:effectRef idx="0">
+            <a:schemeClr val="accent1"/>
+          </a:effectRef>
+          <a:fontRef idx="minor">
+            <a:schemeClr val="tx1"/>
+          </a:fontRef>
+        </p:style>
+        <p:txBody>
+          <a:bodyPr rtlCol="0" anchor="ctr"/>
+          <a:lstStyle/>
+          <a:p>
+            <a:pPr algn="ctr"/>
+            <a:r>
+              <a:rPr lang="en-US" sz="1200" dirty="0"/>
+              <a:t>t1</a:t>
+            </a:r>
+          </a:p>
+          <a:p>
+            <a:pPr algn="ctr"/>
+            <a:endParaRPr lang="en-US" sz="1200" dirty="0"/>
+          </a:p>
+          <a:p>
+            <a:pPr algn="ctr"/>
+            <a:r>
+              <a:rPr lang="en-US" sz="1200" dirty="0"/>
+              <a:t>2</a:t>
+            </a:r>
+          </a:p>
+          <a:p>
+            <a:pPr algn="ctr"/>
+            <a:r>
+              <a:rPr lang="en-US" sz="1200" dirty="0"/>
+              <a:t>20</a:t>
+            </a:r>
+          </a:p>
+          <a:p>
+            <a:pPr algn="ctr"/>
+            <a:endParaRPr lang="en-US" sz="1200" dirty="0"/>
+          </a:p>
+        </p:txBody>
+      </p:sp>
+      <p:cxnSp>
+        <p:nvCxnSpPr>
+          <p:cNvPr id="44" name="Straight Arrow Connector 43">
+            <a:extLst>
+              <a:ext uri="{FF2B5EF4-FFF2-40B4-BE49-F238E27FC236}">
+                <a16:creationId xmlns:a16="http://schemas.microsoft.com/office/drawing/2014/main" id="{E5D5C6C4-B781-504F-B2DD-A00EA906E93F}"/>
+              </a:ext>
+            </a:extLst>
+          </p:cNvPr>
+          <p:cNvCxnSpPr>
+            <a:cxnSpLocks/>
+          </p:cNvCxnSpPr>
+          <p:nvPr/>
+        </p:nvCxnSpPr>
+        <p:spPr>
+          <a:xfrm flipV="1">
+            <a:off x="6511542" y="2785519"/>
+            <a:ext cx="834337" cy="1073275"/>
+          </a:xfrm>
+          <a:prstGeom prst="straightConnector1">
+            <a:avLst/>
+          </a:prstGeom>
+          <a:ln>
+            <a:tailEnd type="triangle"/>
+          </a:ln>
+        </p:spPr>
+        <p:style>
+          <a:lnRef idx="1">
+            <a:schemeClr val="accent1"/>
+          </a:lnRef>
+          <a:fillRef idx="0">
+            <a:schemeClr val="accent1"/>
+          </a:fillRef>
+          <a:effectRef idx="0">
+            <a:schemeClr val="accent1"/>
+          </a:effectRef>
+          <a:fontRef idx="minor">
+            <a:schemeClr val="tx1"/>
+          </a:fontRef>
+        </p:style>
+      </p:cxnSp>
+      <p:sp>
+        <p:nvSpPr>
+          <p:cNvPr id="45" name="TextBox 44">
+            <a:extLst>
+              <a:ext uri="{FF2B5EF4-FFF2-40B4-BE49-F238E27FC236}">
+                <a16:creationId xmlns:a16="http://schemas.microsoft.com/office/drawing/2014/main" id="{A0A87ED6-393E-0943-B4B7-91FC8157C3D4}"/>
+              </a:ext>
+            </a:extLst>
+          </p:cNvPr>
+          <p:cNvSpPr txBox="1"/>
+          <p:nvPr/>
+        </p:nvSpPr>
+        <p:spPr>
+          <a:xfrm rot="18371168">
+            <a:off x="6196195" y="3097831"/>
+            <a:ext cx="1087078" cy="369332"/>
+          </a:xfrm>
+          <a:prstGeom prst="rect">
+            <a:avLst/>
+          </a:prstGeom>
+          <a:noFill/>
+        </p:spPr>
+        <p:txBody>
+          <a:bodyPr wrap="square" rtlCol="0">
+            <a:spAutoFit/>
+          </a:bodyPr>
+          <a:lstStyle/>
+          <a:p>
+            <a:r>
+              <a:rPr lang="en-US" dirty="0"/>
+              <a:t>Features</a:t>
+            </a:r>
+          </a:p>
+        </p:txBody>
+      </p:sp>
+      <p:cxnSp>
+        <p:nvCxnSpPr>
+          <p:cNvPr id="49" name="Straight Arrow Connector 48">
+            <a:extLst>
+              <a:ext uri="{FF2B5EF4-FFF2-40B4-BE49-F238E27FC236}">
+                <a16:creationId xmlns:a16="http://schemas.microsoft.com/office/drawing/2014/main" id="{1585991F-FFD3-6946-B7A3-8B32B167FBA6}"/>
+              </a:ext>
+            </a:extLst>
+          </p:cNvPr>
+          <p:cNvCxnSpPr>
+            <a:cxnSpLocks/>
+          </p:cNvCxnSpPr>
+          <p:nvPr/>
+        </p:nvCxnSpPr>
+        <p:spPr>
+          <a:xfrm>
+            <a:off x="6511542" y="3858795"/>
+            <a:ext cx="2043928" cy="0"/>
+          </a:xfrm>
+          <a:prstGeom prst="straightConnector1">
+            <a:avLst/>
+          </a:prstGeom>
+          <a:ln>
+            <a:tailEnd type="triangle"/>
+          </a:ln>
+        </p:spPr>
+        <p:style>
+          <a:lnRef idx="1">
+            <a:schemeClr val="accent1"/>
+          </a:lnRef>
+          <a:fillRef idx="0">
+            <a:schemeClr val="accent1"/>
+          </a:fillRef>
+          <a:effectRef idx="0">
+            <a:schemeClr val="accent1"/>
+          </a:effectRef>
+          <a:fontRef idx="minor">
+            <a:schemeClr val="tx1"/>
+          </a:fontRef>
+        </p:style>
+      </p:cxnSp>
+      <p:sp>
+        <p:nvSpPr>
+          <p:cNvPr id="50" name="TextBox 49">
+            <a:extLst>
+              <a:ext uri="{FF2B5EF4-FFF2-40B4-BE49-F238E27FC236}">
+                <a16:creationId xmlns:a16="http://schemas.microsoft.com/office/drawing/2014/main" id="{12692CD3-F556-8245-9B29-A8847DA8B658}"/>
+              </a:ext>
+            </a:extLst>
+          </p:cNvPr>
+          <p:cNvSpPr txBox="1"/>
+          <p:nvPr/>
+        </p:nvSpPr>
+        <p:spPr>
+          <a:xfrm>
+            <a:off x="8484230" y="3753271"/>
+            <a:ext cx="1076833" cy="338554"/>
+          </a:xfrm>
+          <a:prstGeom prst="rect">
+            <a:avLst/>
+          </a:prstGeom>
+          <a:noFill/>
+        </p:spPr>
+        <p:txBody>
+          <a:bodyPr wrap="none" rtlCol="0">
+            <a:spAutoFit/>
+          </a:bodyPr>
+          <a:lstStyle/>
+          <a:p>
+            <a:r>
+              <a:rPr lang="en-US" sz="1600" dirty="0"/>
+              <a:t>Time steps</a:t>
+            </a:r>
+          </a:p>
+        </p:txBody>
+      </p:sp>
+      <p:cxnSp>
+        <p:nvCxnSpPr>
+          <p:cNvPr id="55" name="Straight Arrow Connector 54">
+            <a:extLst>
+              <a:ext uri="{FF2B5EF4-FFF2-40B4-BE49-F238E27FC236}">
+                <a16:creationId xmlns:a16="http://schemas.microsoft.com/office/drawing/2014/main" id="{1B972D98-D14F-1143-A1EA-C05F15346E1E}"/>
+              </a:ext>
+            </a:extLst>
+          </p:cNvPr>
+          <p:cNvCxnSpPr>
+            <a:cxnSpLocks/>
+          </p:cNvCxnSpPr>
+          <p:nvPr/>
+        </p:nvCxnSpPr>
+        <p:spPr>
+          <a:xfrm flipV="1">
+            <a:off x="8217216" y="3422505"/>
+            <a:ext cx="0" cy="305437"/>
+          </a:xfrm>
+          <a:prstGeom prst="straightConnector1">
+            <a:avLst/>
+          </a:prstGeom>
+          <a:ln>
+            <a:tailEnd type="triangle"/>
+          </a:ln>
+        </p:spPr>
+        <p:style>
+          <a:lnRef idx="1">
+            <a:schemeClr val="accent1"/>
+          </a:lnRef>
+          <a:fillRef idx="0">
+            <a:schemeClr val="accent1"/>
+          </a:fillRef>
+          <a:effectRef idx="0">
+            <a:schemeClr val="accent1"/>
+          </a:effectRef>
+          <a:fontRef idx="minor">
+            <a:schemeClr val="tx1"/>
+          </a:fontRef>
+        </p:style>
+      </p:cxnSp>
+      <p:sp>
+        <p:nvSpPr>
+          <p:cNvPr id="57" name="TextBox 56">
+            <a:extLst>
+              <a:ext uri="{FF2B5EF4-FFF2-40B4-BE49-F238E27FC236}">
+                <a16:creationId xmlns:a16="http://schemas.microsoft.com/office/drawing/2014/main" id="{F508A811-B627-854B-A819-7B747B732954}"/>
+              </a:ext>
+            </a:extLst>
+          </p:cNvPr>
+          <p:cNvSpPr txBox="1"/>
+          <p:nvPr/>
+        </p:nvSpPr>
+        <p:spPr>
+          <a:xfrm>
+            <a:off x="8286278" y="3436763"/>
+            <a:ext cx="1022011" cy="338554"/>
+          </a:xfrm>
+          <a:prstGeom prst="rect">
+            <a:avLst/>
+          </a:prstGeom>
+          <a:noFill/>
+        </p:spPr>
+        <p:txBody>
+          <a:bodyPr wrap="none" rtlCol="0">
+            <a:spAutoFit/>
+          </a:bodyPr>
+          <a:lstStyle/>
+          <a:p>
+            <a:r>
+              <a:rPr lang="en-US" sz="1600" dirty="0"/>
+              <a:t>Batch-size</a:t>
+            </a:r>
+          </a:p>
+        </p:txBody>
+      </p:sp>
+      <p:cxnSp>
+        <p:nvCxnSpPr>
+          <p:cNvPr id="63" name="Straight Arrow Connector 62">
+            <a:extLst>
+              <a:ext uri="{FF2B5EF4-FFF2-40B4-BE49-F238E27FC236}">
+                <a16:creationId xmlns:a16="http://schemas.microsoft.com/office/drawing/2014/main" id="{C5A4D4F7-25E2-EF44-B2A3-D150455D24DD}"/>
+              </a:ext>
+            </a:extLst>
+          </p:cNvPr>
+          <p:cNvCxnSpPr>
+            <a:cxnSpLocks/>
+          </p:cNvCxnSpPr>
+          <p:nvPr/>
+        </p:nvCxnSpPr>
+        <p:spPr>
+          <a:xfrm flipV="1">
+            <a:off x="7119078" y="3094894"/>
+            <a:ext cx="0" cy="314606"/>
+          </a:xfrm>
+          <a:prstGeom prst="straightConnector1">
+            <a:avLst/>
+          </a:prstGeom>
+          <a:ln>
+            <a:tailEnd type="triangle"/>
+          </a:ln>
+        </p:spPr>
+        <p:style>
+          <a:lnRef idx="1">
+            <a:schemeClr val="accent1"/>
+          </a:lnRef>
+          <a:fillRef idx="0">
+            <a:schemeClr val="accent1"/>
+          </a:fillRef>
+          <a:effectRef idx="0">
+            <a:schemeClr val="accent1"/>
+          </a:effectRef>
+          <a:fontRef idx="minor">
+            <a:schemeClr val="tx1"/>
+          </a:fontRef>
+        </p:style>
+      </p:cxnSp>
+      <p:cxnSp>
+        <p:nvCxnSpPr>
+          <p:cNvPr id="65" name="Straight Arrow Connector 64">
+            <a:extLst>
+              <a:ext uri="{FF2B5EF4-FFF2-40B4-BE49-F238E27FC236}">
+                <a16:creationId xmlns:a16="http://schemas.microsoft.com/office/drawing/2014/main" id="{8DF7127E-D2E5-0F48-BD3F-032FB19989AF}"/>
+              </a:ext>
+            </a:extLst>
+          </p:cNvPr>
+          <p:cNvCxnSpPr>
+            <a:cxnSpLocks/>
+          </p:cNvCxnSpPr>
+          <p:nvPr/>
+        </p:nvCxnSpPr>
+        <p:spPr>
+          <a:xfrm flipV="1">
+            <a:off x="7455874" y="2629270"/>
+            <a:ext cx="0" cy="314606"/>
+          </a:xfrm>
+          <a:prstGeom prst="straightConnector1">
+            <a:avLst/>
+          </a:prstGeom>
+          <a:ln>
+            <a:tailEnd type="triangle"/>
+          </a:ln>
+        </p:spPr>
+        <p:style>
+          <a:lnRef idx="1">
+            <a:schemeClr val="accent1"/>
+          </a:lnRef>
+          <a:fillRef idx="0">
+            <a:schemeClr val="accent1"/>
+          </a:fillRef>
+          <a:effectRef idx="0">
+            <a:schemeClr val="accent1"/>
+          </a:effectRef>
+          <a:fontRef idx="minor">
+            <a:schemeClr val="tx1"/>
+          </a:fontRef>
+        </p:style>
+      </p:cxnSp>
+      <p:cxnSp>
+        <p:nvCxnSpPr>
+          <p:cNvPr id="66" name="Straight Arrow Connector 65">
+            <a:extLst>
+              <a:ext uri="{FF2B5EF4-FFF2-40B4-BE49-F238E27FC236}">
+                <a16:creationId xmlns:a16="http://schemas.microsoft.com/office/drawing/2014/main" id="{5F9C4A0E-B975-394E-B88E-BDD897DF6178}"/>
+              </a:ext>
+            </a:extLst>
+          </p:cNvPr>
+          <p:cNvCxnSpPr>
+            <a:cxnSpLocks/>
+          </p:cNvCxnSpPr>
+          <p:nvPr/>
+        </p:nvCxnSpPr>
+        <p:spPr>
+          <a:xfrm flipV="1">
+            <a:off x="8266002" y="2624367"/>
+            <a:ext cx="0" cy="314606"/>
+          </a:xfrm>
+          <a:prstGeom prst="straightConnector1">
+            <a:avLst/>
+          </a:prstGeom>
+          <a:ln>
+            <a:tailEnd type="triangle"/>
+          </a:ln>
+        </p:spPr>
+        <p:style>
+          <a:lnRef idx="1">
+            <a:schemeClr val="accent1"/>
+          </a:lnRef>
+          <a:fillRef idx="0">
+            <a:schemeClr val="accent1"/>
+          </a:fillRef>
+          <a:effectRef idx="0">
+            <a:schemeClr val="accent1"/>
+          </a:effectRef>
+          <a:fontRef idx="minor">
+            <a:schemeClr val="tx1"/>
+          </a:fontRef>
+        </p:style>
+      </p:cxnSp>
+      <p:cxnSp>
+        <p:nvCxnSpPr>
+          <p:cNvPr id="67" name="Straight Arrow Connector 66">
+            <a:extLst>
+              <a:ext uri="{FF2B5EF4-FFF2-40B4-BE49-F238E27FC236}">
+                <a16:creationId xmlns:a16="http://schemas.microsoft.com/office/drawing/2014/main" id="{36630A25-856C-0340-B3EA-B2D12E266606}"/>
+              </a:ext>
+            </a:extLst>
+          </p:cNvPr>
+          <p:cNvCxnSpPr>
+            <a:cxnSpLocks/>
+          </p:cNvCxnSpPr>
+          <p:nvPr/>
+        </p:nvCxnSpPr>
+        <p:spPr>
+          <a:xfrm flipV="1">
+            <a:off x="7805979" y="3094894"/>
+            <a:ext cx="0" cy="314606"/>
+          </a:xfrm>
+          <a:prstGeom prst="straightConnector1">
+            <a:avLst/>
+          </a:prstGeom>
+          <a:ln>
+            <a:tailEnd type="triangle"/>
+          </a:ln>
+        </p:spPr>
+        <p:style>
+          <a:lnRef idx="1">
+            <a:schemeClr val="accent1"/>
+          </a:lnRef>
+          <a:fillRef idx="0">
+            <a:schemeClr val="accent1"/>
+          </a:fillRef>
+          <a:effectRef idx="0">
+            <a:schemeClr val="accent1"/>
+          </a:effectRef>
+          <a:fontRef idx="minor">
+            <a:schemeClr val="tx1"/>
+          </a:fontRef>
+        </p:style>
+      </p:cxnSp>
+      <p:sp>
+        <p:nvSpPr>
+          <p:cNvPr id="69" name="TextBox 68">
+            <a:extLst>
+              <a:ext uri="{FF2B5EF4-FFF2-40B4-BE49-F238E27FC236}">
+                <a16:creationId xmlns:a16="http://schemas.microsoft.com/office/drawing/2014/main" id="{9C119B9E-0F7F-6044-8EE4-18938487D431}"/>
+              </a:ext>
+            </a:extLst>
+          </p:cNvPr>
+          <p:cNvSpPr txBox="1"/>
+          <p:nvPr/>
+        </p:nvSpPr>
+        <p:spPr>
+          <a:xfrm>
+            <a:off x="8135566" y="2391338"/>
+            <a:ext cx="1109984" cy="307777"/>
+          </a:xfrm>
+          <a:prstGeom prst="rect">
+            <a:avLst/>
+          </a:prstGeom>
+          <a:noFill/>
+        </p:spPr>
+        <p:txBody>
+          <a:bodyPr wrap="none" rtlCol="0">
+            <a:spAutoFit/>
+          </a:bodyPr>
+          <a:lstStyle/>
+          <a:p>
+            <a:r>
+              <a:rPr lang="en-US" sz="1400" dirty="0"/>
+              <a:t>To next layer</a:t>
+            </a:r>
+          </a:p>
+        </p:txBody>
+      </p:sp>
+    </p:spTree>
+    <p:extLst>
+      <p:ext uri="{BB962C8B-B14F-4D97-AF65-F5344CB8AC3E}">
+        <p14:creationId xmlns:p14="http://schemas.microsoft.com/office/powerpoint/2010/main" val="2030039000"/>
+      </p:ext>
+    </p:extLst>
+  </p:cSld>
+  <p:clrMapOvr>
+    <a:masterClrMapping/>
+  </p:clrMapOvr>
+</p:sld>
+</file>
+
+<file path=ppt/slides/slide6.xml><?xml version="1.0" encoding="utf-8"?>
+<p:sld xmlns:a="http://schemas.openxmlformats.org/drawingml/2006/main" xmlns:r="http://schemas.openxmlformats.org/officeDocument/2006/relationships" xmlns:p="http://schemas.openxmlformats.org/presentationml/2006/main">
+  <p:cSld>
+    <p:spTree>
+      <p:nvGrpSpPr>
+        <p:cNvPr id="1" name=""/>
+        <p:cNvGrpSpPr/>
+        <p:nvPr/>
+      </p:nvGrpSpPr>
+      <p:grpSpPr>
+        <a:xfrm>
+          <a:off x="0" y="0"/>
+          <a:ext cx="0" cy="0"/>
+          <a:chOff x="0" y="0"/>
+          <a:chExt cx="0" cy="0"/>
+        </a:xfrm>
+      </p:grpSpPr>
+      <p:sp>
+        <p:nvSpPr>
+          <p:cNvPr id="41" name="Right Arrow 40">
+            <a:extLst>
+              <a:ext uri="{FF2B5EF4-FFF2-40B4-BE49-F238E27FC236}">
+                <a16:creationId xmlns:a16="http://schemas.microsoft.com/office/drawing/2014/main" id="{E82D4749-70C0-364B-972C-40006B1569D2}"/>
+              </a:ext>
+            </a:extLst>
+          </p:cNvPr>
+          <p:cNvSpPr/>
+          <p:nvPr/>
+        </p:nvSpPr>
+        <p:spPr>
+          <a:xfrm>
+            <a:off x="1359878" y="703496"/>
+            <a:ext cx="1324156" cy="1687842"/>
+          </a:xfrm>
+          <a:prstGeom prst="rightArrow">
+            <a:avLst/>
+          </a:prstGeom>
+          <a:solidFill>
+            <a:schemeClr val="accent1">
+              <a:lumMod val="20000"/>
+              <a:lumOff val="80000"/>
+            </a:schemeClr>
+          </a:solidFill>
+          <a:ln w="9525">
+            <a:noFill/>
+          </a:ln>
+        </p:spPr>
+        <p:style>
+          <a:lnRef idx="2">
+            <a:schemeClr val="accent1">
+              <a:shade val="50000"/>
+            </a:schemeClr>
+          </a:lnRef>
+          <a:fillRef idx="1">
+            <a:schemeClr val="accent1"/>
+          </a:fillRef>
+          <a:effectRef idx="0">
+            <a:schemeClr val="accent1"/>
+          </a:effectRef>
+          <a:fontRef idx="minor">
+            <a:schemeClr val="lt1"/>
+          </a:fontRef>
+        </p:style>
+        <p:txBody>
+          <a:bodyPr lIns="0" tIns="0" rIns="0" bIns="0" rtlCol="0" anchor="ctr"/>
+          <a:lstStyle/>
+          <a:p>
+            <a:pPr algn="r"/>
+            <a:r>
+              <a:rPr lang="en-US" sz="1400" dirty="0">
+                <a:solidFill>
+                  <a:schemeClr val="tx1"/>
+                </a:solidFill>
+              </a:rPr>
+              <a:t>History = 2</a:t>
+            </a:r>
+          </a:p>
+          <a:p>
+            <a:pPr algn="r"/>
+            <a:r>
+              <a:rPr lang="en-US" sz="1400" dirty="0">
+                <a:solidFill>
+                  <a:schemeClr val="tx1"/>
+                </a:solidFill>
+              </a:rPr>
+              <a:t>Batch = 1 </a:t>
+            </a:r>
+          </a:p>
+        </p:txBody>
+      </p:sp>
+      <p:sp>
+        <p:nvSpPr>
+          <p:cNvPr id="11" name="Cube 10">
+            <a:extLst>
+              <a:ext uri="{FF2B5EF4-FFF2-40B4-BE49-F238E27FC236}">
+                <a16:creationId xmlns:a16="http://schemas.microsoft.com/office/drawing/2014/main" id="{6652E332-ECE9-A64C-B958-1F1949B919A1}"/>
+              </a:ext>
+            </a:extLst>
+          </p:cNvPr>
+          <p:cNvSpPr/>
+          <p:nvPr/>
+        </p:nvSpPr>
+        <p:spPr>
+          <a:xfrm>
+            <a:off x="7573104" y="787618"/>
+            <a:ext cx="492372" cy="422032"/>
+          </a:xfrm>
+          <a:prstGeom prst="cube">
+            <a:avLst>
+              <a:gd name="adj" fmla="val 44465"/>
+            </a:avLst>
+          </a:prstGeom>
+          <a:solidFill>
+            <a:schemeClr val="accent1">
+              <a:lumMod val="60000"/>
+              <a:lumOff val="40000"/>
+            </a:schemeClr>
+          </a:solidFill>
+        </p:spPr>
+        <p:style>
+          <a:lnRef idx="2">
+            <a:schemeClr val="accent1">
+              <a:shade val="50000"/>
+            </a:schemeClr>
+          </a:lnRef>
+          <a:fillRef idx="1">
+            <a:schemeClr val="accent1"/>
+          </a:fillRef>
+          <a:effectRef idx="0">
+            <a:schemeClr val="accent1"/>
+          </a:effectRef>
+          <a:fontRef idx="minor">
+            <a:schemeClr val="lt1"/>
+          </a:fontRef>
+        </p:style>
+        <p:txBody>
+          <a:bodyPr lIns="0" tIns="0" rIns="0" bIns="0" rtlCol="0" anchor="ctr"/>
+          <a:lstStyle/>
+          <a:p>
+            <a:pPr algn="ctr"/>
+            <a:r>
+              <a:rPr lang="en-US" sz="1400" dirty="0"/>
+              <a:t>10</a:t>
+            </a:r>
+          </a:p>
+        </p:txBody>
+      </p:sp>
+      <p:sp>
+        <p:nvSpPr>
+          <p:cNvPr id="12" name="Cube 11">
+            <a:extLst>
+              <a:ext uri="{FF2B5EF4-FFF2-40B4-BE49-F238E27FC236}">
+                <a16:creationId xmlns:a16="http://schemas.microsoft.com/office/drawing/2014/main" id="{ADCF0300-C8DF-5F4E-9C06-0EC51F50C773}"/>
+              </a:ext>
+            </a:extLst>
+          </p:cNvPr>
+          <p:cNvSpPr/>
+          <p:nvPr/>
+        </p:nvSpPr>
+        <p:spPr>
+          <a:xfrm>
+            <a:off x="7236308" y="1209650"/>
+            <a:ext cx="492372" cy="422032"/>
+          </a:xfrm>
+          <a:prstGeom prst="cube">
+            <a:avLst>
+              <a:gd name="adj" fmla="val 44465"/>
+            </a:avLst>
+          </a:prstGeom>
+          <a:solidFill>
+            <a:schemeClr val="accent1">
+              <a:lumMod val="60000"/>
+              <a:lumOff val="40000"/>
+            </a:schemeClr>
+          </a:solidFill>
+        </p:spPr>
+        <p:style>
+          <a:lnRef idx="2">
+            <a:schemeClr val="accent1">
+              <a:shade val="50000"/>
+            </a:schemeClr>
+          </a:lnRef>
+          <a:fillRef idx="1">
+            <a:schemeClr val="accent1"/>
+          </a:fillRef>
+          <a:effectRef idx="0">
+            <a:schemeClr val="accent1"/>
+          </a:effectRef>
+          <a:fontRef idx="minor">
+            <a:schemeClr val="lt1"/>
+          </a:fontRef>
+        </p:style>
+        <p:txBody>
+          <a:bodyPr lIns="0" tIns="0" rIns="0" bIns="0" rtlCol="0" anchor="ctr"/>
+          <a:lstStyle/>
+          <a:p>
+            <a:pPr algn="ctr"/>
+            <a:r>
+              <a:rPr lang="en-US" sz="1400" dirty="0"/>
+              <a:t>1</a:t>
+            </a:r>
+          </a:p>
+        </p:txBody>
+      </p:sp>
+      <p:sp>
+        <p:nvSpPr>
+          <p:cNvPr id="15" name="Cube 14">
+            <a:extLst>
+              <a:ext uri="{FF2B5EF4-FFF2-40B4-BE49-F238E27FC236}">
+                <a16:creationId xmlns:a16="http://schemas.microsoft.com/office/drawing/2014/main" id="{103ABC23-88E4-A542-8024-F74F786E27C4}"/>
+              </a:ext>
+            </a:extLst>
+          </p:cNvPr>
+          <p:cNvSpPr/>
+          <p:nvPr/>
+        </p:nvSpPr>
+        <p:spPr>
+          <a:xfrm>
+            <a:off x="8358556" y="787618"/>
+            <a:ext cx="492372" cy="422032"/>
+          </a:xfrm>
+          <a:prstGeom prst="cube">
+            <a:avLst>
+              <a:gd name="adj" fmla="val 44465"/>
+            </a:avLst>
+          </a:prstGeom>
+          <a:solidFill>
+            <a:schemeClr val="accent1">
+              <a:lumMod val="60000"/>
+              <a:lumOff val="40000"/>
+            </a:schemeClr>
+          </a:solidFill>
+        </p:spPr>
+        <p:style>
+          <a:lnRef idx="2">
+            <a:schemeClr val="accent1">
+              <a:shade val="50000"/>
+            </a:schemeClr>
+          </a:lnRef>
+          <a:fillRef idx="1">
+            <a:schemeClr val="accent1"/>
+          </a:fillRef>
+          <a:effectRef idx="0">
+            <a:schemeClr val="accent1"/>
+          </a:effectRef>
+          <a:fontRef idx="minor">
+            <a:schemeClr val="lt1"/>
+          </a:fontRef>
+        </p:style>
+        <p:txBody>
+          <a:bodyPr lIns="0" tIns="0" rIns="0" bIns="0" rtlCol="0" anchor="ctr"/>
+          <a:lstStyle/>
+          <a:p>
+            <a:pPr algn="ctr"/>
+            <a:r>
+              <a:rPr lang="en-US" sz="1400" dirty="0"/>
+              <a:t>20</a:t>
+            </a:r>
+          </a:p>
+        </p:txBody>
+      </p:sp>
+      <p:sp>
+        <p:nvSpPr>
+          <p:cNvPr id="16" name="Cube 15">
+            <a:extLst>
+              <a:ext uri="{FF2B5EF4-FFF2-40B4-BE49-F238E27FC236}">
+                <a16:creationId xmlns:a16="http://schemas.microsoft.com/office/drawing/2014/main" id="{56838366-3CC4-834B-9A69-A95C5859846B}"/>
+              </a:ext>
+            </a:extLst>
+          </p:cNvPr>
+          <p:cNvSpPr/>
+          <p:nvPr/>
+        </p:nvSpPr>
+        <p:spPr>
+          <a:xfrm>
+            <a:off x="8021760" y="1209650"/>
+            <a:ext cx="492372" cy="422032"/>
+          </a:xfrm>
+          <a:prstGeom prst="cube">
+            <a:avLst>
+              <a:gd name="adj" fmla="val 44465"/>
+            </a:avLst>
+          </a:prstGeom>
+          <a:solidFill>
+            <a:schemeClr val="accent1">
+              <a:lumMod val="60000"/>
+              <a:lumOff val="40000"/>
+            </a:schemeClr>
+          </a:solidFill>
+        </p:spPr>
+        <p:style>
+          <a:lnRef idx="2">
+            <a:schemeClr val="accent1">
+              <a:shade val="50000"/>
+            </a:schemeClr>
+          </a:lnRef>
+          <a:fillRef idx="1">
+            <a:schemeClr val="accent1"/>
+          </a:fillRef>
+          <a:effectRef idx="0">
+            <a:schemeClr val="accent1"/>
+          </a:effectRef>
+          <a:fontRef idx="minor">
+            <a:schemeClr val="lt1"/>
+          </a:fontRef>
+        </p:style>
+        <p:txBody>
+          <a:bodyPr lIns="0" tIns="0" rIns="0" bIns="0" rtlCol="0" anchor="ctr"/>
+          <a:lstStyle/>
+          <a:p>
+            <a:pPr algn="ctr"/>
+            <a:r>
+              <a:rPr lang="en-US" sz="1400" dirty="0"/>
+              <a:t>2</a:t>
+            </a:r>
+          </a:p>
+        </p:txBody>
+      </p:sp>
+      <p:sp>
+        <p:nvSpPr>
+          <p:cNvPr id="22" name="Up Arrow 21">
+            <a:extLst>
+              <a:ext uri="{FF2B5EF4-FFF2-40B4-BE49-F238E27FC236}">
+                <a16:creationId xmlns:a16="http://schemas.microsoft.com/office/drawing/2014/main" id="{1A469344-BF6C-C646-9589-D1802E38D85C}"/>
+              </a:ext>
+            </a:extLst>
+          </p:cNvPr>
+          <p:cNvSpPr/>
+          <p:nvPr/>
+        </p:nvSpPr>
+        <p:spPr>
+          <a:xfrm>
+            <a:off x="7298094" y="1762535"/>
+            <a:ext cx="184400" cy="361522"/>
+          </a:xfrm>
+          <a:prstGeom prst="upArrow">
+            <a:avLst/>
+          </a:prstGeom>
+        </p:spPr>
+        <p:style>
+          <a:lnRef idx="2">
+            <a:schemeClr val="accent1">
+              <a:shade val="50000"/>
+            </a:schemeClr>
+          </a:lnRef>
+          <a:fillRef idx="1">
+            <a:schemeClr val="accent1"/>
+          </a:fillRef>
+          <a:effectRef idx="0">
+            <a:schemeClr val="accent1"/>
+          </a:effectRef>
+          <a:fontRef idx="minor">
+            <a:schemeClr val="lt1"/>
+          </a:fontRef>
+        </p:style>
+        <p:txBody>
+          <a:bodyPr rtlCol="0" anchor="ctr"/>
+          <a:lstStyle/>
+          <a:p>
+            <a:pPr algn="ctr"/>
+            <a:endParaRPr lang="en-US"/>
+          </a:p>
+        </p:txBody>
+      </p:sp>
+      <p:sp>
+        <p:nvSpPr>
+          <p:cNvPr id="23" name="Up Arrow 22">
+            <a:extLst>
+              <a:ext uri="{FF2B5EF4-FFF2-40B4-BE49-F238E27FC236}">
+                <a16:creationId xmlns:a16="http://schemas.microsoft.com/office/drawing/2014/main" id="{72EF39B6-F958-A443-8A89-CD93D7CA2911}"/>
+              </a:ext>
+            </a:extLst>
+          </p:cNvPr>
+          <p:cNvSpPr/>
+          <p:nvPr/>
+        </p:nvSpPr>
+        <p:spPr>
+          <a:xfrm>
+            <a:off x="8077195" y="1762535"/>
+            <a:ext cx="184400" cy="361522"/>
+          </a:xfrm>
+          <a:prstGeom prst="upArrow">
+            <a:avLst/>
+          </a:prstGeom>
+        </p:spPr>
+        <p:style>
+          <a:lnRef idx="2">
+            <a:schemeClr val="accent1">
+              <a:shade val="50000"/>
+            </a:schemeClr>
+          </a:lnRef>
+          <a:fillRef idx="1">
+            <a:schemeClr val="accent1"/>
+          </a:fillRef>
+          <a:effectRef idx="0">
+            <a:schemeClr val="accent1"/>
+          </a:effectRef>
+          <a:fontRef idx="minor">
+            <a:schemeClr val="lt1"/>
+          </a:fontRef>
+        </p:style>
+        <p:txBody>
+          <a:bodyPr rtlCol="0" anchor="ctr"/>
+          <a:lstStyle/>
+          <a:p>
+            <a:pPr algn="ctr"/>
+            <a:endParaRPr lang="en-US"/>
+          </a:p>
+        </p:txBody>
+      </p:sp>
+      <p:sp>
+        <p:nvSpPr>
+          <p:cNvPr id="37" name="Double Bracket 36">
+            <a:extLst>
+              <a:ext uri="{FF2B5EF4-FFF2-40B4-BE49-F238E27FC236}">
+                <a16:creationId xmlns:a16="http://schemas.microsoft.com/office/drawing/2014/main" id="{BB5BA45E-DCCD-0641-AD71-F46BFD785E07}"/>
+              </a:ext>
+            </a:extLst>
+          </p:cNvPr>
+          <p:cNvSpPr/>
+          <p:nvPr/>
+        </p:nvSpPr>
+        <p:spPr>
+          <a:xfrm>
+            <a:off x="7144108" y="2254910"/>
+            <a:ext cx="492372" cy="810771"/>
+          </a:xfrm>
+          <a:prstGeom prst="bracketPair">
+            <a:avLst/>
+          </a:prstGeom>
+        </p:spPr>
+        <p:style>
+          <a:lnRef idx="1">
+            <a:schemeClr val="accent1"/>
+          </a:lnRef>
+          <a:fillRef idx="0">
+            <a:schemeClr val="accent1"/>
+          </a:fillRef>
+          <a:effectRef idx="0">
+            <a:schemeClr val="accent1"/>
+          </a:effectRef>
+          <a:fontRef idx="minor">
+            <a:schemeClr val="tx1"/>
+          </a:fontRef>
+        </p:style>
+        <p:txBody>
+          <a:bodyPr rtlCol="0" anchor="ctr"/>
+          <a:lstStyle/>
+          <a:p>
+            <a:pPr algn="ctr"/>
+            <a:r>
+              <a:rPr lang="en-US" sz="1200" dirty="0"/>
+              <a:t>t1</a:t>
+            </a:r>
+          </a:p>
+          <a:p>
+            <a:pPr algn="ctr"/>
+            <a:endParaRPr lang="en-US" sz="1200" dirty="0"/>
+          </a:p>
+          <a:p>
+            <a:pPr algn="ctr"/>
+            <a:r>
+              <a:rPr lang="en-US" sz="1200" dirty="0"/>
+              <a:t>1</a:t>
+            </a:r>
+          </a:p>
+          <a:p>
+            <a:pPr algn="ctr"/>
+            <a:r>
+              <a:rPr lang="en-US" sz="1200" dirty="0"/>
+              <a:t>10</a:t>
+            </a:r>
+          </a:p>
+          <a:p>
+            <a:pPr algn="ctr"/>
+            <a:endParaRPr lang="en-US" sz="1200" dirty="0"/>
+          </a:p>
+        </p:txBody>
+      </p:sp>
+      <p:sp>
+        <p:nvSpPr>
+          <p:cNvPr id="39" name="Double Bracket 38">
+            <a:extLst>
+              <a:ext uri="{FF2B5EF4-FFF2-40B4-BE49-F238E27FC236}">
+                <a16:creationId xmlns:a16="http://schemas.microsoft.com/office/drawing/2014/main" id="{A3301540-A27C-4649-9C06-E460A57AFB6D}"/>
+              </a:ext>
+            </a:extLst>
+          </p:cNvPr>
+          <p:cNvSpPr/>
+          <p:nvPr/>
+        </p:nvSpPr>
+        <p:spPr>
+          <a:xfrm>
+            <a:off x="334840" y="312663"/>
+            <a:ext cx="1146957" cy="2078675"/>
+          </a:xfrm>
+          <a:prstGeom prst="bracketPair">
+            <a:avLst/>
+          </a:prstGeom>
+        </p:spPr>
+        <p:style>
+          <a:lnRef idx="1">
+            <a:schemeClr val="accent1"/>
+          </a:lnRef>
+          <a:fillRef idx="0">
+            <a:schemeClr val="accent1"/>
+          </a:fillRef>
+          <a:effectRef idx="0">
+            <a:schemeClr val="accent1"/>
+          </a:effectRef>
+          <a:fontRef idx="minor">
+            <a:schemeClr val="tx1"/>
+          </a:fontRef>
+        </p:style>
+        <p:txBody>
+          <a:bodyPr rtlCol="0" anchor="t"/>
+          <a:lstStyle/>
+          <a:p>
+            <a:r>
+              <a:rPr lang="en-US" sz="1400" b="1" dirty="0">
+                <a:latin typeface="Courier" pitchFamily="2" charset="0"/>
+              </a:rPr>
+              <a:t>X1  X2 </a:t>
+            </a:r>
+          </a:p>
+          <a:p>
+            <a:pPr marL="342900" indent="-342900">
+              <a:buAutoNum type="arabicPlain"/>
+            </a:pPr>
+            <a:r>
+              <a:rPr lang="en-US" sz="1400" dirty="0">
+                <a:latin typeface="Courier" pitchFamily="2" charset="0"/>
+              </a:rPr>
+              <a:t>10</a:t>
+            </a:r>
+          </a:p>
+          <a:p>
+            <a:pPr marL="342900" indent="-342900">
+              <a:buAutoNum type="arabicPlain"/>
+            </a:pPr>
+            <a:r>
+              <a:rPr lang="en-US" sz="1400" dirty="0">
+                <a:latin typeface="Courier" pitchFamily="2" charset="0"/>
+              </a:rPr>
+              <a:t>20</a:t>
+            </a:r>
+          </a:p>
+          <a:p>
+            <a:pPr marL="342900" indent="-342900">
+              <a:buAutoNum type="arabicPlain"/>
+            </a:pPr>
+            <a:r>
+              <a:rPr lang="en-US" sz="1400" dirty="0">
+                <a:latin typeface="Courier" pitchFamily="2" charset="0"/>
+              </a:rPr>
+              <a:t>30</a:t>
+            </a:r>
+          </a:p>
+          <a:p>
+            <a:pPr marL="342900" indent="-342900">
+              <a:buAutoNum type="arabicPlain"/>
+            </a:pPr>
+            <a:r>
+              <a:rPr lang="en-US" sz="1400" dirty="0">
+                <a:latin typeface="Courier" pitchFamily="2" charset="0"/>
+              </a:rPr>
+              <a:t>…</a:t>
+            </a:r>
+          </a:p>
+          <a:p>
+            <a:pPr marL="342900" indent="-342900">
+              <a:buAutoNum type="arabicPlain"/>
+            </a:pPr>
+            <a:endParaRPr lang="en-US" sz="1400" dirty="0">
+              <a:latin typeface="Courier" pitchFamily="2" charset="0"/>
+            </a:endParaRPr>
+          </a:p>
+          <a:p>
+            <a:pPr marL="342900" indent="-342900">
+              <a:buAutoNum type="arabicPlain" startAt="8"/>
+            </a:pPr>
+            <a:r>
+              <a:rPr lang="en-US" sz="1400" dirty="0">
+                <a:latin typeface="Courier" pitchFamily="2" charset="0"/>
+              </a:rPr>
+              <a:t>80</a:t>
+            </a:r>
+          </a:p>
+          <a:p>
+            <a:pPr marL="342900" indent="-342900">
+              <a:buAutoNum type="arabicPlain" startAt="8"/>
+            </a:pPr>
+            <a:r>
+              <a:rPr lang="en-US" sz="1400" dirty="0">
+                <a:latin typeface="Courier" pitchFamily="2" charset="0"/>
+              </a:rPr>
+              <a:t>90</a:t>
+            </a:r>
+          </a:p>
+          <a:p>
+            <a:pPr marL="342900" indent="-342900">
+              <a:buAutoNum type="arabicPlain" startAt="8"/>
+            </a:pPr>
+            <a:endParaRPr lang="en-US" sz="1400" dirty="0">
+              <a:latin typeface="Courier" pitchFamily="2" charset="0"/>
+            </a:endParaRPr>
+          </a:p>
+        </p:txBody>
+      </p:sp>
+      <p:sp>
+        <p:nvSpPr>
+          <p:cNvPr id="40" name="Double Bracket 39">
+            <a:extLst>
+              <a:ext uri="{FF2B5EF4-FFF2-40B4-BE49-F238E27FC236}">
+                <a16:creationId xmlns:a16="http://schemas.microsoft.com/office/drawing/2014/main" id="{8C813A0E-3451-E243-BC25-C601994B6229}"/>
+              </a:ext>
+            </a:extLst>
+          </p:cNvPr>
+          <p:cNvSpPr/>
+          <p:nvPr/>
+        </p:nvSpPr>
+        <p:spPr>
+          <a:xfrm>
+            <a:off x="2532170" y="312663"/>
+            <a:ext cx="2332907" cy="2078675"/>
+          </a:xfrm>
+          <a:prstGeom prst="bracketPair">
+            <a:avLst/>
+          </a:prstGeom>
+        </p:spPr>
+        <p:style>
+          <a:lnRef idx="1">
+            <a:schemeClr val="accent1"/>
+          </a:lnRef>
+          <a:fillRef idx="0">
+            <a:schemeClr val="accent1"/>
+          </a:fillRef>
+          <a:effectRef idx="0">
+            <a:schemeClr val="accent1"/>
+          </a:effectRef>
+          <a:fontRef idx="minor">
+            <a:schemeClr val="tx1"/>
+          </a:fontRef>
+        </p:style>
+        <p:txBody>
+          <a:bodyPr rtlCol="0" anchor="t"/>
+          <a:lstStyle/>
+          <a:p>
+            <a:r>
+              <a:rPr lang="en-US" sz="1400" b="1" dirty="0">
+                <a:latin typeface="Courier" pitchFamily="2" charset="0"/>
+              </a:rPr>
+              <a:t>t1       t2     y </a:t>
+            </a:r>
+          </a:p>
+          <a:p>
+            <a:r>
+              <a:rPr lang="en-US" sz="1400" dirty="0">
+                <a:latin typeface="Courier" pitchFamily="2" charset="0"/>
+              </a:rPr>
+              <a:t>[1  10] [2 20]  3</a:t>
+            </a:r>
+          </a:p>
+          <a:p>
+            <a:r>
+              <a:rPr lang="en-US" sz="1400" dirty="0">
+                <a:latin typeface="Courier" pitchFamily="2" charset="0"/>
+              </a:rPr>
+              <a:t>[2  20] [3 30]  4</a:t>
+            </a:r>
+          </a:p>
+          <a:p>
+            <a:endParaRPr lang="en-US" sz="1400" dirty="0">
+              <a:latin typeface="Courier" pitchFamily="2" charset="0"/>
+            </a:endParaRPr>
+          </a:p>
+          <a:p>
+            <a:r>
+              <a:rPr lang="en-US" sz="1400" dirty="0">
+                <a:latin typeface="Courier" pitchFamily="2" charset="0"/>
+              </a:rPr>
+              <a:t>…</a:t>
+            </a:r>
+          </a:p>
+          <a:p>
+            <a:endParaRPr lang="en-US" sz="1400" dirty="0">
+              <a:latin typeface="Courier" pitchFamily="2" charset="0"/>
+            </a:endParaRPr>
+          </a:p>
+          <a:p>
+            <a:endParaRPr lang="en-US" sz="1400" dirty="0">
+              <a:latin typeface="Courier" pitchFamily="2" charset="0"/>
+            </a:endParaRPr>
+          </a:p>
+        </p:txBody>
+      </p:sp>
+      <p:sp>
+        <p:nvSpPr>
+          <p:cNvPr id="42" name="Double Bracket 41">
+            <a:extLst>
+              <a:ext uri="{FF2B5EF4-FFF2-40B4-BE49-F238E27FC236}">
+                <a16:creationId xmlns:a16="http://schemas.microsoft.com/office/drawing/2014/main" id="{D538D551-3BC5-2D43-A8DB-5E6DD57C6690}"/>
+              </a:ext>
+            </a:extLst>
+          </p:cNvPr>
+          <p:cNvSpPr/>
+          <p:nvPr/>
+        </p:nvSpPr>
+        <p:spPr>
+          <a:xfrm>
+            <a:off x="7923209" y="2254910"/>
+            <a:ext cx="492372" cy="810771"/>
+          </a:xfrm>
+          <a:prstGeom prst="bracketPair">
+            <a:avLst/>
+          </a:prstGeom>
+        </p:spPr>
+        <p:style>
+          <a:lnRef idx="1">
+            <a:schemeClr val="accent1"/>
+          </a:lnRef>
+          <a:fillRef idx="0">
+            <a:schemeClr val="accent1"/>
+          </a:fillRef>
+          <a:effectRef idx="0">
+            <a:schemeClr val="accent1"/>
+          </a:effectRef>
+          <a:fontRef idx="minor">
+            <a:schemeClr val="tx1"/>
+          </a:fontRef>
+        </p:style>
+        <p:txBody>
+          <a:bodyPr rtlCol="0" anchor="ctr"/>
+          <a:lstStyle/>
+          <a:p>
+            <a:pPr algn="ctr"/>
+            <a:r>
+              <a:rPr lang="en-US" sz="1200" dirty="0"/>
+              <a:t>t2</a:t>
+            </a:r>
+          </a:p>
+          <a:p>
+            <a:pPr algn="ctr"/>
+            <a:endParaRPr lang="en-US" sz="1200" dirty="0"/>
+          </a:p>
+          <a:p>
+            <a:pPr algn="ctr"/>
+            <a:r>
+              <a:rPr lang="en-US" sz="1200" dirty="0"/>
+              <a:t>2</a:t>
+            </a:r>
+          </a:p>
+          <a:p>
+            <a:pPr algn="ctr"/>
+            <a:r>
+              <a:rPr lang="en-US" sz="1200" dirty="0"/>
+              <a:t>20</a:t>
+            </a:r>
+          </a:p>
+          <a:p>
+            <a:pPr algn="ctr"/>
+            <a:endParaRPr lang="en-US" sz="1200" dirty="0"/>
+          </a:p>
+        </p:txBody>
+      </p:sp>
+      <p:cxnSp>
+        <p:nvCxnSpPr>
+          <p:cNvPr id="44" name="Straight Arrow Connector 43">
+            <a:extLst>
+              <a:ext uri="{FF2B5EF4-FFF2-40B4-BE49-F238E27FC236}">
+                <a16:creationId xmlns:a16="http://schemas.microsoft.com/office/drawing/2014/main" id="{E5D5C6C4-B781-504F-B2DD-A00EA906E93F}"/>
+              </a:ext>
+            </a:extLst>
+          </p:cNvPr>
+          <p:cNvCxnSpPr>
+            <a:cxnSpLocks/>
+          </p:cNvCxnSpPr>
+          <p:nvPr/>
+        </p:nvCxnSpPr>
+        <p:spPr>
+          <a:xfrm flipV="1">
+            <a:off x="6874958" y="689259"/>
+            <a:ext cx="834337" cy="1073275"/>
+          </a:xfrm>
+          <a:prstGeom prst="straightConnector1">
+            <a:avLst/>
+          </a:prstGeom>
+          <a:ln>
+            <a:tailEnd type="triangle"/>
+          </a:ln>
+        </p:spPr>
+        <p:style>
+          <a:lnRef idx="1">
+            <a:schemeClr val="accent1"/>
+          </a:lnRef>
+          <a:fillRef idx="0">
+            <a:schemeClr val="accent1"/>
+          </a:fillRef>
+          <a:effectRef idx="0">
+            <a:schemeClr val="accent1"/>
+          </a:effectRef>
+          <a:fontRef idx="minor">
+            <a:schemeClr val="tx1"/>
+          </a:fontRef>
+        </p:style>
+      </p:cxnSp>
+      <p:sp>
+        <p:nvSpPr>
+          <p:cNvPr id="45" name="TextBox 44">
+            <a:extLst>
+              <a:ext uri="{FF2B5EF4-FFF2-40B4-BE49-F238E27FC236}">
+                <a16:creationId xmlns:a16="http://schemas.microsoft.com/office/drawing/2014/main" id="{A0A87ED6-393E-0943-B4B7-91FC8157C3D4}"/>
+              </a:ext>
+            </a:extLst>
+          </p:cNvPr>
+          <p:cNvSpPr txBox="1"/>
+          <p:nvPr/>
+        </p:nvSpPr>
+        <p:spPr>
+          <a:xfrm rot="18371168">
+            <a:off x="6559611" y="1001571"/>
+            <a:ext cx="1087078" cy="369332"/>
+          </a:xfrm>
+          <a:prstGeom prst="rect">
+            <a:avLst/>
+          </a:prstGeom>
+          <a:noFill/>
+        </p:spPr>
+        <p:txBody>
+          <a:bodyPr wrap="square" rtlCol="0">
+            <a:spAutoFit/>
+          </a:bodyPr>
+          <a:lstStyle/>
+          <a:p>
+            <a:r>
+              <a:rPr lang="en-US" dirty="0"/>
+              <a:t>Features</a:t>
+            </a:r>
+          </a:p>
+        </p:txBody>
+      </p:sp>
+      <p:cxnSp>
+        <p:nvCxnSpPr>
+          <p:cNvPr id="49" name="Straight Arrow Connector 48">
+            <a:extLst>
+              <a:ext uri="{FF2B5EF4-FFF2-40B4-BE49-F238E27FC236}">
+                <a16:creationId xmlns:a16="http://schemas.microsoft.com/office/drawing/2014/main" id="{1585991F-FFD3-6946-B7A3-8B32B167FBA6}"/>
+              </a:ext>
+            </a:extLst>
+          </p:cNvPr>
+          <p:cNvCxnSpPr>
+            <a:cxnSpLocks/>
+          </p:cNvCxnSpPr>
+          <p:nvPr/>
+        </p:nvCxnSpPr>
+        <p:spPr>
+          <a:xfrm>
+            <a:off x="6874958" y="1762535"/>
+            <a:ext cx="2043928" cy="0"/>
+          </a:xfrm>
+          <a:prstGeom prst="straightConnector1">
+            <a:avLst/>
+          </a:prstGeom>
+          <a:ln>
+            <a:tailEnd type="triangle"/>
+          </a:ln>
+        </p:spPr>
+        <p:style>
+          <a:lnRef idx="1">
+            <a:schemeClr val="accent1"/>
+          </a:lnRef>
+          <a:fillRef idx="0">
+            <a:schemeClr val="accent1"/>
+          </a:fillRef>
+          <a:effectRef idx="0">
+            <a:schemeClr val="accent1"/>
+          </a:effectRef>
+          <a:fontRef idx="minor">
+            <a:schemeClr val="tx1"/>
+          </a:fontRef>
+        </p:style>
+      </p:cxnSp>
+      <p:sp>
+        <p:nvSpPr>
+          <p:cNvPr id="50" name="TextBox 49">
+            <a:extLst>
+              <a:ext uri="{FF2B5EF4-FFF2-40B4-BE49-F238E27FC236}">
+                <a16:creationId xmlns:a16="http://schemas.microsoft.com/office/drawing/2014/main" id="{12692CD3-F556-8245-9B29-A8847DA8B658}"/>
+              </a:ext>
+            </a:extLst>
+          </p:cNvPr>
+          <p:cNvSpPr txBox="1"/>
+          <p:nvPr/>
+        </p:nvSpPr>
+        <p:spPr>
+          <a:xfrm>
+            <a:off x="8847646" y="1657011"/>
+            <a:ext cx="1076833" cy="338554"/>
+          </a:xfrm>
+          <a:prstGeom prst="rect">
+            <a:avLst/>
+          </a:prstGeom>
+          <a:noFill/>
+        </p:spPr>
+        <p:txBody>
+          <a:bodyPr wrap="none" rtlCol="0">
+            <a:spAutoFit/>
+          </a:bodyPr>
+          <a:lstStyle/>
+          <a:p>
+            <a:r>
+              <a:rPr lang="en-US" sz="1600" dirty="0"/>
+              <a:t>Time steps</a:t>
+            </a:r>
+          </a:p>
+        </p:txBody>
+      </p:sp>
+      <p:cxnSp>
+        <p:nvCxnSpPr>
+          <p:cNvPr id="55" name="Straight Arrow Connector 54">
+            <a:extLst>
+              <a:ext uri="{FF2B5EF4-FFF2-40B4-BE49-F238E27FC236}">
+                <a16:creationId xmlns:a16="http://schemas.microsoft.com/office/drawing/2014/main" id="{1B972D98-D14F-1143-A1EA-C05F15346E1E}"/>
+              </a:ext>
+            </a:extLst>
+          </p:cNvPr>
+          <p:cNvCxnSpPr>
+            <a:cxnSpLocks/>
+          </p:cNvCxnSpPr>
+          <p:nvPr/>
+        </p:nvCxnSpPr>
+        <p:spPr>
+          <a:xfrm flipV="1">
+            <a:off x="8580632" y="1326245"/>
+            <a:ext cx="0" cy="305437"/>
+          </a:xfrm>
+          <a:prstGeom prst="straightConnector1">
+            <a:avLst/>
+          </a:prstGeom>
+          <a:ln>
+            <a:tailEnd type="triangle"/>
+          </a:ln>
+        </p:spPr>
+        <p:style>
+          <a:lnRef idx="1">
+            <a:schemeClr val="accent1"/>
+          </a:lnRef>
+          <a:fillRef idx="0">
+            <a:schemeClr val="accent1"/>
+          </a:fillRef>
+          <a:effectRef idx="0">
+            <a:schemeClr val="accent1"/>
+          </a:effectRef>
+          <a:fontRef idx="minor">
+            <a:schemeClr val="tx1"/>
+          </a:fontRef>
+        </p:style>
+      </p:cxnSp>
+      <p:sp>
+        <p:nvSpPr>
+          <p:cNvPr id="57" name="TextBox 56">
+            <a:extLst>
+              <a:ext uri="{FF2B5EF4-FFF2-40B4-BE49-F238E27FC236}">
+                <a16:creationId xmlns:a16="http://schemas.microsoft.com/office/drawing/2014/main" id="{F508A811-B627-854B-A819-7B747B732954}"/>
+              </a:ext>
+            </a:extLst>
+          </p:cNvPr>
+          <p:cNvSpPr txBox="1"/>
+          <p:nvPr/>
+        </p:nvSpPr>
+        <p:spPr>
+          <a:xfrm>
+            <a:off x="8649694" y="1340503"/>
+            <a:ext cx="1022011" cy="338554"/>
+          </a:xfrm>
+          <a:prstGeom prst="rect">
+            <a:avLst/>
+          </a:prstGeom>
+          <a:noFill/>
+        </p:spPr>
+        <p:txBody>
+          <a:bodyPr wrap="none" rtlCol="0">
+            <a:spAutoFit/>
+          </a:bodyPr>
+          <a:lstStyle/>
+          <a:p>
+            <a:r>
+              <a:rPr lang="en-US" sz="1600" dirty="0"/>
+              <a:t>Batch-size</a:t>
+            </a:r>
+          </a:p>
+        </p:txBody>
+      </p:sp>
+      <p:cxnSp>
+        <p:nvCxnSpPr>
+          <p:cNvPr id="63" name="Straight Arrow Connector 62">
+            <a:extLst>
+              <a:ext uri="{FF2B5EF4-FFF2-40B4-BE49-F238E27FC236}">
+                <a16:creationId xmlns:a16="http://schemas.microsoft.com/office/drawing/2014/main" id="{C5A4D4F7-25E2-EF44-B2A3-D150455D24DD}"/>
+              </a:ext>
+            </a:extLst>
+          </p:cNvPr>
+          <p:cNvCxnSpPr>
+            <a:cxnSpLocks/>
+          </p:cNvCxnSpPr>
+          <p:nvPr/>
+        </p:nvCxnSpPr>
+        <p:spPr>
+          <a:xfrm flipV="1">
+            <a:off x="7482494" y="998634"/>
+            <a:ext cx="0" cy="314606"/>
+          </a:xfrm>
+          <a:prstGeom prst="straightConnector1">
+            <a:avLst/>
+          </a:prstGeom>
+          <a:ln>
+            <a:tailEnd type="triangle"/>
+          </a:ln>
+        </p:spPr>
+        <p:style>
+          <a:lnRef idx="1">
+            <a:schemeClr val="accent1"/>
+          </a:lnRef>
+          <a:fillRef idx="0">
+            <a:schemeClr val="accent1"/>
+          </a:fillRef>
+          <a:effectRef idx="0">
+            <a:schemeClr val="accent1"/>
+          </a:effectRef>
+          <a:fontRef idx="minor">
+            <a:schemeClr val="tx1"/>
+          </a:fontRef>
+        </p:style>
+      </p:cxnSp>
+      <p:cxnSp>
+        <p:nvCxnSpPr>
+          <p:cNvPr id="65" name="Straight Arrow Connector 64">
+            <a:extLst>
+              <a:ext uri="{FF2B5EF4-FFF2-40B4-BE49-F238E27FC236}">
+                <a16:creationId xmlns:a16="http://schemas.microsoft.com/office/drawing/2014/main" id="{8DF7127E-D2E5-0F48-BD3F-032FB19989AF}"/>
+              </a:ext>
+            </a:extLst>
+          </p:cNvPr>
+          <p:cNvCxnSpPr>
+            <a:cxnSpLocks/>
+          </p:cNvCxnSpPr>
+          <p:nvPr/>
+        </p:nvCxnSpPr>
+        <p:spPr>
+          <a:xfrm flipV="1">
+            <a:off x="7819290" y="533010"/>
+            <a:ext cx="0" cy="314606"/>
+          </a:xfrm>
+          <a:prstGeom prst="straightConnector1">
+            <a:avLst/>
+          </a:prstGeom>
+          <a:ln>
+            <a:tailEnd type="triangle"/>
+          </a:ln>
+        </p:spPr>
+        <p:style>
+          <a:lnRef idx="1">
+            <a:schemeClr val="accent1"/>
+          </a:lnRef>
+          <a:fillRef idx="0">
+            <a:schemeClr val="accent1"/>
+          </a:fillRef>
+          <a:effectRef idx="0">
+            <a:schemeClr val="accent1"/>
+          </a:effectRef>
+          <a:fontRef idx="minor">
+            <a:schemeClr val="tx1"/>
+          </a:fontRef>
+        </p:style>
+      </p:cxnSp>
+      <p:cxnSp>
+        <p:nvCxnSpPr>
+          <p:cNvPr id="66" name="Straight Arrow Connector 65">
+            <a:extLst>
+              <a:ext uri="{FF2B5EF4-FFF2-40B4-BE49-F238E27FC236}">
+                <a16:creationId xmlns:a16="http://schemas.microsoft.com/office/drawing/2014/main" id="{5F9C4A0E-B975-394E-B88E-BDD897DF6178}"/>
+              </a:ext>
+            </a:extLst>
+          </p:cNvPr>
+          <p:cNvCxnSpPr>
+            <a:cxnSpLocks/>
+          </p:cNvCxnSpPr>
+          <p:nvPr/>
+        </p:nvCxnSpPr>
+        <p:spPr>
+          <a:xfrm flipV="1">
+            <a:off x="8629418" y="528107"/>
+            <a:ext cx="0" cy="314606"/>
+          </a:xfrm>
+          <a:prstGeom prst="straightConnector1">
+            <a:avLst/>
+          </a:prstGeom>
+          <a:ln>
+            <a:tailEnd type="triangle"/>
+          </a:ln>
+        </p:spPr>
+        <p:style>
+          <a:lnRef idx="1">
+            <a:schemeClr val="accent1"/>
+          </a:lnRef>
+          <a:fillRef idx="0">
+            <a:schemeClr val="accent1"/>
+          </a:fillRef>
+          <a:effectRef idx="0">
+            <a:schemeClr val="accent1"/>
+          </a:effectRef>
+          <a:fontRef idx="minor">
+            <a:schemeClr val="tx1"/>
+          </a:fontRef>
+        </p:style>
+      </p:cxnSp>
+      <p:cxnSp>
+        <p:nvCxnSpPr>
+          <p:cNvPr id="67" name="Straight Arrow Connector 66">
+            <a:extLst>
+              <a:ext uri="{FF2B5EF4-FFF2-40B4-BE49-F238E27FC236}">
+                <a16:creationId xmlns:a16="http://schemas.microsoft.com/office/drawing/2014/main" id="{36630A25-856C-0340-B3EA-B2D12E266606}"/>
+              </a:ext>
+            </a:extLst>
+          </p:cNvPr>
+          <p:cNvCxnSpPr>
+            <a:cxnSpLocks/>
+          </p:cNvCxnSpPr>
+          <p:nvPr/>
+        </p:nvCxnSpPr>
+        <p:spPr>
+          <a:xfrm flipV="1">
+            <a:off x="8169395" y="998634"/>
+            <a:ext cx="0" cy="314606"/>
+          </a:xfrm>
+          <a:prstGeom prst="straightConnector1">
+            <a:avLst/>
+          </a:prstGeom>
+          <a:ln>
+            <a:tailEnd type="triangle"/>
+          </a:ln>
+        </p:spPr>
+        <p:style>
+          <a:lnRef idx="1">
+            <a:schemeClr val="accent1"/>
+          </a:lnRef>
+          <a:fillRef idx="0">
+            <a:schemeClr val="accent1"/>
+          </a:fillRef>
+          <a:effectRef idx="0">
+            <a:schemeClr val="accent1"/>
+          </a:effectRef>
+          <a:fontRef idx="minor">
+            <a:schemeClr val="tx1"/>
+          </a:fontRef>
+        </p:style>
+      </p:cxnSp>
+      <p:sp>
+        <p:nvSpPr>
+          <p:cNvPr id="69" name="TextBox 68">
+            <a:extLst>
+              <a:ext uri="{FF2B5EF4-FFF2-40B4-BE49-F238E27FC236}">
+                <a16:creationId xmlns:a16="http://schemas.microsoft.com/office/drawing/2014/main" id="{9C119B9E-0F7F-6044-8EE4-18938487D431}"/>
+              </a:ext>
+            </a:extLst>
+          </p:cNvPr>
+          <p:cNvSpPr txBox="1"/>
+          <p:nvPr/>
+        </p:nvSpPr>
+        <p:spPr>
+          <a:xfrm>
+            <a:off x="8498982" y="295078"/>
+            <a:ext cx="1109984" cy="307777"/>
+          </a:xfrm>
+          <a:prstGeom prst="rect">
+            <a:avLst/>
+          </a:prstGeom>
+          <a:noFill/>
+        </p:spPr>
+        <p:txBody>
+          <a:bodyPr wrap="none" rtlCol="0">
+            <a:spAutoFit/>
+          </a:bodyPr>
+          <a:lstStyle/>
+          <a:p>
+            <a:r>
+              <a:rPr lang="en-US" sz="1400" dirty="0"/>
+              <a:t>To next layer</a:t>
+            </a:r>
+          </a:p>
+        </p:txBody>
+      </p:sp>
+      <p:sp>
+        <p:nvSpPr>
+          <p:cNvPr id="28" name="Right Arrow 27">
+            <a:extLst>
+              <a:ext uri="{FF2B5EF4-FFF2-40B4-BE49-F238E27FC236}">
+                <a16:creationId xmlns:a16="http://schemas.microsoft.com/office/drawing/2014/main" id="{B6AC0615-EE6E-DC46-BC0E-78AA121096BA}"/>
+              </a:ext>
+            </a:extLst>
+          </p:cNvPr>
+          <p:cNvSpPr/>
+          <p:nvPr/>
+        </p:nvSpPr>
+        <p:spPr>
+          <a:xfrm>
+            <a:off x="1511743" y="4583485"/>
+            <a:ext cx="1324156" cy="1687842"/>
+          </a:xfrm>
+          <a:prstGeom prst="rightArrow">
+            <a:avLst/>
+          </a:prstGeom>
+          <a:solidFill>
+            <a:schemeClr val="accent1">
+              <a:lumMod val="20000"/>
+              <a:lumOff val="80000"/>
+            </a:schemeClr>
+          </a:solidFill>
+          <a:ln w="9525">
+            <a:noFill/>
+          </a:ln>
+        </p:spPr>
+        <p:style>
+          <a:lnRef idx="2">
+            <a:schemeClr val="accent1">
+              <a:shade val="50000"/>
+            </a:schemeClr>
+          </a:lnRef>
+          <a:fillRef idx="1">
+            <a:schemeClr val="accent1"/>
+          </a:fillRef>
+          <a:effectRef idx="0">
+            <a:schemeClr val="accent1"/>
+          </a:effectRef>
+          <a:fontRef idx="minor">
+            <a:schemeClr val="lt1"/>
+          </a:fontRef>
+        </p:style>
+        <p:txBody>
+          <a:bodyPr rtlCol="0" anchor="ctr"/>
+          <a:lstStyle/>
+          <a:p>
+            <a:pPr algn="r"/>
+            <a:r>
+              <a:rPr lang="en-US" sz="1400" dirty="0">
+                <a:solidFill>
+                  <a:schemeClr val="tx1"/>
+                </a:solidFill>
+              </a:rPr>
+              <a:t>History = 2</a:t>
+            </a:r>
+          </a:p>
+          <a:p>
+            <a:pPr algn="r"/>
+            <a:r>
+              <a:rPr lang="en-US" sz="1400" dirty="0">
+                <a:solidFill>
+                  <a:schemeClr val="tx1"/>
+                </a:solidFill>
+              </a:rPr>
+              <a:t>Bath = 3 </a:t>
+            </a:r>
+          </a:p>
+        </p:txBody>
+      </p:sp>
+      <p:sp>
+        <p:nvSpPr>
+          <p:cNvPr id="29" name="Double Bracket 28">
+            <a:extLst>
+              <a:ext uri="{FF2B5EF4-FFF2-40B4-BE49-F238E27FC236}">
+                <a16:creationId xmlns:a16="http://schemas.microsoft.com/office/drawing/2014/main" id="{7A398DB7-605D-3647-A5E9-E4BDBCB4396D}"/>
+              </a:ext>
+            </a:extLst>
+          </p:cNvPr>
+          <p:cNvSpPr/>
+          <p:nvPr/>
+        </p:nvSpPr>
+        <p:spPr>
+          <a:xfrm>
+            <a:off x="486705" y="4192652"/>
+            <a:ext cx="1146957" cy="2078675"/>
+          </a:xfrm>
+          <a:prstGeom prst="bracketPair">
+            <a:avLst/>
+          </a:prstGeom>
+        </p:spPr>
+        <p:style>
+          <a:lnRef idx="1">
+            <a:schemeClr val="accent1"/>
+          </a:lnRef>
+          <a:fillRef idx="0">
+            <a:schemeClr val="accent1"/>
+          </a:fillRef>
+          <a:effectRef idx="0">
+            <a:schemeClr val="accent1"/>
+          </a:effectRef>
+          <a:fontRef idx="minor">
+            <a:schemeClr val="tx1"/>
+          </a:fontRef>
+        </p:style>
+        <p:txBody>
+          <a:bodyPr rtlCol="0" anchor="t"/>
+          <a:lstStyle/>
+          <a:p>
+            <a:r>
+              <a:rPr lang="en-US" sz="1400" b="1" dirty="0">
+                <a:latin typeface="Courier" pitchFamily="2" charset="0"/>
+              </a:rPr>
+              <a:t>X1  X2 </a:t>
+            </a:r>
+          </a:p>
+          <a:p>
+            <a:pPr marL="342900" indent="-342900">
+              <a:buAutoNum type="arabicPlain"/>
+            </a:pPr>
+            <a:r>
+              <a:rPr lang="en-US" sz="1400" dirty="0">
+                <a:latin typeface="Courier" pitchFamily="2" charset="0"/>
+              </a:rPr>
+              <a:t>10</a:t>
+            </a:r>
+          </a:p>
+          <a:p>
+            <a:pPr marL="342900" indent="-342900">
+              <a:buAutoNum type="arabicPlain"/>
+            </a:pPr>
+            <a:r>
+              <a:rPr lang="en-US" sz="1400" dirty="0">
+                <a:latin typeface="Courier" pitchFamily="2" charset="0"/>
+              </a:rPr>
+              <a:t>20</a:t>
+            </a:r>
+          </a:p>
+          <a:p>
+            <a:pPr marL="342900" indent="-342900">
+              <a:buAutoNum type="arabicPlain"/>
+            </a:pPr>
+            <a:r>
+              <a:rPr lang="en-US" sz="1400" dirty="0">
+                <a:latin typeface="Courier" pitchFamily="2" charset="0"/>
+              </a:rPr>
+              <a:t>30</a:t>
+            </a:r>
+          </a:p>
+          <a:p>
+            <a:pPr marL="342900" indent="-342900">
+              <a:buAutoNum type="arabicPlain"/>
+            </a:pPr>
+            <a:r>
+              <a:rPr lang="en-US" sz="1400" dirty="0">
+                <a:latin typeface="Courier" pitchFamily="2" charset="0"/>
+              </a:rPr>
+              <a:t>…</a:t>
+            </a:r>
+          </a:p>
+          <a:p>
+            <a:pPr marL="342900" indent="-342900">
+              <a:buAutoNum type="arabicPlain"/>
+            </a:pPr>
+            <a:endParaRPr lang="en-US" sz="1400" dirty="0">
+              <a:latin typeface="Courier" pitchFamily="2" charset="0"/>
+            </a:endParaRPr>
+          </a:p>
+          <a:p>
+            <a:pPr marL="342900" indent="-342900">
+              <a:buAutoNum type="arabicPlain" startAt="8"/>
+            </a:pPr>
+            <a:r>
+              <a:rPr lang="en-US" sz="1400" dirty="0">
+                <a:latin typeface="Courier" pitchFamily="2" charset="0"/>
+              </a:rPr>
+              <a:t>80</a:t>
+            </a:r>
+          </a:p>
+          <a:p>
+            <a:pPr marL="342900" indent="-342900">
+              <a:buAutoNum type="arabicPlain" startAt="8"/>
+            </a:pPr>
+            <a:r>
+              <a:rPr lang="en-US" sz="1400" dirty="0">
+                <a:latin typeface="Courier" pitchFamily="2" charset="0"/>
+              </a:rPr>
+              <a:t>90</a:t>
+            </a:r>
+          </a:p>
+          <a:p>
+            <a:pPr marL="342900" indent="-342900">
+              <a:buAutoNum type="arabicPlain" startAt="8"/>
+            </a:pPr>
+            <a:endParaRPr lang="en-US" sz="1400" dirty="0">
+              <a:latin typeface="Courier" pitchFamily="2" charset="0"/>
+            </a:endParaRPr>
+          </a:p>
+        </p:txBody>
+      </p:sp>
+      <p:sp>
+        <p:nvSpPr>
+          <p:cNvPr id="30" name="Double Bracket 29">
+            <a:extLst>
+              <a:ext uri="{FF2B5EF4-FFF2-40B4-BE49-F238E27FC236}">
+                <a16:creationId xmlns:a16="http://schemas.microsoft.com/office/drawing/2014/main" id="{51F5649C-D66E-C946-AF45-38E14FBD4D02}"/>
+              </a:ext>
+            </a:extLst>
+          </p:cNvPr>
+          <p:cNvSpPr/>
+          <p:nvPr/>
+        </p:nvSpPr>
+        <p:spPr>
+          <a:xfrm>
+            <a:off x="2684034" y="4192652"/>
+            <a:ext cx="3153735" cy="2078675"/>
+          </a:xfrm>
+          <a:prstGeom prst="bracketPair">
+            <a:avLst/>
+          </a:prstGeom>
+        </p:spPr>
+        <p:style>
+          <a:lnRef idx="1">
+            <a:schemeClr val="accent1"/>
+          </a:lnRef>
+          <a:fillRef idx="0">
+            <a:schemeClr val="accent1"/>
+          </a:fillRef>
+          <a:effectRef idx="0">
+            <a:schemeClr val="accent1"/>
+          </a:effectRef>
+          <a:fontRef idx="minor">
+            <a:schemeClr val="tx1"/>
+          </a:fontRef>
+        </p:style>
+        <p:txBody>
+          <a:bodyPr rtlCol="0" anchor="t"/>
+          <a:lstStyle/>
+          <a:p>
+            <a:r>
+              <a:rPr lang="en-US" sz="1400" b="1" dirty="0">
+                <a:latin typeface="Courier" pitchFamily="2" charset="0"/>
+              </a:rPr>
+              <a:t> </a:t>
+            </a:r>
+          </a:p>
+          <a:p>
+            <a:r>
+              <a:rPr lang="en-US" sz="1400" dirty="0">
+                <a:latin typeface="Courier" pitchFamily="2" charset="0"/>
+              </a:rPr>
+              <a:t>[[1, 10] [2, 20],    [3</a:t>
+            </a:r>
+          </a:p>
+          <a:p>
+            <a:r>
+              <a:rPr lang="en-US" sz="1400" dirty="0">
+                <a:latin typeface="Courier" pitchFamily="2" charset="0"/>
+              </a:rPr>
+              <a:t> [2, 20] [3, 30],     4</a:t>
+            </a:r>
+          </a:p>
+          <a:p>
+            <a:r>
+              <a:rPr lang="en-US" sz="1400" dirty="0">
+                <a:latin typeface="Courier" pitchFamily="2" charset="0"/>
+              </a:rPr>
+              <a:t> [3, 30] [4, 40]]     5]</a:t>
+            </a:r>
+          </a:p>
+          <a:p>
+            <a:endParaRPr lang="en-US" sz="1400" dirty="0">
+              <a:latin typeface="Courier" pitchFamily="2" charset="0"/>
+            </a:endParaRPr>
+          </a:p>
+          <a:p>
+            <a:r>
+              <a:rPr lang="en-US" sz="1400" dirty="0">
+                <a:latin typeface="Courier" pitchFamily="2" charset="0"/>
+              </a:rPr>
+              <a:t>…</a:t>
+            </a:r>
+          </a:p>
+          <a:p>
+            <a:endParaRPr lang="en-US" sz="1400" dirty="0">
+              <a:latin typeface="Courier" pitchFamily="2" charset="0"/>
+            </a:endParaRPr>
+          </a:p>
+          <a:p>
+            <a:endParaRPr lang="en-US" sz="1400" dirty="0">
+              <a:latin typeface="Courier" pitchFamily="2" charset="0"/>
+            </a:endParaRPr>
+          </a:p>
+        </p:txBody>
+      </p:sp>
+      <p:sp>
+        <p:nvSpPr>
+          <p:cNvPr id="31" name="Cube 30">
+            <a:extLst>
+              <a:ext uri="{FF2B5EF4-FFF2-40B4-BE49-F238E27FC236}">
+                <a16:creationId xmlns:a16="http://schemas.microsoft.com/office/drawing/2014/main" id="{3FE06DFA-B198-B940-B419-041C2311B814}"/>
+              </a:ext>
+            </a:extLst>
+          </p:cNvPr>
+          <p:cNvSpPr/>
+          <p:nvPr/>
+        </p:nvSpPr>
+        <p:spPr>
+          <a:xfrm>
+            <a:off x="7326918" y="3895551"/>
+            <a:ext cx="492372" cy="422032"/>
+          </a:xfrm>
+          <a:prstGeom prst="cube">
+            <a:avLst>
+              <a:gd name="adj" fmla="val 44465"/>
+            </a:avLst>
+          </a:prstGeom>
+          <a:solidFill>
+            <a:schemeClr val="accent1">
+              <a:lumMod val="60000"/>
+              <a:lumOff val="40000"/>
+            </a:schemeClr>
+          </a:solidFill>
+        </p:spPr>
+        <p:style>
+          <a:lnRef idx="2">
+            <a:schemeClr val="accent1">
+              <a:shade val="50000"/>
+            </a:schemeClr>
+          </a:lnRef>
+          <a:fillRef idx="1">
+            <a:schemeClr val="accent1"/>
+          </a:fillRef>
+          <a:effectRef idx="0">
+            <a:schemeClr val="accent1"/>
+          </a:effectRef>
+          <a:fontRef idx="minor">
+            <a:schemeClr val="lt1"/>
+          </a:fontRef>
+        </p:style>
+        <p:txBody>
+          <a:bodyPr lIns="0" tIns="0" rIns="0" bIns="0" rtlCol="0" anchor="ctr"/>
+          <a:lstStyle/>
+          <a:p>
+            <a:pPr algn="ctr"/>
+            <a:r>
+              <a:rPr lang="en-US" sz="1400" dirty="0"/>
+              <a:t>10</a:t>
+            </a:r>
+          </a:p>
+        </p:txBody>
+      </p:sp>
+      <p:sp>
+        <p:nvSpPr>
+          <p:cNvPr id="32" name="Cube 31">
+            <a:extLst>
+              <a:ext uri="{FF2B5EF4-FFF2-40B4-BE49-F238E27FC236}">
+                <a16:creationId xmlns:a16="http://schemas.microsoft.com/office/drawing/2014/main" id="{4D08566A-680C-EA44-9FE9-A926B4A965A8}"/>
+              </a:ext>
+            </a:extLst>
+          </p:cNvPr>
+          <p:cNvSpPr/>
+          <p:nvPr/>
+        </p:nvSpPr>
+        <p:spPr>
+          <a:xfrm>
+            <a:off x="6990122" y="4317583"/>
+            <a:ext cx="492372" cy="422032"/>
+          </a:xfrm>
+          <a:prstGeom prst="cube">
+            <a:avLst>
+              <a:gd name="adj" fmla="val 44465"/>
+            </a:avLst>
+          </a:prstGeom>
+          <a:solidFill>
+            <a:schemeClr val="accent1">
+              <a:lumMod val="60000"/>
+              <a:lumOff val="40000"/>
+            </a:schemeClr>
+          </a:solidFill>
+        </p:spPr>
+        <p:style>
+          <a:lnRef idx="2">
+            <a:schemeClr val="accent1">
+              <a:shade val="50000"/>
+            </a:schemeClr>
+          </a:lnRef>
+          <a:fillRef idx="1">
+            <a:schemeClr val="accent1"/>
+          </a:fillRef>
+          <a:effectRef idx="0">
+            <a:schemeClr val="accent1"/>
+          </a:effectRef>
+          <a:fontRef idx="minor">
+            <a:schemeClr val="lt1"/>
+          </a:fontRef>
+        </p:style>
+        <p:txBody>
+          <a:bodyPr lIns="0" tIns="0" rIns="0" bIns="0" rtlCol="0" anchor="ctr"/>
+          <a:lstStyle/>
+          <a:p>
+            <a:pPr algn="ctr"/>
+            <a:r>
+              <a:rPr lang="en-US" sz="1400" dirty="0"/>
+              <a:t>1</a:t>
+            </a:r>
+          </a:p>
+        </p:txBody>
+      </p:sp>
+      <p:sp>
+        <p:nvSpPr>
+          <p:cNvPr id="33" name="Cube 32">
+            <a:extLst>
+              <a:ext uri="{FF2B5EF4-FFF2-40B4-BE49-F238E27FC236}">
+                <a16:creationId xmlns:a16="http://schemas.microsoft.com/office/drawing/2014/main" id="{5733DAD6-B34C-C64D-ACD3-45B8F72893AB}"/>
+              </a:ext>
+            </a:extLst>
+          </p:cNvPr>
+          <p:cNvSpPr/>
+          <p:nvPr/>
+        </p:nvSpPr>
+        <p:spPr>
+          <a:xfrm>
+            <a:off x="8112370" y="3895551"/>
+            <a:ext cx="492372" cy="422032"/>
+          </a:xfrm>
+          <a:prstGeom prst="cube">
+            <a:avLst>
+              <a:gd name="adj" fmla="val 44465"/>
+            </a:avLst>
+          </a:prstGeom>
+          <a:solidFill>
+            <a:schemeClr val="accent1">
+              <a:lumMod val="60000"/>
+              <a:lumOff val="40000"/>
+            </a:schemeClr>
+          </a:solidFill>
+        </p:spPr>
+        <p:style>
+          <a:lnRef idx="2">
+            <a:schemeClr val="accent1">
+              <a:shade val="50000"/>
+            </a:schemeClr>
+          </a:lnRef>
+          <a:fillRef idx="1">
+            <a:schemeClr val="accent1"/>
+          </a:fillRef>
+          <a:effectRef idx="0">
+            <a:schemeClr val="accent1"/>
+          </a:effectRef>
+          <a:fontRef idx="minor">
+            <a:schemeClr val="lt1"/>
+          </a:fontRef>
+        </p:style>
+        <p:txBody>
+          <a:bodyPr lIns="0" tIns="0" rIns="0" bIns="0" rtlCol="0" anchor="ctr"/>
+          <a:lstStyle/>
+          <a:p>
+            <a:pPr algn="ctr"/>
+            <a:r>
+              <a:rPr lang="en-US" sz="1400" dirty="0"/>
+              <a:t>20</a:t>
+            </a:r>
+          </a:p>
+        </p:txBody>
+      </p:sp>
+      <p:sp>
+        <p:nvSpPr>
+          <p:cNvPr id="34" name="Cube 33">
+            <a:extLst>
+              <a:ext uri="{FF2B5EF4-FFF2-40B4-BE49-F238E27FC236}">
+                <a16:creationId xmlns:a16="http://schemas.microsoft.com/office/drawing/2014/main" id="{A1F11187-0365-C542-8D9E-5F5F24730616}"/>
+              </a:ext>
+            </a:extLst>
+          </p:cNvPr>
+          <p:cNvSpPr/>
+          <p:nvPr/>
+        </p:nvSpPr>
+        <p:spPr>
+          <a:xfrm>
+            <a:off x="7775574" y="4317583"/>
+            <a:ext cx="492372" cy="422032"/>
+          </a:xfrm>
+          <a:prstGeom prst="cube">
+            <a:avLst>
+              <a:gd name="adj" fmla="val 44465"/>
+            </a:avLst>
+          </a:prstGeom>
+          <a:solidFill>
+            <a:schemeClr val="accent1">
+              <a:lumMod val="60000"/>
+              <a:lumOff val="40000"/>
+            </a:schemeClr>
+          </a:solidFill>
+        </p:spPr>
+        <p:style>
+          <a:lnRef idx="2">
+            <a:schemeClr val="accent1">
+              <a:shade val="50000"/>
+            </a:schemeClr>
+          </a:lnRef>
+          <a:fillRef idx="1">
+            <a:schemeClr val="accent1"/>
+          </a:fillRef>
+          <a:effectRef idx="0">
+            <a:schemeClr val="accent1"/>
+          </a:effectRef>
+          <a:fontRef idx="minor">
+            <a:schemeClr val="lt1"/>
+          </a:fontRef>
+        </p:style>
+        <p:txBody>
+          <a:bodyPr lIns="0" tIns="0" rIns="0" bIns="0" rtlCol="0" anchor="ctr"/>
+          <a:lstStyle/>
+          <a:p>
+            <a:pPr algn="ctr"/>
+            <a:r>
+              <a:rPr lang="en-US" sz="1400" dirty="0"/>
+              <a:t>2</a:t>
+            </a:r>
+          </a:p>
+        </p:txBody>
+      </p:sp>
+      <p:sp>
+        <p:nvSpPr>
+          <p:cNvPr id="35" name="Up Arrow 34">
+            <a:extLst>
+              <a:ext uri="{FF2B5EF4-FFF2-40B4-BE49-F238E27FC236}">
+                <a16:creationId xmlns:a16="http://schemas.microsoft.com/office/drawing/2014/main" id="{0D09BCA5-D5FB-434E-B23E-582E07A16E17}"/>
+              </a:ext>
+            </a:extLst>
+          </p:cNvPr>
+          <p:cNvSpPr/>
+          <p:nvPr/>
+        </p:nvSpPr>
+        <p:spPr>
+          <a:xfrm>
+            <a:off x="7051908" y="4870468"/>
+            <a:ext cx="184400" cy="361522"/>
+          </a:xfrm>
+          <a:prstGeom prst="upArrow">
+            <a:avLst/>
+          </a:prstGeom>
+        </p:spPr>
+        <p:style>
+          <a:lnRef idx="2">
+            <a:schemeClr val="accent1">
+              <a:shade val="50000"/>
+            </a:schemeClr>
+          </a:lnRef>
+          <a:fillRef idx="1">
+            <a:schemeClr val="accent1"/>
+          </a:fillRef>
+          <a:effectRef idx="0">
+            <a:schemeClr val="accent1"/>
+          </a:effectRef>
+          <a:fontRef idx="minor">
+            <a:schemeClr val="lt1"/>
+          </a:fontRef>
+        </p:style>
+        <p:txBody>
+          <a:bodyPr rtlCol="0" anchor="ctr"/>
+          <a:lstStyle/>
+          <a:p>
+            <a:pPr algn="ctr"/>
+            <a:endParaRPr lang="en-US"/>
+          </a:p>
+        </p:txBody>
+      </p:sp>
+      <p:sp>
+        <p:nvSpPr>
+          <p:cNvPr id="36" name="Up Arrow 35">
+            <a:extLst>
+              <a:ext uri="{FF2B5EF4-FFF2-40B4-BE49-F238E27FC236}">
+                <a16:creationId xmlns:a16="http://schemas.microsoft.com/office/drawing/2014/main" id="{E842E45F-4D34-2B4D-9FFD-F3BE362A4387}"/>
+              </a:ext>
+            </a:extLst>
+          </p:cNvPr>
+          <p:cNvSpPr/>
+          <p:nvPr/>
+        </p:nvSpPr>
+        <p:spPr>
+          <a:xfrm>
+            <a:off x="7831009" y="4870468"/>
+            <a:ext cx="184400" cy="361522"/>
+          </a:xfrm>
+          <a:prstGeom prst="upArrow">
+            <a:avLst/>
+          </a:prstGeom>
+        </p:spPr>
+        <p:style>
+          <a:lnRef idx="2">
+            <a:schemeClr val="accent1">
+              <a:shade val="50000"/>
+            </a:schemeClr>
+          </a:lnRef>
+          <a:fillRef idx="1">
+            <a:schemeClr val="accent1"/>
+          </a:fillRef>
+          <a:effectRef idx="0">
+            <a:schemeClr val="accent1"/>
+          </a:effectRef>
+          <a:fontRef idx="minor">
+            <a:schemeClr val="lt1"/>
+          </a:fontRef>
+        </p:style>
+        <p:txBody>
+          <a:bodyPr rtlCol="0" anchor="ctr"/>
+          <a:lstStyle/>
+          <a:p>
+            <a:pPr algn="ctr"/>
+            <a:endParaRPr lang="en-US"/>
+          </a:p>
+        </p:txBody>
+      </p:sp>
+      <p:sp>
+        <p:nvSpPr>
+          <p:cNvPr id="38" name="Double Bracket 37">
+            <a:extLst>
+              <a:ext uri="{FF2B5EF4-FFF2-40B4-BE49-F238E27FC236}">
+                <a16:creationId xmlns:a16="http://schemas.microsoft.com/office/drawing/2014/main" id="{DDCE6CD3-C3D9-5445-9985-534336F1D9C2}"/>
+              </a:ext>
+            </a:extLst>
+          </p:cNvPr>
+          <p:cNvSpPr/>
+          <p:nvPr/>
+        </p:nvSpPr>
+        <p:spPr>
+          <a:xfrm>
+            <a:off x="6628772" y="5362843"/>
+            <a:ext cx="761522" cy="810771"/>
+          </a:xfrm>
+          <a:prstGeom prst="bracketPair">
+            <a:avLst/>
+          </a:prstGeom>
+        </p:spPr>
+        <p:style>
+          <a:lnRef idx="1">
+            <a:schemeClr val="accent1"/>
+          </a:lnRef>
+          <a:fillRef idx="0">
+            <a:schemeClr val="accent1"/>
+          </a:fillRef>
+          <a:effectRef idx="0">
+            <a:schemeClr val="accent1"/>
+          </a:effectRef>
+          <a:fontRef idx="minor">
+            <a:schemeClr val="tx1"/>
+          </a:fontRef>
+        </p:style>
+        <p:txBody>
+          <a:bodyPr rtlCol="0" anchor="ctr"/>
+          <a:lstStyle/>
+          <a:p>
+            <a:pPr algn="ctr"/>
+            <a:r>
+              <a:rPr lang="en-US" sz="1200" dirty="0"/>
+              <a:t>t1</a:t>
+            </a:r>
+          </a:p>
+          <a:p>
+            <a:pPr algn="ctr"/>
+            <a:endParaRPr lang="en-US" sz="1200" dirty="0"/>
+          </a:p>
+          <a:p>
+            <a:pPr algn="ctr"/>
+            <a:r>
+              <a:rPr lang="en-US" sz="1200" dirty="0"/>
+              <a:t>[1, 10]</a:t>
+            </a:r>
+          </a:p>
+          <a:p>
+            <a:pPr algn="ctr"/>
+            <a:r>
+              <a:rPr lang="en-US" sz="1200" dirty="0"/>
+              <a:t>[2,20]</a:t>
+            </a:r>
+          </a:p>
+          <a:p>
+            <a:pPr algn="ctr"/>
+            <a:r>
+              <a:rPr lang="en-US" sz="1200" dirty="0"/>
+              <a:t>[3,30]</a:t>
+            </a:r>
+          </a:p>
+          <a:p>
+            <a:pPr algn="ctr"/>
+            <a:endParaRPr lang="en-US" sz="1200" dirty="0"/>
+          </a:p>
+        </p:txBody>
+      </p:sp>
+      <p:cxnSp>
+        <p:nvCxnSpPr>
+          <p:cNvPr id="46" name="Straight Arrow Connector 45">
+            <a:extLst>
+              <a:ext uri="{FF2B5EF4-FFF2-40B4-BE49-F238E27FC236}">
+                <a16:creationId xmlns:a16="http://schemas.microsoft.com/office/drawing/2014/main" id="{4D327F29-C4FF-5445-AF52-D2DD9F012B71}"/>
+              </a:ext>
+            </a:extLst>
+          </p:cNvPr>
+          <p:cNvCxnSpPr>
+            <a:cxnSpLocks/>
+          </p:cNvCxnSpPr>
+          <p:nvPr/>
+        </p:nvCxnSpPr>
+        <p:spPr>
+          <a:xfrm flipV="1">
+            <a:off x="6628772" y="3797192"/>
+            <a:ext cx="834337" cy="1073275"/>
+          </a:xfrm>
+          <a:prstGeom prst="straightConnector1">
+            <a:avLst/>
+          </a:prstGeom>
+          <a:ln>
+            <a:tailEnd type="triangle"/>
+          </a:ln>
+        </p:spPr>
+        <p:style>
+          <a:lnRef idx="1">
+            <a:schemeClr val="accent1"/>
+          </a:lnRef>
+          <a:fillRef idx="0">
+            <a:schemeClr val="accent1"/>
+          </a:fillRef>
+          <a:effectRef idx="0">
+            <a:schemeClr val="accent1"/>
+          </a:effectRef>
+          <a:fontRef idx="minor">
+            <a:schemeClr val="tx1"/>
+          </a:fontRef>
+        </p:style>
+      </p:cxnSp>
+      <p:sp>
+        <p:nvSpPr>
+          <p:cNvPr id="47" name="TextBox 46">
+            <a:extLst>
+              <a:ext uri="{FF2B5EF4-FFF2-40B4-BE49-F238E27FC236}">
+                <a16:creationId xmlns:a16="http://schemas.microsoft.com/office/drawing/2014/main" id="{82D5FA13-9F13-A049-8BBD-AA879DFCC7E0}"/>
+              </a:ext>
+            </a:extLst>
+          </p:cNvPr>
+          <p:cNvSpPr txBox="1"/>
+          <p:nvPr/>
+        </p:nvSpPr>
+        <p:spPr>
+          <a:xfrm rot="18371168">
+            <a:off x="6313425" y="4109504"/>
+            <a:ext cx="1087078" cy="369332"/>
+          </a:xfrm>
+          <a:prstGeom prst="rect">
+            <a:avLst/>
+          </a:prstGeom>
+          <a:noFill/>
+        </p:spPr>
+        <p:txBody>
+          <a:bodyPr wrap="square" rtlCol="0">
+            <a:spAutoFit/>
+          </a:bodyPr>
+          <a:lstStyle/>
+          <a:p>
+            <a:r>
+              <a:rPr lang="en-US" dirty="0"/>
+              <a:t>Features</a:t>
+            </a:r>
+          </a:p>
+        </p:txBody>
+      </p:sp>
+      <p:cxnSp>
+        <p:nvCxnSpPr>
+          <p:cNvPr id="48" name="Straight Arrow Connector 47">
+            <a:extLst>
+              <a:ext uri="{FF2B5EF4-FFF2-40B4-BE49-F238E27FC236}">
+                <a16:creationId xmlns:a16="http://schemas.microsoft.com/office/drawing/2014/main" id="{85D5D512-0143-1048-8349-9D8E17C76C42}"/>
+              </a:ext>
+            </a:extLst>
+          </p:cNvPr>
+          <p:cNvCxnSpPr>
+            <a:cxnSpLocks/>
+          </p:cNvCxnSpPr>
+          <p:nvPr/>
+        </p:nvCxnSpPr>
+        <p:spPr>
+          <a:xfrm>
+            <a:off x="6628772" y="4870468"/>
+            <a:ext cx="2043928" cy="0"/>
+          </a:xfrm>
+          <a:prstGeom prst="straightConnector1">
+            <a:avLst/>
+          </a:prstGeom>
+          <a:ln>
+            <a:tailEnd type="triangle"/>
+          </a:ln>
+        </p:spPr>
+        <p:style>
+          <a:lnRef idx="1">
+            <a:schemeClr val="accent1"/>
+          </a:lnRef>
+          <a:fillRef idx="0">
+            <a:schemeClr val="accent1"/>
+          </a:fillRef>
+          <a:effectRef idx="0">
+            <a:schemeClr val="accent1"/>
+          </a:effectRef>
+          <a:fontRef idx="minor">
+            <a:schemeClr val="tx1"/>
+          </a:fontRef>
+        </p:style>
+      </p:cxnSp>
+      <p:sp>
+        <p:nvSpPr>
+          <p:cNvPr id="51" name="TextBox 50">
+            <a:extLst>
+              <a:ext uri="{FF2B5EF4-FFF2-40B4-BE49-F238E27FC236}">
+                <a16:creationId xmlns:a16="http://schemas.microsoft.com/office/drawing/2014/main" id="{5AA290A2-1249-2747-9A25-2D027FFF4EA9}"/>
+              </a:ext>
+            </a:extLst>
+          </p:cNvPr>
+          <p:cNvSpPr txBox="1"/>
+          <p:nvPr/>
+        </p:nvSpPr>
+        <p:spPr>
+          <a:xfrm>
+            <a:off x="8601460" y="4764944"/>
+            <a:ext cx="1076833" cy="338554"/>
+          </a:xfrm>
+          <a:prstGeom prst="rect">
+            <a:avLst/>
+          </a:prstGeom>
+          <a:noFill/>
+        </p:spPr>
+        <p:txBody>
+          <a:bodyPr wrap="none" rtlCol="0">
+            <a:spAutoFit/>
+          </a:bodyPr>
+          <a:lstStyle/>
+          <a:p>
+            <a:r>
+              <a:rPr lang="en-US" sz="1600" dirty="0"/>
+              <a:t>Time steps</a:t>
+            </a:r>
+          </a:p>
+        </p:txBody>
+      </p:sp>
+      <p:cxnSp>
+        <p:nvCxnSpPr>
+          <p:cNvPr id="52" name="Straight Arrow Connector 51">
+            <a:extLst>
+              <a:ext uri="{FF2B5EF4-FFF2-40B4-BE49-F238E27FC236}">
+                <a16:creationId xmlns:a16="http://schemas.microsoft.com/office/drawing/2014/main" id="{EECE5B28-5741-CA4F-B91F-D19C37EC4C35}"/>
+              </a:ext>
+            </a:extLst>
+          </p:cNvPr>
+          <p:cNvCxnSpPr>
+            <a:cxnSpLocks/>
+          </p:cNvCxnSpPr>
+          <p:nvPr/>
+        </p:nvCxnSpPr>
+        <p:spPr>
+          <a:xfrm flipV="1">
+            <a:off x="8334446" y="4434178"/>
+            <a:ext cx="0" cy="305437"/>
+          </a:xfrm>
+          <a:prstGeom prst="straightConnector1">
+            <a:avLst/>
+          </a:prstGeom>
+          <a:ln>
+            <a:tailEnd type="triangle"/>
+          </a:ln>
+        </p:spPr>
+        <p:style>
+          <a:lnRef idx="1">
+            <a:schemeClr val="accent1"/>
+          </a:lnRef>
+          <a:fillRef idx="0">
+            <a:schemeClr val="accent1"/>
+          </a:fillRef>
+          <a:effectRef idx="0">
+            <a:schemeClr val="accent1"/>
+          </a:effectRef>
+          <a:fontRef idx="minor">
+            <a:schemeClr val="tx1"/>
+          </a:fontRef>
+        </p:style>
+      </p:cxnSp>
+      <p:sp>
+        <p:nvSpPr>
+          <p:cNvPr id="53" name="TextBox 52">
+            <a:extLst>
+              <a:ext uri="{FF2B5EF4-FFF2-40B4-BE49-F238E27FC236}">
+                <a16:creationId xmlns:a16="http://schemas.microsoft.com/office/drawing/2014/main" id="{8262F239-1F1A-6D48-96A1-222327E0807F}"/>
+              </a:ext>
+            </a:extLst>
+          </p:cNvPr>
+          <p:cNvSpPr txBox="1"/>
+          <p:nvPr/>
+        </p:nvSpPr>
+        <p:spPr>
+          <a:xfrm>
+            <a:off x="8403508" y="4448436"/>
+            <a:ext cx="1022011" cy="338554"/>
+          </a:xfrm>
+          <a:prstGeom prst="rect">
+            <a:avLst/>
+          </a:prstGeom>
+          <a:noFill/>
+        </p:spPr>
+        <p:txBody>
+          <a:bodyPr wrap="none" rtlCol="0">
+            <a:spAutoFit/>
+          </a:bodyPr>
+          <a:lstStyle/>
+          <a:p>
+            <a:r>
+              <a:rPr lang="en-US" sz="1600" dirty="0"/>
+              <a:t>Batch-size</a:t>
+            </a:r>
+          </a:p>
+        </p:txBody>
+      </p:sp>
+      <p:cxnSp>
+        <p:nvCxnSpPr>
+          <p:cNvPr id="54" name="Straight Arrow Connector 53">
+            <a:extLst>
+              <a:ext uri="{FF2B5EF4-FFF2-40B4-BE49-F238E27FC236}">
+                <a16:creationId xmlns:a16="http://schemas.microsoft.com/office/drawing/2014/main" id="{BDDC7F98-25F2-2B48-AC75-69E627CA78D0}"/>
+              </a:ext>
+            </a:extLst>
+          </p:cNvPr>
+          <p:cNvCxnSpPr>
+            <a:cxnSpLocks/>
+          </p:cNvCxnSpPr>
+          <p:nvPr/>
+        </p:nvCxnSpPr>
+        <p:spPr>
+          <a:xfrm flipV="1">
+            <a:off x="7236308" y="4106567"/>
+            <a:ext cx="0" cy="314606"/>
+          </a:xfrm>
+          <a:prstGeom prst="straightConnector1">
+            <a:avLst/>
+          </a:prstGeom>
+          <a:ln>
+            <a:tailEnd type="triangle"/>
+          </a:ln>
+        </p:spPr>
+        <p:style>
+          <a:lnRef idx="1">
+            <a:schemeClr val="accent1"/>
+          </a:lnRef>
+          <a:fillRef idx="0">
+            <a:schemeClr val="accent1"/>
+          </a:fillRef>
+          <a:effectRef idx="0">
+            <a:schemeClr val="accent1"/>
+          </a:effectRef>
+          <a:fontRef idx="minor">
+            <a:schemeClr val="tx1"/>
+          </a:fontRef>
+        </p:style>
+      </p:cxnSp>
+      <p:cxnSp>
+        <p:nvCxnSpPr>
+          <p:cNvPr id="56" name="Straight Arrow Connector 55">
+            <a:extLst>
+              <a:ext uri="{FF2B5EF4-FFF2-40B4-BE49-F238E27FC236}">
+                <a16:creationId xmlns:a16="http://schemas.microsoft.com/office/drawing/2014/main" id="{0B629BFE-15EC-FF4B-AD4A-9A5C4A969C05}"/>
+              </a:ext>
+            </a:extLst>
+          </p:cNvPr>
+          <p:cNvCxnSpPr>
+            <a:cxnSpLocks/>
+          </p:cNvCxnSpPr>
+          <p:nvPr/>
+        </p:nvCxnSpPr>
+        <p:spPr>
+          <a:xfrm flipV="1">
+            <a:off x="7573104" y="3640943"/>
+            <a:ext cx="0" cy="314606"/>
+          </a:xfrm>
+          <a:prstGeom prst="straightConnector1">
+            <a:avLst/>
+          </a:prstGeom>
+          <a:ln>
+            <a:tailEnd type="triangle"/>
+          </a:ln>
+        </p:spPr>
+        <p:style>
+          <a:lnRef idx="1">
+            <a:schemeClr val="accent1"/>
+          </a:lnRef>
+          <a:fillRef idx="0">
+            <a:schemeClr val="accent1"/>
+          </a:fillRef>
+          <a:effectRef idx="0">
+            <a:schemeClr val="accent1"/>
+          </a:effectRef>
+          <a:fontRef idx="minor">
+            <a:schemeClr val="tx1"/>
+          </a:fontRef>
+        </p:style>
+      </p:cxnSp>
+      <p:cxnSp>
+        <p:nvCxnSpPr>
+          <p:cNvPr id="58" name="Straight Arrow Connector 57">
+            <a:extLst>
+              <a:ext uri="{FF2B5EF4-FFF2-40B4-BE49-F238E27FC236}">
+                <a16:creationId xmlns:a16="http://schemas.microsoft.com/office/drawing/2014/main" id="{2A534BA0-AC83-7642-A3FB-63D694639DB5}"/>
+              </a:ext>
+            </a:extLst>
+          </p:cNvPr>
+          <p:cNvCxnSpPr>
+            <a:cxnSpLocks/>
+          </p:cNvCxnSpPr>
+          <p:nvPr/>
+        </p:nvCxnSpPr>
+        <p:spPr>
+          <a:xfrm flipV="1">
+            <a:off x="8383232" y="3636040"/>
+            <a:ext cx="0" cy="314606"/>
+          </a:xfrm>
+          <a:prstGeom prst="straightConnector1">
+            <a:avLst/>
+          </a:prstGeom>
+          <a:ln>
+            <a:tailEnd type="triangle"/>
+          </a:ln>
+        </p:spPr>
+        <p:style>
+          <a:lnRef idx="1">
+            <a:schemeClr val="accent1"/>
+          </a:lnRef>
+          <a:fillRef idx="0">
+            <a:schemeClr val="accent1"/>
+          </a:fillRef>
+          <a:effectRef idx="0">
+            <a:schemeClr val="accent1"/>
+          </a:effectRef>
+          <a:fontRef idx="minor">
+            <a:schemeClr val="tx1"/>
+          </a:fontRef>
+        </p:style>
+      </p:cxnSp>
+      <p:cxnSp>
+        <p:nvCxnSpPr>
+          <p:cNvPr id="59" name="Straight Arrow Connector 58">
+            <a:extLst>
+              <a:ext uri="{FF2B5EF4-FFF2-40B4-BE49-F238E27FC236}">
+                <a16:creationId xmlns:a16="http://schemas.microsoft.com/office/drawing/2014/main" id="{F5C0F2DC-8C57-B842-9196-F6193C051C78}"/>
+              </a:ext>
+            </a:extLst>
+          </p:cNvPr>
+          <p:cNvCxnSpPr>
+            <a:cxnSpLocks/>
+          </p:cNvCxnSpPr>
+          <p:nvPr/>
+        </p:nvCxnSpPr>
+        <p:spPr>
+          <a:xfrm flipV="1">
+            <a:off x="7923209" y="4106567"/>
+            <a:ext cx="0" cy="314606"/>
+          </a:xfrm>
+          <a:prstGeom prst="straightConnector1">
+            <a:avLst/>
+          </a:prstGeom>
+          <a:ln>
+            <a:tailEnd type="triangle"/>
+          </a:ln>
+        </p:spPr>
+        <p:style>
+          <a:lnRef idx="1">
+            <a:schemeClr val="accent1"/>
+          </a:lnRef>
+          <a:fillRef idx="0">
+            <a:schemeClr val="accent1"/>
+          </a:fillRef>
+          <a:effectRef idx="0">
+            <a:schemeClr val="accent1"/>
+          </a:effectRef>
+          <a:fontRef idx="minor">
+            <a:schemeClr val="tx1"/>
+          </a:fontRef>
+        </p:style>
+      </p:cxnSp>
+      <p:sp>
+        <p:nvSpPr>
+          <p:cNvPr id="60" name="TextBox 59">
+            <a:extLst>
+              <a:ext uri="{FF2B5EF4-FFF2-40B4-BE49-F238E27FC236}">
+                <a16:creationId xmlns:a16="http://schemas.microsoft.com/office/drawing/2014/main" id="{198E823C-ADAA-8B43-9902-1195DC205F80}"/>
+              </a:ext>
+            </a:extLst>
+          </p:cNvPr>
+          <p:cNvSpPr txBox="1"/>
+          <p:nvPr/>
+        </p:nvSpPr>
+        <p:spPr>
+          <a:xfrm>
+            <a:off x="8252796" y="3403011"/>
+            <a:ext cx="1109984" cy="307777"/>
+          </a:xfrm>
+          <a:prstGeom prst="rect">
+            <a:avLst/>
+          </a:prstGeom>
+          <a:noFill/>
+        </p:spPr>
+        <p:txBody>
+          <a:bodyPr wrap="none" rtlCol="0">
+            <a:spAutoFit/>
+          </a:bodyPr>
+          <a:lstStyle/>
+          <a:p>
+            <a:r>
+              <a:rPr lang="en-US" sz="1400" dirty="0"/>
+              <a:t>To next layer</a:t>
+            </a:r>
+          </a:p>
+        </p:txBody>
+      </p:sp>
+      <p:sp>
+        <p:nvSpPr>
+          <p:cNvPr id="61" name="Double Bracket 60">
+            <a:extLst>
+              <a:ext uri="{FF2B5EF4-FFF2-40B4-BE49-F238E27FC236}">
+                <a16:creationId xmlns:a16="http://schemas.microsoft.com/office/drawing/2014/main" id="{B961BDED-FE8E-7343-8C7D-5762C7821BA2}"/>
+              </a:ext>
+            </a:extLst>
+          </p:cNvPr>
+          <p:cNvSpPr/>
+          <p:nvPr/>
+        </p:nvSpPr>
+        <p:spPr>
+          <a:xfrm>
+            <a:off x="7613659" y="5379489"/>
+            <a:ext cx="761522" cy="810771"/>
+          </a:xfrm>
+          <a:prstGeom prst="bracketPair">
+            <a:avLst/>
+          </a:prstGeom>
+        </p:spPr>
+        <p:style>
+          <a:lnRef idx="1">
+            <a:schemeClr val="accent1"/>
+          </a:lnRef>
+          <a:fillRef idx="0">
+            <a:schemeClr val="accent1"/>
+          </a:fillRef>
+          <a:effectRef idx="0">
+            <a:schemeClr val="accent1"/>
+          </a:effectRef>
+          <a:fontRef idx="minor">
+            <a:schemeClr val="tx1"/>
+          </a:fontRef>
+        </p:style>
+        <p:txBody>
+          <a:bodyPr rtlCol="0" anchor="ctr"/>
+          <a:lstStyle/>
+          <a:p>
+            <a:pPr algn="ctr"/>
+            <a:r>
+              <a:rPr lang="en-US" sz="1200" dirty="0"/>
+              <a:t>t2</a:t>
+            </a:r>
+          </a:p>
+          <a:p>
+            <a:pPr algn="ctr"/>
+            <a:endParaRPr lang="en-US" sz="1200" dirty="0"/>
+          </a:p>
+          <a:p>
+            <a:pPr algn="ctr"/>
+            <a:r>
+              <a:rPr lang="en-US" sz="1200" dirty="0"/>
+              <a:t>[2,20]</a:t>
+            </a:r>
+          </a:p>
+          <a:p>
+            <a:pPr algn="ctr"/>
+            <a:r>
+              <a:rPr lang="en-US" sz="1200" dirty="0"/>
+              <a:t>[3,30]</a:t>
+            </a:r>
+          </a:p>
+          <a:p>
+            <a:pPr algn="ctr"/>
+            <a:r>
+              <a:rPr lang="en-US" sz="1200" dirty="0"/>
+              <a:t>[4, 40]</a:t>
+            </a:r>
+          </a:p>
+          <a:p>
+            <a:pPr algn="ctr"/>
+            <a:endParaRPr lang="en-US" sz="1200" dirty="0"/>
+          </a:p>
+        </p:txBody>
+      </p:sp>
+    </p:spTree>
+    <p:extLst>
+      <p:ext uri="{BB962C8B-B14F-4D97-AF65-F5344CB8AC3E}">
+        <p14:creationId xmlns:p14="http://schemas.microsoft.com/office/powerpoint/2010/main" val="785551881"/>
+      </p:ext>
+    </p:extLst>
+  </p:cSld>
+  <p:clrMapOvr>
+    <a:masterClrMapping/>
+  </p:clrMapOvr>
+</p:sld>
+</file>
+
 <file path=ppt/theme/theme1.xml><?xml version="1.0" encoding="utf-8"?>
 <a:theme xmlns:a="http://schemas.openxmlformats.org/drawingml/2006/main" name="Office Theme">
   <a:themeElements>
